--- a/Jellyfish.pptx
+++ b/Jellyfish.pptx
@@ -4,11 +4,18 @@
   <p:sldMasterIdLst>
     <p:sldMasterId id="2147483648" r:id="rId1"/>
   </p:sldMasterIdLst>
+  <p:notesMasterIdLst>
+    <p:notesMasterId r:id="rId10"/>
+  </p:notesMasterIdLst>
   <p:sldIdLst>
     <p:sldId id="256" r:id="rId2"/>
     <p:sldId id="257" r:id="rId3"/>
     <p:sldId id="258" r:id="rId4"/>
-    <p:sldId id="259" r:id="rId5"/>
+    <p:sldId id="260" r:id="rId5"/>
+    <p:sldId id="259" r:id="rId6"/>
+    <p:sldId id="261" r:id="rId7"/>
+    <p:sldId id="262" r:id="rId8"/>
+    <p:sldId id="263" r:id="rId9"/>
   </p:sldIdLst>
   <p:sldSz cx="12192000" cy="6858000"/>
   <p:notesSz cx="6858000" cy="9144000"/>
@@ -115,6 +122,356 @@
 </p:presentation>
 </file>
 
+<file path=ppt/notesMasters/notesMaster1.xml><?xml version="1.0" encoding="utf-8"?>
+<p:notesMaster xmlns:a="http://schemas.openxmlformats.org/drawingml/2006/main" xmlns:r="http://schemas.openxmlformats.org/officeDocument/2006/relationships" xmlns:p="http://schemas.openxmlformats.org/presentationml/2006/main">
+  <p:cSld>
+    <p:bg>
+      <p:bgRef idx="1001">
+        <a:schemeClr val="bg1"/>
+      </p:bgRef>
+    </p:bg>
+    <p:spTree>
+      <p:nvGrpSpPr>
+        <p:cNvPr id="1" name=""/>
+        <p:cNvGrpSpPr/>
+        <p:nvPr/>
+      </p:nvGrpSpPr>
+      <p:grpSpPr>
+        <a:xfrm>
+          <a:off x="0" y="0"/>
+          <a:ext cx="0" cy="0"/>
+          <a:chOff x="0" y="0"/>
+          <a:chExt cx="0" cy="0"/>
+        </a:xfrm>
+      </p:grpSpPr>
+      <p:sp>
+        <p:nvSpPr>
+          <p:cNvPr id="2" name="Header Placeholder 1"/>
+          <p:cNvSpPr>
+            <a:spLocks noGrp="1"/>
+          </p:cNvSpPr>
+          <p:nvPr>
+            <p:ph type="hdr" sz="quarter"/>
+          </p:nvPr>
+        </p:nvSpPr>
+        <p:spPr>
+          <a:xfrm>
+            <a:off x="0" y="0"/>
+            <a:ext cx="2971800" cy="458788"/>
+          </a:xfrm>
+          <a:prstGeom prst="rect">
+            <a:avLst/>
+          </a:prstGeom>
+        </p:spPr>
+        <p:txBody>
+          <a:bodyPr vert="horz" lIns="91440" tIns="45720" rIns="91440" bIns="45720" rtlCol="0"/>
+          <a:lstStyle>
+            <a:lvl1pPr algn="l">
+              <a:defRPr sz="1200"/>
+            </a:lvl1pPr>
+          </a:lstStyle>
+          <a:p>
+            <a:endParaRPr lang="en-SG"/>
+          </a:p>
+        </p:txBody>
+      </p:sp>
+      <p:sp>
+        <p:nvSpPr>
+          <p:cNvPr id="3" name="Date Placeholder 2"/>
+          <p:cNvSpPr>
+            <a:spLocks noGrp="1"/>
+          </p:cNvSpPr>
+          <p:nvPr>
+            <p:ph type="dt" idx="1"/>
+          </p:nvPr>
+        </p:nvSpPr>
+        <p:spPr>
+          <a:xfrm>
+            <a:off x="3884613" y="0"/>
+            <a:ext cx="2971800" cy="458788"/>
+          </a:xfrm>
+          <a:prstGeom prst="rect">
+            <a:avLst/>
+          </a:prstGeom>
+        </p:spPr>
+        <p:txBody>
+          <a:bodyPr vert="horz" lIns="91440" tIns="45720" rIns="91440" bIns="45720" rtlCol="0"/>
+          <a:lstStyle>
+            <a:lvl1pPr algn="r">
+              <a:defRPr sz="1200"/>
+            </a:lvl1pPr>
+          </a:lstStyle>
+          <a:p>
+            <a:fld id="{1AD2FB5A-A9A1-4728-BE5E-4ACB9D6B1424}" type="datetimeFigureOut">
+              <a:rPr lang="en-SG" smtClean="0"/>
+              <a:t>17/2/2022</a:t>
+            </a:fld>
+            <a:endParaRPr lang="en-SG"/>
+          </a:p>
+        </p:txBody>
+      </p:sp>
+      <p:sp>
+        <p:nvSpPr>
+          <p:cNvPr id="4" name="Slide Image Placeholder 3"/>
+          <p:cNvSpPr>
+            <a:spLocks noGrp="1" noRot="1" noChangeAspect="1"/>
+          </p:cNvSpPr>
+          <p:nvPr>
+            <p:ph type="sldImg" idx="2"/>
+          </p:nvPr>
+        </p:nvSpPr>
+        <p:spPr>
+          <a:xfrm>
+            <a:off x="685800" y="1143000"/>
+            <a:ext cx="5486400" cy="3086100"/>
+          </a:xfrm>
+          <a:prstGeom prst="rect">
+            <a:avLst/>
+          </a:prstGeom>
+          <a:noFill/>
+          <a:ln w="12700">
+            <a:solidFill>
+              <a:prstClr val="black"/>
+            </a:solidFill>
+          </a:ln>
+        </p:spPr>
+        <p:txBody>
+          <a:bodyPr vert="horz" lIns="91440" tIns="45720" rIns="91440" bIns="45720" rtlCol="0" anchor="ctr"/>
+          <a:lstStyle/>
+          <a:p>
+            <a:endParaRPr lang="en-SG"/>
+          </a:p>
+        </p:txBody>
+      </p:sp>
+      <p:sp>
+        <p:nvSpPr>
+          <p:cNvPr id="5" name="Notes Placeholder 4"/>
+          <p:cNvSpPr>
+            <a:spLocks noGrp="1"/>
+          </p:cNvSpPr>
+          <p:nvPr>
+            <p:ph type="body" sz="quarter" idx="3"/>
+          </p:nvPr>
+        </p:nvSpPr>
+        <p:spPr>
+          <a:xfrm>
+            <a:off x="685800" y="4400550"/>
+            <a:ext cx="5486400" cy="3600450"/>
+          </a:xfrm>
+          <a:prstGeom prst="rect">
+            <a:avLst/>
+          </a:prstGeom>
+        </p:spPr>
+        <p:txBody>
+          <a:bodyPr vert="horz" lIns="91440" tIns="45720" rIns="91440" bIns="45720" rtlCol="0"/>
+          <a:lstStyle/>
+          <a:p>
+            <a:pPr lvl="0"/>
+            <a:r>
+              <a:rPr lang="en-US" smtClean="0"/>
+              <a:t>Edit Master text styles</a:t>
+            </a:r>
+          </a:p>
+          <a:p>
+            <a:pPr lvl="1"/>
+            <a:r>
+              <a:rPr lang="en-US" smtClean="0"/>
+              <a:t>Second level</a:t>
+            </a:r>
+          </a:p>
+          <a:p>
+            <a:pPr lvl="2"/>
+            <a:r>
+              <a:rPr lang="en-US" smtClean="0"/>
+              <a:t>Third level</a:t>
+            </a:r>
+          </a:p>
+          <a:p>
+            <a:pPr lvl="3"/>
+            <a:r>
+              <a:rPr lang="en-US" smtClean="0"/>
+              <a:t>Fourth level</a:t>
+            </a:r>
+          </a:p>
+          <a:p>
+            <a:pPr lvl="4"/>
+            <a:r>
+              <a:rPr lang="en-US" smtClean="0"/>
+              <a:t>Fifth level</a:t>
+            </a:r>
+            <a:endParaRPr lang="en-SG"/>
+          </a:p>
+        </p:txBody>
+      </p:sp>
+      <p:sp>
+        <p:nvSpPr>
+          <p:cNvPr id="6" name="Footer Placeholder 5"/>
+          <p:cNvSpPr>
+            <a:spLocks noGrp="1"/>
+          </p:cNvSpPr>
+          <p:nvPr>
+            <p:ph type="ftr" sz="quarter" idx="4"/>
+          </p:nvPr>
+        </p:nvSpPr>
+        <p:spPr>
+          <a:xfrm>
+            <a:off x="0" y="8685213"/>
+            <a:ext cx="2971800" cy="458787"/>
+          </a:xfrm>
+          <a:prstGeom prst="rect">
+            <a:avLst/>
+          </a:prstGeom>
+        </p:spPr>
+        <p:txBody>
+          <a:bodyPr vert="horz" lIns="91440" tIns="45720" rIns="91440" bIns="45720" rtlCol="0" anchor="b"/>
+          <a:lstStyle>
+            <a:lvl1pPr algn="l">
+              <a:defRPr sz="1200"/>
+            </a:lvl1pPr>
+          </a:lstStyle>
+          <a:p>
+            <a:endParaRPr lang="en-SG"/>
+          </a:p>
+        </p:txBody>
+      </p:sp>
+      <p:sp>
+        <p:nvSpPr>
+          <p:cNvPr id="7" name="Slide Number Placeholder 6"/>
+          <p:cNvSpPr>
+            <a:spLocks noGrp="1"/>
+          </p:cNvSpPr>
+          <p:nvPr>
+            <p:ph type="sldNum" sz="quarter" idx="5"/>
+          </p:nvPr>
+        </p:nvSpPr>
+        <p:spPr>
+          <a:xfrm>
+            <a:off x="3884613" y="8685213"/>
+            <a:ext cx="2971800" cy="458787"/>
+          </a:xfrm>
+          <a:prstGeom prst="rect">
+            <a:avLst/>
+          </a:prstGeom>
+        </p:spPr>
+        <p:txBody>
+          <a:bodyPr vert="horz" lIns="91440" tIns="45720" rIns="91440" bIns="45720" rtlCol="0" anchor="b"/>
+          <a:lstStyle>
+            <a:lvl1pPr algn="r">
+              <a:defRPr sz="1200"/>
+            </a:lvl1pPr>
+          </a:lstStyle>
+          <a:p>
+            <a:fld id="{610E95E4-63A4-40D9-8C6C-5039BDBFA239}" type="slidenum">
+              <a:rPr lang="en-SG" smtClean="0"/>
+              <a:t>‹#›</a:t>
+            </a:fld>
+            <a:endParaRPr lang="en-SG"/>
+          </a:p>
+        </p:txBody>
+      </p:sp>
+    </p:spTree>
+    <p:extLst>
+      <p:ext uri="{BB962C8B-B14F-4D97-AF65-F5344CB8AC3E}">
+        <p14:creationId xmlns:p14="http://schemas.microsoft.com/office/powerpoint/2010/main" val="2483707736"/>
+      </p:ext>
+    </p:extLst>
+  </p:cSld>
+  <p:clrMap bg1="lt1" tx1="dk1" bg2="lt2" tx2="dk2" accent1="accent1" accent2="accent2" accent3="accent3" accent4="accent4" accent5="accent5" accent6="accent6" hlink="hlink" folHlink="folHlink"/>
+  <p:notesStyle>
+    <a:lvl1pPr marL="0" algn="l" defTabSz="914400" rtl="0" eaLnBrk="1" latinLnBrk="0" hangingPunct="1">
+      <a:defRPr sz="1200" kern="1200">
+        <a:solidFill>
+          <a:schemeClr val="tx1"/>
+        </a:solidFill>
+        <a:latin typeface="+mn-lt"/>
+        <a:ea typeface="+mn-ea"/>
+        <a:cs typeface="+mn-cs"/>
+      </a:defRPr>
+    </a:lvl1pPr>
+    <a:lvl2pPr marL="457200" algn="l" defTabSz="914400" rtl="0" eaLnBrk="1" latinLnBrk="0" hangingPunct="1">
+      <a:defRPr sz="1200" kern="1200">
+        <a:solidFill>
+          <a:schemeClr val="tx1"/>
+        </a:solidFill>
+        <a:latin typeface="+mn-lt"/>
+        <a:ea typeface="+mn-ea"/>
+        <a:cs typeface="+mn-cs"/>
+      </a:defRPr>
+    </a:lvl2pPr>
+    <a:lvl3pPr marL="914400" algn="l" defTabSz="914400" rtl="0" eaLnBrk="1" latinLnBrk="0" hangingPunct="1">
+      <a:defRPr sz="1200" kern="1200">
+        <a:solidFill>
+          <a:schemeClr val="tx1"/>
+        </a:solidFill>
+        <a:latin typeface="+mn-lt"/>
+        <a:ea typeface="+mn-ea"/>
+        <a:cs typeface="+mn-cs"/>
+      </a:defRPr>
+    </a:lvl3pPr>
+    <a:lvl4pPr marL="1371600" algn="l" defTabSz="914400" rtl="0" eaLnBrk="1" latinLnBrk="0" hangingPunct="1">
+      <a:defRPr sz="1200" kern="1200">
+        <a:solidFill>
+          <a:schemeClr val="tx1"/>
+        </a:solidFill>
+        <a:latin typeface="+mn-lt"/>
+        <a:ea typeface="+mn-ea"/>
+        <a:cs typeface="+mn-cs"/>
+      </a:defRPr>
+    </a:lvl4pPr>
+    <a:lvl5pPr marL="1828800" algn="l" defTabSz="914400" rtl="0" eaLnBrk="1" latinLnBrk="0" hangingPunct="1">
+      <a:defRPr sz="1200" kern="1200">
+        <a:solidFill>
+          <a:schemeClr val="tx1"/>
+        </a:solidFill>
+        <a:latin typeface="+mn-lt"/>
+        <a:ea typeface="+mn-ea"/>
+        <a:cs typeface="+mn-cs"/>
+      </a:defRPr>
+    </a:lvl5pPr>
+    <a:lvl6pPr marL="2286000" algn="l" defTabSz="914400" rtl="0" eaLnBrk="1" latinLnBrk="0" hangingPunct="1">
+      <a:defRPr sz="1200" kern="1200">
+        <a:solidFill>
+          <a:schemeClr val="tx1"/>
+        </a:solidFill>
+        <a:latin typeface="+mn-lt"/>
+        <a:ea typeface="+mn-ea"/>
+        <a:cs typeface="+mn-cs"/>
+      </a:defRPr>
+    </a:lvl6pPr>
+    <a:lvl7pPr marL="2743200" algn="l" defTabSz="914400" rtl="0" eaLnBrk="1" latinLnBrk="0" hangingPunct="1">
+      <a:defRPr sz="1200" kern="1200">
+        <a:solidFill>
+          <a:schemeClr val="tx1"/>
+        </a:solidFill>
+        <a:latin typeface="+mn-lt"/>
+        <a:ea typeface="+mn-ea"/>
+        <a:cs typeface="+mn-cs"/>
+      </a:defRPr>
+    </a:lvl7pPr>
+    <a:lvl8pPr marL="3200400" algn="l" defTabSz="914400" rtl="0" eaLnBrk="1" latinLnBrk="0" hangingPunct="1">
+      <a:defRPr sz="1200" kern="1200">
+        <a:solidFill>
+          <a:schemeClr val="tx1"/>
+        </a:solidFill>
+        <a:latin typeface="+mn-lt"/>
+        <a:ea typeface="+mn-ea"/>
+        <a:cs typeface="+mn-cs"/>
+      </a:defRPr>
+    </a:lvl8pPr>
+    <a:lvl9pPr marL="3657600" algn="l" defTabSz="914400" rtl="0" eaLnBrk="1" latinLnBrk="0" hangingPunct="1">
+      <a:defRPr sz="1200" kern="1200">
+        <a:solidFill>
+          <a:schemeClr val="tx1"/>
+        </a:solidFill>
+        <a:latin typeface="+mn-lt"/>
+        <a:ea typeface="+mn-ea"/>
+        <a:cs typeface="+mn-cs"/>
+      </a:defRPr>
+    </a:lvl9pPr>
+  </p:notesStyle>
+</p:notesMaster>
+</file>
+
 <file path=ppt/slideLayouts/slideLayout1.xml><?xml version="1.0" encoding="utf-8"?>
 <p:sldLayout xmlns:a="http://schemas.openxmlformats.org/drawingml/2006/main" xmlns:r="http://schemas.openxmlformats.org/officeDocument/2006/relationships" xmlns:p="http://schemas.openxmlformats.org/presentationml/2006/main" type="title" preserve="1">
   <p:cSld name="Title Slide">
@@ -244,9 +601,9 @@
           <a:bodyPr/>
           <a:lstStyle/>
           <a:p>
-            <a:fld id="{A6C05FF8-A5D0-4786-BCA8-8FF5E96403E7}" type="datetimeFigureOut">
+            <a:fld id="{A594AEAC-7519-425F-B01A-BD06A0722592}" type="datetime1">
               <a:rPr lang="en-SG" smtClean="0"/>
-              <a:t>16/2/2022</a:t>
+              <a:t>17/2/2022</a:t>
             </a:fld>
             <a:endParaRPr lang="en-SG"/>
           </a:p>
@@ -414,9 +771,9 @@
           <a:bodyPr/>
           <a:lstStyle/>
           <a:p>
-            <a:fld id="{A6C05FF8-A5D0-4786-BCA8-8FF5E96403E7}" type="datetimeFigureOut">
+            <a:fld id="{BCBA97FE-B708-4C55-B8D3-E5F011A8B821}" type="datetime1">
               <a:rPr lang="en-SG" smtClean="0"/>
-              <a:t>16/2/2022</a:t>
+              <a:t>17/2/2022</a:t>
             </a:fld>
             <a:endParaRPr lang="en-SG"/>
           </a:p>
@@ -594,9 +951,9 @@
           <a:bodyPr/>
           <a:lstStyle/>
           <a:p>
-            <a:fld id="{A6C05FF8-A5D0-4786-BCA8-8FF5E96403E7}" type="datetimeFigureOut">
+            <a:fld id="{794A7F27-6CE3-413F-B79F-E0649B00126B}" type="datetime1">
               <a:rPr lang="en-SG" smtClean="0"/>
-              <a:t>16/2/2022</a:t>
+              <a:t>17/2/2022</a:t>
             </a:fld>
             <a:endParaRPr lang="en-SG"/>
           </a:p>
@@ -764,9 +1121,9 @@
           <a:bodyPr/>
           <a:lstStyle/>
           <a:p>
-            <a:fld id="{A6C05FF8-A5D0-4786-BCA8-8FF5E96403E7}" type="datetimeFigureOut">
+            <a:fld id="{AEDDCED1-A06B-4D95-BF55-0155BD777723}" type="datetime1">
               <a:rPr lang="en-SG" smtClean="0"/>
-              <a:t>16/2/2022</a:t>
+              <a:t>17/2/2022</a:t>
             </a:fld>
             <a:endParaRPr lang="en-SG"/>
           </a:p>
@@ -1010,9 +1367,9 @@
           <a:bodyPr/>
           <a:lstStyle/>
           <a:p>
-            <a:fld id="{A6C05FF8-A5D0-4786-BCA8-8FF5E96403E7}" type="datetimeFigureOut">
+            <a:fld id="{12A7B465-A441-4B23-A855-3A966B6A4F46}" type="datetime1">
               <a:rPr lang="en-SG" smtClean="0"/>
-              <a:t>16/2/2022</a:t>
+              <a:t>17/2/2022</a:t>
             </a:fld>
             <a:endParaRPr lang="en-SG"/>
           </a:p>
@@ -1242,9 +1599,9 @@
           <a:bodyPr/>
           <a:lstStyle/>
           <a:p>
-            <a:fld id="{A6C05FF8-A5D0-4786-BCA8-8FF5E96403E7}" type="datetimeFigureOut">
+            <a:fld id="{6C69C227-200D-43B0-92AB-AAA5D31C09E4}" type="datetime1">
               <a:rPr lang="en-SG" smtClean="0"/>
-              <a:t>16/2/2022</a:t>
+              <a:t>17/2/2022</a:t>
             </a:fld>
             <a:endParaRPr lang="en-SG"/>
           </a:p>
@@ -1609,9 +1966,9 @@
           <a:bodyPr/>
           <a:lstStyle/>
           <a:p>
-            <a:fld id="{A6C05FF8-A5D0-4786-BCA8-8FF5E96403E7}" type="datetimeFigureOut">
+            <a:fld id="{F14B0DBB-33E6-4B90-905E-D7DC4EF13CF5}" type="datetime1">
               <a:rPr lang="en-SG" smtClean="0"/>
-              <a:t>16/2/2022</a:t>
+              <a:t>17/2/2022</a:t>
             </a:fld>
             <a:endParaRPr lang="en-SG"/>
           </a:p>
@@ -1727,9 +2084,9 @@
           <a:bodyPr/>
           <a:lstStyle/>
           <a:p>
-            <a:fld id="{A6C05FF8-A5D0-4786-BCA8-8FF5E96403E7}" type="datetimeFigureOut">
+            <a:fld id="{C969065B-FFBD-4B92-BA0A-D58391500E03}" type="datetime1">
               <a:rPr lang="en-SG" smtClean="0"/>
-              <a:t>16/2/2022</a:t>
+              <a:t>17/2/2022</a:t>
             </a:fld>
             <a:endParaRPr lang="en-SG"/>
           </a:p>
@@ -1822,9 +2179,9 @@
           <a:bodyPr/>
           <a:lstStyle/>
           <a:p>
-            <a:fld id="{A6C05FF8-A5D0-4786-BCA8-8FF5E96403E7}" type="datetimeFigureOut">
+            <a:fld id="{CC069BB5-D6A2-4AB2-BC6E-DD95BF389837}" type="datetime1">
               <a:rPr lang="en-SG" smtClean="0"/>
-              <a:t>16/2/2022</a:t>
+              <a:t>17/2/2022</a:t>
             </a:fld>
             <a:endParaRPr lang="en-SG"/>
           </a:p>
@@ -2099,9 +2456,9 @@
           <a:bodyPr/>
           <a:lstStyle/>
           <a:p>
-            <a:fld id="{A6C05FF8-A5D0-4786-BCA8-8FF5E96403E7}" type="datetimeFigureOut">
+            <a:fld id="{87E34FA4-08D7-497D-8A91-C7F653EEB986}" type="datetime1">
               <a:rPr lang="en-SG" smtClean="0"/>
-              <a:t>16/2/2022</a:t>
+              <a:t>17/2/2022</a:t>
             </a:fld>
             <a:endParaRPr lang="en-SG"/>
           </a:p>
@@ -2352,9 +2709,9 @@
           <a:bodyPr/>
           <a:lstStyle/>
           <a:p>
-            <a:fld id="{A6C05FF8-A5D0-4786-BCA8-8FF5E96403E7}" type="datetimeFigureOut">
+            <a:fld id="{8C7CF39E-2E01-42DF-8E14-FFAEB5AED21A}" type="datetime1">
               <a:rPr lang="en-SG" smtClean="0"/>
-              <a:t>16/2/2022</a:t>
+              <a:t>17/2/2022</a:t>
             </a:fld>
             <a:endParaRPr lang="en-SG"/>
           </a:p>
@@ -2565,9 +2922,9 @@
             </a:lvl1pPr>
           </a:lstStyle>
           <a:p>
-            <a:fld id="{A6C05FF8-A5D0-4786-BCA8-8FF5E96403E7}" type="datetimeFigureOut">
+            <a:fld id="{850BB47F-3E15-4801-B75B-D3F6822BE964}" type="datetime1">
               <a:rPr lang="en-SG" smtClean="0"/>
-              <a:t>16/2/2022</a:t>
+              <a:t>17/2/2022</a:t>
             </a:fld>
             <a:endParaRPr lang="en-SG"/>
           </a:p>
@@ -2672,6 +3029,7 @@
     <p:sldLayoutId id="2147483658" r:id="rId10"/>
     <p:sldLayoutId id="2147483659" r:id="rId11"/>
   </p:sldLayoutIdLst>
+  <p:hf hdr="0" ftr="0" dt="0"/>
   <p:txStyles>
     <p:titleStyle>
       <a:lvl1pPr algn="l" defTabSz="914400" rtl="0" eaLnBrk="1" latinLnBrk="0" hangingPunct="1">
@@ -3034,6 +3392,29 @@
           </a:p>
         </p:txBody>
       </p:sp>
+      <p:sp>
+        <p:nvSpPr>
+          <p:cNvPr id="4" name="Slide Number Placeholder 3"/>
+          <p:cNvSpPr>
+            <a:spLocks noGrp="1"/>
+          </p:cNvSpPr>
+          <p:nvPr>
+            <p:ph type="sldNum" sz="quarter" idx="12"/>
+          </p:nvPr>
+        </p:nvSpPr>
+        <p:spPr/>
+        <p:txBody>
+          <a:bodyPr/>
+          <a:lstStyle/>
+          <a:p>
+            <a:fld id="{17AF8967-FE9A-4707-8B19-D7BDA74EDCF9}" type="slidenum">
+              <a:rPr lang="en-SG" smtClean="0"/>
+              <a:t>1</a:t>
+            </a:fld>
+            <a:endParaRPr lang="en-SG"/>
+          </a:p>
+        </p:txBody>
+      </p:sp>
     </p:spTree>
     <p:extLst>
       <p:ext uri="{BB962C8B-B14F-4D97-AF65-F5344CB8AC3E}">
@@ -3044,6 +3425,13 @@
   <p:clrMapOvr>
     <a:masterClrMapping/>
   </p:clrMapOvr>
+  <p:timing>
+    <p:tnLst>
+      <p:par>
+        <p:cTn id="1" dur="indefinite" restart="never" nodeType="tmRoot"/>
+      </p:par>
+    </p:tnLst>
+  </p:timing>
 </p:sld>
 </file>
 
@@ -3120,6 +3508,29 @@
               <a:rPr lang="en-US" dirty="0" smtClean="0"/>
               <a:t>Algorithm</a:t>
             </a:r>
+          </a:p>
+        </p:txBody>
+      </p:sp>
+      <p:sp>
+        <p:nvSpPr>
+          <p:cNvPr id="3" name="Slide Number Placeholder 2"/>
+          <p:cNvSpPr>
+            <a:spLocks noGrp="1"/>
+          </p:cNvSpPr>
+          <p:nvPr>
+            <p:ph type="sldNum" sz="quarter" idx="12"/>
+          </p:nvPr>
+        </p:nvSpPr>
+        <p:spPr/>
+        <p:txBody>
+          <a:bodyPr/>
+          <a:lstStyle/>
+          <a:p>
+            <a:fld id="{17AF8967-FE9A-4707-8B19-D7BDA74EDCF9}" type="slidenum">
+              <a:rPr lang="en-SG" smtClean="0"/>
+              <a:t>2</a:t>
+            </a:fld>
+            <a:endParaRPr lang="en-SG"/>
           </a:p>
         </p:txBody>
       </p:sp>
@@ -3212,12 +3623,12 @@
               <a:buChar char="§"/>
             </a:pPr>
             <a:r>
-              <a:rPr lang="en-US" sz="2400" dirty="0"/>
-              <a:t> </a:t>
-            </a:r>
-            <a:r>
               <a:rPr lang="en-US" sz="2400" dirty="0" smtClean="0"/>
-              <a:t>Have high </a:t>
+              <a:t>Have </a:t>
+            </a:r>
+            <a:r>
+              <a:rPr lang="en-US" sz="2400" dirty="0" smtClean="0"/>
+              <a:t>high </a:t>
             </a:r>
             <a:r>
               <a:rPr lang="en-US" sz="2400" dirty="0"/>
@@ -3277,6 +3688,29 @@
               <a:rPr lang="en-SG" sz="4400" dirty="0"/>
               <a:t>Swarm Intelligence (SI)</a:t>
             </a:r>
+          </a:p>
+        </p:txBody>
+      </p:sp>
+      <p:sp>
+        <p:nvSpPr>
+          <p:cNvPr id="3" name="Slide Number Placeholder 2"/>
+          <p:cNvSpPr>
+            <a:spLocks noGrp="1"/>
+          </p:cNvSpPr>
+          <p:nvPr>
+            <p:ph type="sldNum" sz="quarter" idx="12"/>
+          </p:nvPr>
+        </p:nvSpPr>
+        <p:spPr/>
+        <p:txBody>
+          <a:bodyPr/>
+          <a:lstStyle/>
+          <a:p>
+            <a:fld id="{17AF8967-FE9A-4707-8B19-D7BDA74EDCF9}" type="slidenum">
+              <a:rPr lang="en-SG" smtClean="0"/>
+              <a:t>3</a:t>
+            </a:fld>
+            <a:endParaRPr lang="en-SG"/>
           </a:p>
         </p:txBody>
       </p:sp>
@@ -3325,8 +3759,8 @@
         </p:nvSpPr>
         <p:spPr>
           <a:xfrm>
-            <a:off x="604911" y="2447777"/>
-            <a:ext cx="10410091" cy="2677656"/>
+            <a:off x="604912" y="1905505"/>
+            <a:ext cx="7104184" cy="4154984"/>
           </a:xfrm>
           <a:prstGeom prst="rect">
             <a:avLst/>
@@ -3339,72 +3773,172 @@
           </a:bodyPr>
           <a:lstStyle/>
           <a:p>
-            <a:pPr marL="342900" indent="-342900">
+            <a:pPr marL="342900" indent="-342900" algn="just">
               <a:buFont typeface="Wingdings" panose="05000000000000000000" pitchFamily="2" charset="2"/>
               <a:buChar char="§"/>
             </a:pPr>
             <a:r>
               <a:rPr lang="en-US" sz="2400" dirty="0" smtClean="0"/>
-              <a:t>Simulation of </a:t>
+              <a:t>Inspired </a:t>
             </a:r>
             <a:r>
               <a:rPr lang="en-US" sz="2400" dirty="0"/>
-              <a:t>the collective intelligent behavior of insect or animal groups such as flocks of birds, colonies of ants, schools of fish, swarms of </a:t>
+              <a:t>by </a:t>
+            </a:r>
+            <a:r>
+              <a:rPr lang="en-US" sz="2400" b="1" dirty="0"/>
+              <a:t>search behavior</a:t>
+            </a:r>
+            <a:r>
+              <a:rPr lang="en-US" sz="2400" dirty="0"/>
+              <a:t> and </a:t>
+            </a:r>
+            <a:r>
+              <a:rPr lang="en-US" sz="2400" b="1" dirty="0"/>
+              <a:t>movement</a:t>
+            </a:r>
+            <a:r>
+              <a:rPr lang="en-US" sz="2400" dirty="0"/>
+              <a:t> of jellyfish in the </a:t>
             </a:r>
             <a:r>
               <a:rPr lang="en-US" sz="2400" dirty="0" smtClean="0"/>
-              <a:t>bees.</a:t>
-            </a:r>
-          </a:p>
-          <a:p>
-            <a:pPr marL="342900" indent="-342900">
+              <a:t>ocean.</a:t>
+            </a:r>
+          </a:p>
+          <a:p>
+            <a:pPr marL="342900" indent="-342900" algn="just">
               <a:buFont typeface="Wingdings" panose="05000000000000000000" pitchFamily="2" charset="2"/>
               <a:buChar char="§"/>
             </a:pPr>
-            <a:endParaRPr lang="en-US" sz="2400" dirty="0"/>
-          </a:p>
-          <a:p>
-            <a:pPr marL="342900" indent="-342900">
+            <a:r>
+              <a:rPr lang="en-US" sz="2400" dirty="0"/>
+              <a:t>They move in the ocean </a:t>
+            </a:r>
+            <a:r>
+              <a:rPr lang="en-US" sz="2400" dirty="0" smtClean="0"/>
+              <a:t>in </a:t>
+            </a:r>
+            <a:r>
+              <a:rPr lang="en-US" sz="2400" b="1" dirty="0" smtClean="0"/>
+              <a:t>search </a:t>
+            </a:r>
+            <a:r>
+              <a:rPr lang="en-US" sz="2400" b="1" dirty="0"/>
+              <a:t>of food</a:t>
+            </a:r>
+            <a:r>
+              <a:rPr lang="en-US" sz="2400" dirty="0" smtClean="0"/>
+              <a:t>.</a:t>
+            </a:r>
+            <a:endParaRPr lang="en-US" sz="2400" dirty="0" smtClean="0"/>
+          </a:p>
+          <a:p>
+            <a:pPr marL="342900" indent="-342900" algn="just">
               <a:buFont typeface="Wingdings" panose="05000000000000000000" pitchFamily="2" charset="2"/>
               <a:buChar char="§"/>
             </a:pPr>
             <a:r>
-              <a:rPr lang="en-US" sz="2400" dirty="0"/>
-              <a:t> </a:t>
-            </a:r>
-            <a:r>
               <a:rPr lang="en-US" sz="2400" dirty="0" smtClean="0"/>
-              <a:t>Have high </a:t>
-            </a:r>
-            <a:r>
-              <a:rPr lang="en-US" sz="2400" dirty="0"/>
-              <a:t>flexibility </a:t>
+              <a:t>Jellyfish are </a:t>
+            </a:r>
+            <a:r>
+              <a:rPr lang="en-US" sz="2400" b="1" dirty="0" smtClean="0"/>
+              <a:t>weak</a:t>
             </a:r>
             <a:r>
               <a:rPr lang="en-US" sz="2400" dirty="0" smtClean="0"/>
-              <a:t>and high efficiency</a:t>
-            </a:r>
-          </a:p>
-          <a:p>
-            <a:pPr marL="342900" indent="-342900">
+              <a:t> </a:t>
+            </a:r>
+            <a:r>
+              <a:rPr lang="en-US" sz="2400" b="1" dirty="0" smtClean="0"/>
+              <a:t>swimmer</a:t>
+            </a:r>
+            <a:r>
+              <a:rPr lang="en-US" sz="2400" dirty="0" smtClean="0"/>
+              <a:t> and mostly depend on ocean current.</a:t>
+            </a:r>
+          </a:p>
+          <a:p>
+            <a:pPr marL="342900" indent="-342900" algn="just">
               <a:buFont typeface="Wingdings" panose="05000000000000000000" pitchFamily="2" charset="2"/>
               <a:buChar char="§"/>
             </a:pPr>
-            <a:endParaRPr lang="en-US" sz="2400" dirty="0" smtClean="0"/>
-          </a:p>
-          <a:p>
-            <a:pPr marL="342900" indent="-342900">
+            <a:r>
+              <a:rPr lang="en-US" sz="2400" dirty="0" smtClean="0"/>
+              <a:t>In Swarm, Two type of motion can be observed.</a:t>
+            </a:r>
+          </a:p>
+          <a:p>
+            <a:pPr marL="800100" lvl="1" indent="-342900" algn="just">
+              <a:buFont typeface="Arial" panose="020B0604020202020204" pitchFamily="34" charset="0"/>
+              <a:buChar char="•"/>
+            </a:pPr>
+            <a:r>
+              <a:rPr lang="en-US" sz="2400" b="1" dirty="0"/>
+              <a:t>Active </a:t>
+            </a:r>
+            <a:r>
+              <a:rPr lang="en-US" sz="2400" b="1" dirty="0" smtClean="0"/>
+              <a:t>Motion</a:t>
+            </a:r>
+          </a:p>
+          <a:p>
+            <a:pPr marL="800100" lvl="1" indent="-342900" algn="just">
+              <a:buFont typeface="Arial" panose="020B0604020202020204" pitchFamily="34" charset="0"/>
+              <a:buChar char="•"/>
+            </a:pPr>
+            <a:r>
+              <a:rPr lang="en-US" sz="2400" b="1" dirty="0"/>
+              <a:t>Passive Motion</a:t>
+            </a:r>
+          </a:p>
+          <a:p>
+            <a:pPr marL="342900" indent="-342900" algn="just">
               <a:buFont typeface="Wingdings" panose="05000000000000000000" pitchFamily="2" charset="2"/>
               <a:buChar char="§"/>
             </a:pPr>
             <a:r>
+              <a:rPr lang="en-US" sz="2400" dirty="0" smtClean="0"/>
+              <a:t>A </a:t>
+            </a:r>
+            <a:r>
+              <a:rPr lang="en-US" sz="2400" b="1" i="1" dirty="0"/>
+              <a:t>“time control </a:t>
+            </a:r>
+            <a:r>
+              <a:rPr lang="en-US" sz="2400" b="1" i="1" dirty="0" smtClean="0"/>
+              <a:t>mechanism</a:t>
+            </a:r>
+            <a:r>
+              <a:rPr lang="en-US" sz="2400" dirty="0" smtClean="0"/>
+              <a:t>” use to switch between types of movement and </a:t>
+            </a:r>
+            <a:r>
               <a:rPr lang="en-US" sz="2400" dirty="0"/>
-              <a:t>SI systems are typically made up of a population of simple agents interacting locally with one another and with their environment</a:t>
+              <a:t>ensure </a:t>
             </a:r>
             <a:r>
               <a:rPr lang="en-US" sz="2400" dirty="0" smtClean="0"/>
-              <a:t>.</a:t>
-            </a:r>
+              <a:t>to not </a:t>
+            </a:r>
+            <a:r>
+              <a:rPr lang="en-US" sz="2400" dirty="0"/>
+              <a:t>become </a:t>
+            </a:r>
+            <a:r>
+              <a:rPr lang="en-US" sz="2400" dirty="0" smtClean="0"/>
+              <a:t>stranded inside the “</a:t>
+            </a:r>
+            <a:r>
+              <a:rPr lang="en-US" sz="2400" b="1" dirty="0" smtClean="0"/>
+              <a:t>Bloom</a:t>
+            </a:r>
+            <a:r>
+              <a:rPr lang="en-US" sz="2400" dirty="0" smtClean="0"/>
+              <a:t>”.</a:t>
+            </a:r>
+            <a:endParaRPr lang="en-US" sz="2400" dirty="0" smtClean="0"/>
           </a:p>
         </p:txBody>
       </p:sp>
@@ -3444,10 +3978,1418 @@
           </a:p>
         </p:txBody>
       </p:sp>
+      <p:pic>
+        <p:nvPicPr>
+          <p:cNvPr id="1026" name="Picture 2" descr="https://i.pinimg.com/564x/2d/ca/0a/2dca0aef7d3eafa7f3f75e27d31412f9.jpg"/>
+          <p:cNvPicPr>
+            <a:picLocks noChangeAspect="1" noChangeArrowheads="1"/>
+          </p:cNvPicPr>
+          <p:nvPr/>
+        </p:nvPicPr>
+        <p:blipFill>
+          <a:blip r:embed="rId2">
+            <a:extLst>
+              <a:ext uri="{28A0092B-C50C-407E-A947-70E740481C1C}">
+                <a14:useLocalDpi xmlns:a14="http://schemas.microsoft.com/office/drawing/2010/main" val="0"/>
+              </a:ext>
+            </a:extLst>
+          </a:blip>
+          <a:srcRect/>
+          <a:stretch>
+            <a:fillRect/>
+          </a:stretch>
+        </p:blipFill>
+        <p:spPr bwMode="auto">
+          <a:xfrm>
+            <a:off x="8496886" y="1256499"/>
+            <a:ext cx="3196981" cy="4803990"/>
+          </a:xfrm>
+          <a:prstGeom prst="rect">
+            <a:avLst/>
+          </a:prstGeom>
+          <a:noFill/>
+          <a:extLst>
+            <a:ext uri="{909E8E84-426E-40DD-AFC4-6F175D3DCCD1}">
+              <a14:hiddenFill xmlns:a14="http://schemas.microsoft.com/office/drawing/2010/main">
+                <a:solidFill>
+                  <a:srgbClr val="FFFFFF"/>
+                </a:solidFill>
+              </a14:hiddenFill>
+            </a:ext>
+          </a:extLst>
+        </p:spPr>
+      </p:pic>
+      <p:sp>
+        <p:nvSpPr>
+          <p:cNvPr id="3" name="Slide Number Placeholder 2"/>
+          <p:cNvSpPr>
+            <a:spLocks noGrp="1"/>
+          </p:cNvSpPr>
+          <p:nvPr>
+            <p:ph type="sldNum" sz="quarter" idx="12"/>
+          </p:nvPr>
+        </p:nvSpPr>
+        <p:spPr/>
+        <p:txBody>
+          <a:bodyPr/>
+          <a:lstStyle/>
+          <a:p>
+            <a:fld id="{17AF8967-FE9A-4707-8B19-D7BDA74EDCF9}" type="slidenum">
+              <a:rPr lang="en-SG" smtClean="0"/>
+              <a:t>4</a:t>
+            </a:fld>
+            <a:endParaRPr lang="en-SG"/>
+          </a:p>
+        </p:txBody>
+      </p:sp>
+    </p:spTree>
+    <p:extLst>
+      <p:ext uri="{BB962C8B-B14F-4D97-AF65-F5344CB8AC3E}">
+        <p14:creationId xmlns:p14="http://schemas.microsoft.com/office/powerpoint/2010/main" val="286016670"/>
+      </p:ext>
+    </p:extLst>
+  </p:cSld>
+  <p:clrMapOvr>
+    <a:masterClrMapping/>
+  </p:clrMapOvr>
+  <p:timing>
+    <p:tnLst>
+      <p:par>
+        <p:cTn id="1" dur="indefinite" restart="never" nodeType="tmRoot"/>
+      </p:par>
+    </p:tnLst>
+  </p:timing>
+</p:sld>
+</file>
+
+<file path=ppt/slides/slide5.xml><?xml version="1.0" encoding="utf-8"?>
+<p:sld xmlns:a="http://schemas.openxmlformats.org/drawingml/2006/main" xmlns:r="http://schemas.openxmlformats.org/officeDocument/2006/relationships" xmlns:p="http://schemas.openxmlformats.org/presentationml/2006/main">
+  <p:cSld>
+    <p:spTree>
+      <p:nvGrpSpPr>
+        <p:cNvPr id="1" name=""/>
+        <p:cNvGrpSpPr/>
+        <p:nvPr/>
+      </p:nvGrpSpPr>
+      <p:grpSpPr>
+        <a:xfrm>
+          <a:off x="0" y="0"/>
+          <a:ext cx="0" cy="0"/>
+          <a:chOff x="0" y="0"/>
+          <a:chExt cx="0" cy="0"/>
+        </a:xfrm>
+      </p:grpSpPr>
+      <p:sp>
+        <p:nvSpPr>
+          <p:cNvPr id="4" name="TextBox 3"/>
+          <p:cNvSpPr txBox="1"/>
+          <p:nvPr/>
+        </p:nvSpPr>
+        <p:spPr>
+          <a:xfrm>
+            <a:off x="604911" y="422030"/>
+            <a:ext cx="9734843" cy="1446550"/>
+          </a:xfrm>
+          <a:prstGeom prst="rect">
+            <a:avLst/>
+          </a:prstGeom>
+          <a:noFill/>
+        </p:spPr>
+        <p:txBody>
+          <a:bodyPr wrap="square" rtlCol="0">
+            <a:spAutoFit/>
+          </a:bodyPr>
+          <a:lstStyle/>
+          <a:p>
+            <a:r>
+              <a:rPr lang="en-SG" sz="4400" dirty="0"/>
+              <a:t>Jellyfish Search (JS) </a:t>
+            </a:r>
+            <a:r>
+              <a:rPr lang="en-SG" sz="4400" dirty="0" smtClean="0"/>
+              <a:t>optimizer</a:t>
+            </a:r>
+          </a:p>
+          <a:p>
+            <a:endParaRPr lang="en-SG" sz="4400" dirty="0"/>
+          </a:p>
+        </p:txBody>
+      </p:sp>
+      <p:pic>
+        <p:nvPicPr>
+          <p:cNvPr id="3" name="Picture 2"/>
+          <p:cNvPicPr>
+            <a:picLocks noChangeAspect="1"/>
+          </p:cNvPicPr>
+          <p:nvPr/>
+        </p:nvPicPr>
+        <p:blipFill>
+          <a:blip r:embed="rId2"/>
+          <a:stretch>
+            <a:fillRect/>
+          </a:stretch>
+        </p:blipFill>
+        <p:spPr>
+          <a:xfrm>
+            <a:off x="2268979" y="1145305"/>
+            <a:ext cx="8070775" cy="5462386"/>
+          </a:xfrm>
+          <a:prstGeom prst="rect">
+            <a:avLst/>
+          </a:prstGeom>
+        </p:spPr>
+      </p:pic>
+      <p:sp>
+        <p:nvSpPr>
+          <p:cNvPr id="5" name="Slide Number Placeholder 4"/>
+          <p:cNvSpPr>
+            <a:spLocks noGrp="1"/>
+          </p:cNvSpPr>
+          <p:nvPr>
+            <p:ph type="sldNum" sz="quarter" idx="12"/>
+          </p:nvPr>
+        </p:nvSpPr>
+        <p:spPr/>
+        <p:txBody>
+          <a:bodyPr/>
+          <a:lstStyle/>
+          <a:p>
+            <a:fld id="{17AF8967-FE9A-4707-8B19-D7BDA74EDCF9}" type="slidenum">
+              <a:rPr lang="en-SG" smtClean="0"/>
+              <a:t>5</a:t>
+            </a:fld>
+            <a:endParaRPr lang="en-SG"/>
+          </a:p>
+        </p:txBody>
+      </p:sp>
     </p:spTree>
     <p:extLst>
       <p:ext uri="{BB962C8B-B14F-4D97-AF65-F5344CB8AC3E}">
         <p14:creationId xmlns:p14="http://schemas.microsoft.com/office/powerpoint/2010/main" val="24237947"/>
+      </p:ext>
+    </p:extLst>
+  </p:cSld>
+  <p:clrMapOvr>
+    <a:masterClrMapping/>
+  </p:clrMapOvr>
+  <p:timing>
+    <p:tnLst>
+      <p:par>
+        <p:cTn id="1" dur="indefinite" restart="never" nodeType="tmRoot"/>
+      </p:par>
+    </p:tnLst>
+  </p:timing>
+</p:sld>
+</file>
+
+<file path=ppt/slides/slide6.xml><?xml version="1.0" encoding="utf-8"?>
+<p:sld xmlns:a="http://schemas.openxmlformats.org/drawingml/2006/main" xmlns:r="http://schemas.openxmlformats.org/officeDocument/2006/relationships" xmlns:p="http://schemas.openxmlformats.org/presentationml/2006/main">
+  <p:cSld>
+    <p:spTree>
+      <p:nvGrpSpPr>
+        <p:cNvPr id="1" name=""/>
+        <p:cNvGrpSpPr/>
+        <p:nvPr/>
+      </p:nvGrpSpPr>
+      <p:grpSpPr>
+        <a:xfrm>
+          <a:off x="0" y="0"/>
+          <a:ext cx="0" cy="0"/>
+          <a:chOff x="0" y="0"/>
+          <a:chExt cx="0" cy="0"/>
+        </a:xfrm>
+      </p:grpSpPr>
+      <p:sp>
+        <p:nvSpPr>
+          <p:cNvPr id="4" name="TextBox 3"/>
+          <p:cNvSpPr txBox="1"/>
+          <p:nvPr/>
+        </p:nvSpPr>
+        <p:spPr>
+          <a:xfrm>
+            <a:off x="604911" y="422030"/>
+            <a:ext cx="9734843" cy="1261884"/>
+          </a:xfrm>
+          <a:prstGeom prst="rect">
+            <a:avLst/>
+          </a:prstGeom>
+          <a:noFill/>
+        </p:spPr>
+        <p:txBody>
+          <a:bodyPr wrap="square" rtlCol="0">
+            <a:spAutoFit/>
+          </a:bodyPr>
+          <a:lstStyle/>
+          <a:p>
+            <a:r>
+              <a:rPr lang="en-SG" sz="4400" dirty="0"/>
+              <a:t>Jellyfish Search (JS) </a:t>
+            </a:r>
+            <a:r>
+              <a:rPr lang="en-SG" sz="4400" dirty="0" smtClean="0"/>
+              <a:t>optimizer</a:t>
+            </a:r>
+          </a:p>
+          <a:p>
+            <a:r>
+              <a:rPr lang="en-US" sz="3200" dirty="0">
+                <a:latin typeface="+mj-lt"/>
+              </a:rPr>
+              <a:t>Movement with Ocean current</a:t>
+            </a:r>
+            <a:endParaRPr lang="en-SG" sz="3200" dirty="0" smtClean="0">
+              <a:latin typeface="+mj-lt"/>
+            </a:endParaRPr>
+          </a:p>
+        </p:txBody>
+      </p:sp>
+      <mc:AlternateContent xmlns:mc="http://schemas.openxmlformats.org/markup-compatibility/2006">
+        <mc:Choice xmlns:a14="http://schemas.microsoft.com/office/drawing/2010/main" Requires="a14">
+          <p:sp>
+            <p:nvSpPr>
+              <p:cNvPr id="5" name="TextBox 4"/>
+              <p:cNvSpPr txBox="1"/>
+              <p:nvPr/>
+            </p:nvSpPr>
+            <p:spPr>
+              <a:xfrm>
+                <a:off x="7863840" y="3325542"/>
+                <a:ext cx="3713871" cy="1200329"/>
+              </a:xfrm>
+              <a:prstGeom prst="rect">
+                <a:avLst/>
+              </a:prstGeom>
+              <a:noFill/>
+            </p:spPr>
+            <p:txBody>
+              <a:bodyPr wrap="square" rtlCol="0">
+                <a:spAutoFit/>
+              </a:bodyPr>
+              <a:lstStyle/>
+              <a:p>
+                <a14:m>
+                  <m:oMath xmlns:m="http://schemas.openxmlformats.org/officeDocument/2006/math">
+                    <m:r>
+                      <m:rPr>
+                        <m:sty m:val="p"/>
+                      </m:rPr>
+                      <a:rPr lang="el-GR" i="1" smtClean="0">
+                        <a:latin typeface="Cambria Math" panose="02040503050406030204" pitchFamily="18" charset="0"/>
+                      </a:rPr>
+                      <m:t>β</m:t>
+                    </m:r>
+                    <m:r>
+                      <a:rPr lang="en-US" b="0" i="1" smtClean="0">
+                        <a:latin typeface="Cambria Math" panose="02040503050406030204" pitchFamily="18" charset="0"/>
+                      </a:rPr>
+                      <m:t>=</m:t>
+                    </m:r>
+                  </m:oMath>
+                </a14:m>
+                <a:r>
+                  <a:rPr lang="en-US" dirty="0" smtClean="0"/>
+                  <a:t> Distribution </a:t>
+                </a:r>
+                <a:r>
+                  <a:rPr lang="en-SG" dirty="0" smtClean="0"/>
+                  <a:t>coefficient </a:t>
+                </a:r>
+                <a:endParaRPr lang="en-US" i="1" dirty="0">
+                  <a:latin typeface="Cambria Math" panose="02040503050406030204" pitchFamily="18" charset="0"/>
+                </a:endParaRPr>
+              </a:p>
+              <a:p>
+                <a14:m>
+                  <m:oMath xmlns:m="http://schemas.openxmlformats.org/officeDocument/2006/math">
+                    <m:r>
+                      <a:rPr lang="el-GR" i="1" smtClean="0">
+                        <a:latin typeface="Cambria Math" panose="02040503050406030204" pitchFamily="18" charset="0"/>
+                      </a:rPr>
+                      <m:t>µ</m:t>
+                    </m:r>
+                    <m:r>
+                      <a:rPr lang="en-US" b="0" i="1" smtClean="0">
+                        <a:latin typeface="Cambria Math" panose="02040503050406030204" pitchFamily="18" charset="0"/>
+                      </a:rPr>
+                      <m:t>=</m:t>
+                    </m:r>
+                  </m:oMath>
+                </a14:m>
+                <a:r>
+                  <a:rPr lang="en-SG" dirty="0"/>
+                  <a:t> Mean locationof</a:t>
+                </a:r>
+                <a:r>
+                  <a:rPr lang="en-SG" dirty="0"/>
+                  <a:t> all </a:t>
+                </a:r>
+                <a:r>
+                  <a:rPr lang="en-SG" dirty="0" smtClean="0"/>
+                  <a:t>jellyfish</a:t>
+                </a:r>
+              </a:p>
+              <a:p>
+                <a:r>
+                  <a:rPr lang="en-US" dirty="0"/>
+                  <a:t>X* = Jellyfish currently with the </a:t>
+                </a:r>
+                <a:r>
+                  <a:rPr lang="en-US" dirty="0" smtClean="0"/>
+                  <a:t>	best </a:t>
+                </a:r>
+                <a:r>
+                  <a:rPr lang="en-US" dirty="0"/>
+                  <a:t>location in the swarm</a:t>
+                </a:r>
+                <a:endParaRPr lang="en-SG" dirty="0"/>
+              </a:p>
+            </p:txBody>
+          </p:sp>
+        </mc:Choice>
+        <mc:Fallback>
+          <p:sp>
+            <p:nvSpPr>
+              <p:cNvPr id="5" name="TextBox 4"/>
+              <p:cNvSpPr txBox="1">
+                <a:spLocks noRot="1" noChangeAspect="1" noMove="1" noResize="1" noEditPoints="1" noAdjustHandles="1" noChangeArrowheads="1" noChangeShapeType="1" noTextEdit="1"/>
+              </p:cNvSpPr>
+              <p:nvPr/>
+            </p:nvSpPr>
+            <p:spPr>
+              <a:xfrm>
+                <a:off x="7863840" y="3325542"/>
+                <a:ext cx="3713871" cy="1200329"/>
+              </a:xfrm>
+              <a:prstGeom prst="rect">
+                <a:avLst/>
+              </a:prstGeom>
+              <a:blipFill>
+                <a:blip r:embed="rId2"/>
+                <a:stretch>
+                  <a:fillRect l="-1314" t="-3061" b="-7653"/>
+                </a:stretch>
+              </a:blipFill>
+            </p:spPr>
+            <p:txBody>
+              <a:bodyPr/>
+              <a:lstStyle/>
+              <a:p>
+                <a:r>
+                  <a:rPr lang="en-SG">
+                    <a:noFill/>
+                  </a:rPr>
+                  <a:t> </a:t>
+                </a:r>
+              </a:p>
+            </p:txBody>
+          </p:sp>
+        </mc:Fallback>
+      </mc:AlternateContent>
+      <mc:AlternateContent xmlns:mc="http://schemas.openxmlformats.org/markup-compatibility/2006">
+        <mc:Choice xmlns:a14="http://schemas.microsoft.com/office/drawing/2010/main" Requires="a14">
+          <p:sp>
+            <p:nvSpPr>
+              <p:cNvPr id="6" name="TextBox 5"/>
+              <p:cNvSpPr txBox="1"/>
+              <p:nvPr/>
+            </p:nvSpPr>
+            <p:spPr>
+              <a:xfrm>
+                <a:off x="604910" y="2011679"/>
+                <a:ext cx="10972801" cy="885563"/>
+              </a:xfrm>
+              <a:prstGeom prst="rect">
+                <a:avLst/>
+              </a:prstGeom>
+              <a:noFill/>
+            </p:spPr>
+            <p:txBody>
+              <a:bodyPr wrap="square" rtlCol="0">
+                <a:spAutoFit/>
+              </a:bodyPr>
+              <a:lstStyle/>
+              <a:p>
+                <a:r>
+                  <a:rPr lang="en-US" sz="2400" dirty="0" smtClean="0"/>
+                  <a:t>The direction of the ocean current (</a:t>
+                </a:r>
+                <a14:m>
+                  <m:oMath xmlns:m="http://schemas.openxmlformats.org/officeDocument/2006/math">
+                    <m:acc>
+                      <m:accPr>
+                        <m:chr m:val="⃗"/>
+                        <m:ctrlPr>
+                          <a:rPr lang="en-US" sz="2400" i="1" smtClean="0">
+                            <a:latin typeface="Cambria Math" panose="02040503050406030204" pitchFamily="18" charset="0"/>
+                          </a:rPr>
+                        </m:ctrlPr>
+                      </m:accPr>
+                      <m:e>
+                        <m:r>
+                          <a:rPr lang="en-US" sz="2400" b="0" i="1" smtClean="0">
+                            <a:latin typeface="Cambria Math" panose="02040503050406030204" pitchFamily="18" charset="0"/>
+                          </a:rPr>
+                          <m:t>𝑡𝑟𝑒𝑛𝑑</m:t>
+                        </m:r>
+                      </m:e>
+                    </m:acc>
+                  </m:oMath>
+                </a14:m>
+                <a:r>
+                  <a:rPr lang="en-US" sz="2400" dirty="0" smtClean="0"/>
+                  <a:t> </a:t>
+                </a:r>
+                <a:r>
+                  <a:rPr lang="en-US" sz="2400" dirty="0"/>
+                  <a:t>) is determined by averaging all the vectors from each jellyfish in the ocean to jellyfish that is currently in the best location,</a:t>
+                </a:r>
+                <a:endParaRPr lang="en-SG" sz="2400" dirty="0"/>
+              </a:p>
+            </p:txBody>
+          </p:sp>
+        </mc:Choice>
+        <mc:Fallback>
+          <p:sp>
+            <p:nvSpPr>
+              <p:cNvPr id="6" name="TextBox 5"/>
+              <p:cNvSpPr txBox="1">
+                <a:spLocks noRot="1" noChangeAspect="1" noMove="1" noResize="1" noEditPoints="1" noAdjustHandles="1" noChangeArrowheads="1" noChangeShapeType="1" noTextEdit="1"/>
+              </p:cNvSpPr>
+              <p:nvPr/>
+            </p:nvSpPr>
+            <p:spPr>
+              <a:xfrm>
+                <a:off x="604910" y="2011679"/>
+                <a:ext cx="10972801" cy="885563"/>
+              </a:xfrm>
+              <a:prstGeom prst="rect">
+                <a:avLst/>
+              </a:prstGeom>
+              <a:blipFill>
+                <a:blip r:embed="rId3"/>
+                <a:stretch>
+                  <a:fillRect l="-833" b="-15172"/>
+                </a:stretch>
+              </a:blipFill>
+            </p:spPr>
+            <p:txBody>
+              <a:bodyPr/>
+              <a:lstStyle/>
+              <a:p>
+                <a:r>
+                  <a:rPr lang="en-SG">
+                    <a:noFill/>
+                  </a:rPr>
+                  <a:t> </a:t>
+                </a:r>
+              </a:p>
+            </p:txBody>
+          </p:sp>
+        </mc:Fallback>
+      </mc:AlternateContent>
+      <p:pic>
+        <p:nvPicPr>
+          <p:cNvPr id="10" name="Picture 9"/>
+          <p:cNvPicPr>
+            <a:picLocks noChangeAspect="1"/>
+          </p:cNvPicPr>
+          <p:nvPr/>
+        </p:nvPicPr>
+        <p:blipFill>
+          <a:blip r:embed="rId4"/>
+          <a:stretch>
+            <a:fillRect/>
+          </a:stretch>
+        </p:blipFill>
+        <p:spPr>
+          <a:xfrm>
+            <a:off x="604910" y="3037687"/>
+            <a:ext cx="3771490" cy="573718"/>
+          </a:xfrm>
+          <a:prstGeom prst="rect">
+            <a:avLst/>
+          </a:prstGeom>
+        </p:spPr>
+      </p:pic>
+      <p:pic>
+        <p:nvPicPr>
+          <p:cNvPr id="11" name="Picture 10"/>
+          <p:cNvPicPr>
+            <a:picLocks noChangeAspect="1"/>
+          </p:cNvPicPr>
+          <p:nvPr/>
+        </p:nvPicPr>
+        <p:blipFill>
+          <a:blip r:embed="rId5"/>
+          <a:stretch>
+            <a:fillRect/>
+          </a:stretch>
+        </p:blipFill>
+        <p:spPr>
+          <a:xfrm>
+            <a:off x="604910" y="3669391"/>
+            <a:ext cx="4467225" cy="400050"/>
+          </a:xfrm>
+          <a:prstGeom prst="rect">
+            <a:avLst/>
+          </a:prstGeom>
+        </p:spPr>
+      </p:pic>
+      <p:pic>
+        <p:nvPicPr>
+          <p:cNvPr id="12" name="Picture 11"/>
+          <p:cNvPicPr>
+            <a:picLocks noChangeAspect="1"/>
+          </p:cNvPicPr>
+          <p:nvPr/>
+        </p:nvPicPr>
+        <p:blipFill>
+          <a:blip r:embed="rId6"/>
+          <a:stretch>
+            <a:fillRect/>
+          </a:stretch>
+        </p:blipFill>
+        <p:spPr>
+          <a:xfrm>
+            <a:off x="604910" y="4127427"/>
+            <a:ext cx="6629400" cy="457200"/>
+          </a:xfrm>
+          <a:prstGeom prst="rect">
+            <a:avLst/>
+          </a:prstGeom>
+        </p:spPr>
+      </p:pic>
+      <mc:AlternateContent xmlns:mc="http://schemas.openxmlformats.org/markup-compatibility/2006">
+        <mc:Choice xmlns:a14="http://schemas.microsoft.com/office/drawing/2010/main" Requires="a14">
+          <p:sp>
+            <p:nvSpPr>
+              <p:cNvPr id="13" name="Rectangle 12"/>
+              <p:cNvSpPr/>
+              <p:nvPr/>
+            </p:nvSpPr>
+            <p:spPr>
+              <a:xfrm>
+                <a:off x="2644853" y="6038501"/>
+                <a:ext cx="6892913" cy="369332"/>
+              </a:xfrm>
+              <a:prstGeom prst="rect">
+                <a:avLst/>
+              </a:prstGeom>
+            </p:spPr>
+            <p:txBody>
+              <a:bodyPr wrap="none">
+                <a:spAutoFit/>
+              </a:bodyPr>
+              <a:lstStyle/>
+              <a:p>
+                <a:r>
+                  <a:rPr lang="en-US" dirty="0" smtClean="0"/>
+                  <a:t>[N.B: </a:t>
+                </a:r>
+                <a:r>
+                  <a:rPr lang="en-US" dirty="0"/>
+                  <a:t>After sensitivity analysis in numerical experiments </a:t>
+                </a:r>
+                <a14:m>
+                  <m:oMath xmlns:m="http://schemas.openxmlformats.org/officeDocument/2006/math">
+                    <m:r>
+                      <m:rPr>
+                        <m:sty m:val="p"/>
+                      </m:rPr>
+                      <a:rPr lang="el-GR" i="1" smtClean="0">
+                        <a:latin typeface="Cambria Math" panose="02040503050406030204" pitchFamily="18" charset="0"/>
+                      </a:rPr>
+                      <m:t>β</m:t>
+                    </m:r>
+                  </m:oMath>
+                </a14:m>
+                <a:r>
+                  <a:rPr lang="en-SG" dirty="0" smtClean="0"/>
+                  <a:t>=3 was found]</a:t>
+                </a:r>
+                <a:endParaRPr lang="en-SG" dirty="0"/>
+              </a:p>
+            </p:txBody>
+          </p:sp>
+        </mc:Choice>
+        <mc:Fallback>
+          <p:sp>
+            <p:nvSpPr>
+              <p:cNvPr id="13" name="Rectangle 12"/>
+              <p:cNvSpPr>
+                <a:spLocks noRot="1" noChangeAspect="1" noMove="1" noResize="1" noEditPoints="1" noAdjustHandles="1" noChangeArrowheads="1" noChangeShapeType="1" noTextEdit="1"/>
+              </p:cNvSpPr>
+              <p:nvPr/>
+            </p:nvSpPr>
+            <p:spPr>
+              <a:xfrm>
+                <a:off x="2644853" y="6038501"/>
+                <a:ext cx="6892913" cy="369332"/>
+              </a:xfrm>
+              <a:prstGeom prst="rect">
+                <a:avLst/>
+              </a:prstGeom>
+              <a:blipFill>
+                <a:blip r:embed="rId7"/>
+                <a:stretch>
+                  <a:fillRect l="-796" t="-10000" b="-26667"/>
+                </a:stretch>
+              </a:blipFill>
+            </p:spPr>
+            <p:txBody>
+              <a:bodyPr/>
+              <a:lstStyle/>
+              <a:p>
+                <a:r>
+                  <a:rPr lang="en-SG">
+                    <a:noFill/>
+                  </a:rPr>
+                  <a:t> </a:t>
+                </a:r>
+              </a:p>
+            </p:txBody>
+          </p:sp>
+        </mc:Fallback>
+      </mc:AlternateContent>
+      <p:sp>
+        <p:nvSpPr>
+          <p:cNvPr id="14" name="Slide Number Placeholder 13"/>
+          <p:cNvSpPr>
+            <a:spLocks noGrp="1"/>
+          </p:cNvSpPr>
+          <p:nvPr>
+            <p:ph type="sldNum" sz="quarter" idx="12"/>
+          </p:nvPr>
+        </p:nvSpPr>
+        <p:spPr/>
+        <p:txBody>
+          <a:bodyPr/>
+          <a:lstStyle/>
+          <a:p>
+            <a:fld id="{17AF8967-FE9A-4707-8B19-D7BDA74EDCF9}" type="slidenum">
+              <a:rPr lang="en-SG" smtClean="0"/>
+              <a:t>6</a:t>
+            </a:fld>
+            <a:endParaRPr lang="en-SG"/>
+          </a:p>
+        </p:txBody>
+      </p:sp>
+    </p:spTree>
+    <p:extLst>
+      <p:ext uri="{BB962C8B-B14F-4D97-AF65-F5344CB8AC3E}">
+        <p14:creationId xmlns:p14="http://schemas.microsoft.com/office/powerpoint/2010/main" val="1105613055"/>
+      </p:ext>
+    </p:extLst>
+  </p:cSld>
+  <p:clrMapOvr>
+    <a:masterClrMapping/>
+  </p:clrMapOvr>
+  <p:timing>
+    <p:tnLst>
+      <p:par>
+        <p:cTn id="1" dur="indefinite" restart="never" nodeType="tmRoot"/>
+      </p:par>
+    </p:tnLst>
+  </p:timing>
+</p:sld>
+</file>
+
+<file path=ppt/slides/slide7.xml><?xml version="1.0" encoding="utf-8"?>
+<p:sld xmlns:a="http://schemas.openxmlformats.org/drawingml/2006/main" xmlns:r="http://schemas.openxmlformats.org/officeDocument/2006/relationships" xmlns:p="http://schemas.openxmlformats.org/presentationml/2006/main">
+  <p:cSld>
+    <p:spTree>
+      <p:nvGrpSpPr>
+        <p:cNvPr id="1" name=""/>
+        <p:cNvGrpSpPr/>
+        <p:nvPr/>
+      </p:nvGrpSpPr>
+      <p:grpSpPr>
+        <a:xfrm>
+          <a:off x="0" y="0"/>
+          <a:ext cx="0" cy="0"/>
+          <a:chOff x="0" y="0"/>
+          <a:chExt cx="0" cy="0"/>
+        </a:xfrm>
+      </p:grpSpPr>
+      <p:sp>
+        <p:nvSpPr>
+          <p:cNvPr id="4" name="TextBox 3"/>
+          <p:cNvSpPr txBox="1"/>
+          <p:nvPr/>
+        </p:nvSpPr>
+        <p:spPr>
+          <a:xfrm>
+            <a:off x="604911" y="422030"/>
+            <a:ext cx="9734843" cy="1261884"/>
+          </a:xfrm>
+          <a:prstGeom prst="rect">
+            <a:avLst/>
+          </a:prstGeom>
+          <a:noFill/>
+        </p:spPr>
+        <p:txBody>
+          <a:bodyPr wrap="square" rtlCol="0">
+            <a:spAutoFit/>
+          </a:bodyPr>
+          <a:lstStyle/>
+          <a:p>
+            <a:r>
+              <a:rPr lang="en-SG" sz="4400" dirty="0"/>
+              <a:t>Jellyfish Search (JS) </a:t>
+            </a:r>
+            <a:r>
+              <a:rPr lang="en-SG" sz="4400" dirty="0" smtClean="0"/>
+              <a:t>optimizer</a:t>
+            </a:r>
+          </a:p>
+          <a:p>
+            <a:r>
+              <a:rPr lang="en-US" sz="3200" dirty="0" smtClean="0">
+                <a:latin typeface="+mj-lt"/>
+              </a:rPr>
+              <a:t>Movement in Swarm</a:t>
+            </a:r>
+            <a:endParaRPr lang="en-SG" sz="3200" dirty="0" smtClean="0">
+              <a:latin typeface="+mj-lt"/>
+            </a:endParaRPr>
+          </a:p>
+        </p:txBody>
+      </p:sp>
+      <p:sp>
+        <p:nvSpPr>
+          <p:cNvPr id="6" name="TextBox 5"/>
+          <p:cNvSpPr txBox="1"/>
+          <p:nvPr/>
+        </p:nvSpPr>
+        <p:spPr>
+          <a:xfrm>
+            <a:off x="604910" y="2011679"/>
+            <a:ext cx="10972801" cy="461665"/>
+          </a:xfrm>
+          <a:prstGeom prst="rect">
+            <a:avLst/>
+          </a:prstGeom>
+          <a:noFill/>
+        </p:spPr>
+        <p:txBody>
+          <a:bodyPr wrap="square" rtlCol="0">
+            <a:spAutoFit/>
+          </a:bodyPr>
+          <a:lstStyle/>
+          <a:p>
+            <a:r>
+              <a:rPr lang="en-US" sz="2400" dirty="0"/>
+              <a:t>Passive m</a:t>
+            </a:r>
+            <a:r>
+              <a:rPr lang="en-US" sz="2400" dirty="0" smtClean="0"/>
+              <a:t>otion (Type-A</a:t>
+            </a:r>
+            <a:r>
+              <a:rPr lang="en-US" sz="2400" dirty="0"/>
+              <a:t>): </a:t>
+            </a:r>
+            <a:r>
+              <a:rPr lang="en-US" sz="2400" dirty="0" smtClean="0"/>
+              <a:t>Around </a:t>
+            </a:r>
+            <a:r>
+              <a:rPr lang="en-US" sz="2400" dirty="0"/>
+              <a:t>their own locations </a:t>
+            </a:r>
+            <a:r>
+              <a:rPr lang="en-SG" sz="2400" dirty="0" smtClean="0"/>
+              <a:t> </a:t>
+            </a:r>
+            <a:endParaRPr lang="en-US" sz="2400" dirty="0" smtClean="0"/>
+          </a:p>
+        </p:txBody>
+      </p:sp>
+      <p:sp>
+        <p:nvSpPr>
+          <p:cNvPr id="14" name="Slide Number Placeholder 13"/>
+          <p:cNvSpPr>
+            <a:spLocks noGrp="1"/>
+          </p:cNvSpPr>
+          <p:nvPr>
+            <p:ph type="sldNum" sz="quarter" idx="12"/>
+          </p:nvPr>
+        </p:nvSpPr>
+        <p:spPr/>
+        <p:txBody>
+          <a:bodyPr/>
+          <a:lstStyle/>
+          <a:p>
+            <a:fld id="{17AF8967-FE9A-4707-8B19-D7BDA74EDCF9}" type="slidenum">
+              <a:rPr lang="en-SG" smtClean="0"/>
+              <a:t>7</a:t>
+            </a:fld>
+            <a:endParaRPr lang="en-SG"/>
+          </a:p>
+        </p:txBody>
+      </p:sp>
+      <p:pic>
+        <p:nvPicPr>
+          <p:cNvPr id="2" name="Picture 1"/>
+          <p:cNvPicPr>
+            <a:picLocks noChangeAspect="1"/>
+          </p:cNvPicPr>
+          <p:nvPr/>
+        </p:nvPicPr>
+        <p:blipFill>
+          <a:blip r:embed="rId2"/>
+          <a:stretch>
+            <a:fillRect/>
+          </a:stretch>
+        </p:blipFill>
+        <p:spPr>
+          <a:xfrm>
+            <a:off x="837614" y="2559723"/>
+            <a:ext cx="5366909" cy="482771"/>
+          </a:xfrm>
+          <a:prstGeom prst="rect">
+            <a:avLst/>
+          </a:prstGeom>
+        </p:spPr>
+      </p:pic>
+      <mc:AlternateContent xmlns:mc="http://schemas.openxmlformats.org/markup-compatibility/2006">
+        <mc:Choice xmlns:a14="http://schemas.microsoft.com/office/drawing/2010/main" Requires="a14">
+          <p:sp>
+            <p:nvSpPr>
+              <p:cNvPr id="3" name="Rectangle 2"/>
+              <p:cNvSpPr/>
+              <p:nvPr/>
+            </p:nvSpPr>
+            <p:spPr>
+              <a:xfrm>
+                <a:off x="8013896" y="2425087"/>
+                <a:ext cx="3563815" cy="923330"/>
+              </a:xfrm>
+              <a:prstGeom prst="rect">
+                <a:avLst/>
+              </a:prstGeom>
+            </p:spPr>
+            <p:txBody>
+              <a:bodyPr wrap="square">
+                <a:spAutoFit/>
+              </a:bodyPr>
+              <a:lstStyle/>
+              <a:p>
+                <a14:m>
+                  <m:oMath xmlns:m="http://schemas.openxmlformats.org/officeDocument/2006/math">
+                    <m:r>
+                      <a:rPr lang="el-GR" i="1" smtClean="0">
+                        <a:latin typeface="Cambria Math" panose="02040503050406030204" pitchFamily="18" charset="0"/>
+                        <a:ea typeface="Cambria Math" panose="02040503050406030204" pitchFamily="18" charset="0"/>
+                      </a:rPr>
+                      <m:t>𝛾</m:t>
+                    </m:r>
+                    <m:r>
+                      <a:rPr lang="en-US" i="1">
+                        <a:latin typeface="Cambria Math" panose="02040503050406030204" pitchFamily="18" charset="0"/>
+                      </a:rPr>
+                      <m:t>=</m:t>
+                    </m:r>
+                  </m:oMath>
+                </a14:m>
+                <a:r>
+                  <a:rPr lang="en-US" dirty="0"/>
+                  <a:t> </a:t>
+                </a:r>
+                <a:r>
+                  <a:rPr lang="en-US" dirty="0" smtClean="0"/>
+                  <a:t>Motion </a:t>
+                </a:r>
+                <a:r>
+                  <a:rPr lang="en-SG" dirty="0"/>
+                  <a:t>coefficient </a:t>
+                </a:r>
+                <a:endParaRPr lang="en-US" i="1" dirty="0">
+                  <a:latin typeface="Cambria Math" panose="02040503050406030204" pitchFamily="18" charset="0"/>
+                </a:endParaRPr>
+              </a:p>
+              <a:p>
+                <a14:m>
+                  <m:oMath xmlns:m="http://schemas.openxmlformats.org/officeDocument/2006/math">
+                    <m:sSub>
+                      <m:sSubPr>
+                        <m:ctrlPr>
+                          <a:rPr lang="en-US" i="1" smtClean="0">
+                            <a:latin typeface="Cambria Math" panose="02040503050406030204" pitchFamily="18" charset="0"/>
+                          </a:rPr>
+                        </m:ctrlPr>
+                      </m:sSubPr>
+                      <m:e>
+                        <m:r>
+                          <a:rPr lang="en-US" b="0" i="1" smtClean="0">
+                            <a:latin typeface="Cambria Math" panose="02040503050406030204" pitchFamily="18" charset="0"/>
+                          </a:rPr>
+                          <m:t>𝑈</m:t>
+                        </m:r>
+                      </m:e>
+                      <m:sub>
+                        <m:r>
+                          <a:rPr lang="en-US" b="0" i="1" smtClean="0">
+                            <a:latin typeface="Cambria Math" panose="02040503050406030204" pitchFamily="18" charset="0"/>
+                          </a:rPr>
+                          <m:t>𝑏</m:t>
+                        </m:r>
+                      </m:sub>
+                    </m:sSub>
+                    <m:r>
+                      <a:rPr lang="en-US" i="1">
+                        <a:latin typeface="Cambria Math" panose="02040503050406030204" pitchFamily="18" charset="0"/>
+                      </a:rPr>
+                      <m:t>=</m:t>
+                    </m:r>
+                  </m:oMath>
+                </a14:m>
+                <a:r>
+                  <a:rPr lang="en-SG" dirty="0" smtClean="0"/>
+                  <a:t>Upper bound of search spaces</a:t>
+                </a:r>
+              </a:p>
+              <a:p>
+                <a14:m>
+                  <m:oMath xmlns:m="http://schemas.openxmlformats.org/officeDocument/2006/math">
+                    <m:sSub>
+                      <m:sSubPr>
+                        <m:ctrlPr>
+                          <a:rPr lang="en-US" i="1">
+                            <a:latin typeface="Cambria Math" panose="02040503050406030204" pitchFamily="18" charset="0"/>
+                          </a:rPr>
+                        </m:ctrlPr>
+                      </m:sSubPr>
+                      <m:e>
+                        <m:r>
+                          <a:rPr lang="en-US" b="0" i="1" smtClean="0">
+                            <a:latin typeface="Cambria Math" panose="02040503050406030204" pitchFamily="18" charset="0"/>
+                          </a:rPr>
+                          <m:t>𝐿</m:t>
+                        </m:r>
+                      </m:e>
+                      <m:sub>
+                        <m:r>
+                          <a:rPr lang="en-US" i="1">
+                            <a:latin typeface="Cambria Math" panose="02040503050406030204" pitchFamily="18" charset="0"/>
+                          </a:rPr>
+                          <m:t>𝑏</m:t>
+                        </m:r>
+                      </m:sub>
+                    </m:sSub>
+                    <m:r>
+                      <a:rPr lang="en-US" b="0" i="0" smtClean="0">
+                        <a:latin typeface="Cambria Math" panose="02040503050406030204" pitchFamily="18" charset="0"/>
+                      </a:rPr>
+                      <m:t>=</m:t>
+                    </m:r>
+                  </m:oMath>
+                </a14:m>
+                <a:r>
+                  <a:rPr lang="en-SG" dirty="0" smtClean="0"/>
+                  <a:t>Lower bound of search spaces</a:t>
+                </a:r>
+              </a:p>
+            </p:txBody>
+          </p:sp>
+        </mc:Choice>
+        <mc:Fallback>
+          <p:sp>
+            <p:nvSpPr>
+              <p:cNvPr id="3" name="Rectangle 2"/>
+              <p:cNvSpPr>
+                <a:spLocks noRot="1" noChangeAspect="1" noMove="1" noResize="1" noEditPoints="1" noAdjustHandles="1" noChangeArrowheads="1" noChangeShapeType="1" noTextEdit="1"/>
+              </p:cNvSpPr>
+              <p:nvPr/>
+            </p:nvSpPr>
+            <p:spPr>
+              <a:xfrm>
+                <a:off x="8013896" y="2425087"/>
+                <a:ext cx="3563815" cy="923330"/>
+              </a:xfrm>
+              <a:prstGeom prst="rect">
+                <a:avLst/>
+              </a:prstGeom>
+              <a:blipFill>
+                <a:blip r:embed="rId3"/>
+                <a:stretch>
+                  <a:fillRect t="-3974" b="-9934"/>
+                </a:stretch>
+              </a:blipFill>
+            </p:spPr>
+            <p:txBody>
+              <a:bodyPr/>
+              <a:lstStyle/>
+              <a:p>
+                <a:r>
+                  <a:rPr lang="en-SG">
+                    <a:noFill/>
+                  </a:rPr>
+                  <a:t> </a:t>
+                </a:r>
+              </a:p>
+            </p:txBody>
+          </p:sp>
+        </mc:Fallback>
+      </mc:AlternateContent>
+      <p:sp>
+        <p:nvSpPr>
+          <p:cNvPr id="7" name="TextBox 6"/>
+          <p:cNvSpPr txBox="1"/>
+          <p:nvPr/>
+        </p:nvSpPr>
+        <p:spPr>
+          <a:xfrm>
+            <a:off x="604910" y="3346326"/>
+            <a:ext cx="9755358" cy="830997"/>
+          </a:xfrm>
+          <a:prstGeom prst="rect">
+            <a:avLst/>
+          </a:prstGeom>
+          <a:noFill/>
+        </p:spPr>
+        <p:txBody>
+          <a:bodyPr wrap="square" rtlCol="0">
+            <a:spAutoFit/>
+          </a:bodyPr>
+          <a:lstStyle/>
+          <a:p>
+            <a:r>
+              <a:rPr lang="en-US" sz="2400" dirty="0" smtClean="0"/>
+              <a:t>Active </a:t>
+            </a:r>
+            <a:r>
+              <a:rPr lang="en-US" sz="2400" dirty="0"/>
+              <a:t>motion (</a:t>
+            </a:r>
+            <a:r>
+              <a:rPr lang="en-US" sz="2400" dirty="0" smtClean="0"/>
+              <a:t>Type-B):</a:t>
+            </a:r>
+          </a:p>
+          <a:p>
+            <a:pPr marL="457200" indent="-457200">
+              <a:buFont typeface="Arial" panose="020B0604020202020204" pitchFamily="34" charset="0"/>
+              <a:buChar char="•"/>
+            </a:pPr>
+            <a:endParaRPr lang="en-SG" sz="2400" dirty="0"/>
+          </a:p>
+        </p:txBody>
+      </p:sp>
+      <p:pic>
+        <p:nvPicPr>
+          <p:cNvPr id="9" name="Picture 8"/>
+          <p:cNvPicPr>
+            <a:picLocks noChangeAspect="1"/>
+          </p:cNvPicPr>
+          <p:nvPr/>
+        </p:nvPicPr>
+        <p:blipFill>
+          <a:blip r:embed="rId4"/>
+          <a:stretch>
+            <a:fillRect/>
+          </a:stretch>
+        </p:blipFill>
+        <p:spPr>
+          <a:xfrm>
+            <a:off x="1143808" y="3896173"/>
+            <a:ext cx="4086088" cy="788118"/>
+          </a:xfrm>
+          <a:prstGeom prst="rect">
+            <a:avLst/>
+          </a:prstGeom>
+        </p:spPr>
+      </p:pic>
+      <p:pic>
+        <p:nvPicPr>
+          <p:cNvPr id="8" name="Picture 7"/>
+          <p:cNvPicPr>
+            <a:picLocks noChangeAspect="1"/>
+          </p:cNvPicPr>
+          <p:nvPr/>
+        </p:nvPicPr>
+        <p:blipFill>
+          <a:blip r:embed="rId5"/>
+          <a:stretch>
+            <a:fillRect/>
+          </a:stretch>
+        </p:blipFill>
+        <p:spPr>
+          <a:xfrm>
+            <a:off x="787426" y="3761824"/>
+            <a:ext cx="7226470" cy="2716718"/>
+          </a:xfrm>
+          <a:prstGeom prst="rect">
+            <a:avLst/>
+          </a:prstGeom>
+        </p:spPr>
+      </p:pic>
+      <p:pic>
+        <p:nvPicPr>
+          <p:cNvPr id="16" name="Picture 15"/>
+          <p:cNvPicPr>
+            <a:picLocks noChangeAspect="1"/>
+          </p:cNvPicPr>
+          <p:nvPr/>
+        </p:nvPicPr>
+        <p:blipFill>
+          <a:blip r:embed="rId6"/>
+          <a:stretch>
+            <a:fillRect/>
+          </a:stretch>
+        </p:blipFill>
+        <p:spPr>
+          <a:xfrm>
+            <a:off x="1256350" y="4769624"/>
+            <a:ext cx="3252993" cy="615793"/>
+          </a:xfrm>
+          <a:prstGeom prst="rect">
+            <a:avLst/>
+          </a:prstGeom>
+        </p:spPr>
+      </p:pic>
+      <p:pic>
+        <p:nvPicPr>
+          <p:cNvPr id="17" name="Picture 16"/>
+          <p:cNvPicPr>
+            <a:picLocks noChangeAspect="1"/>
+          </p:cNvPicPr>
+          <p:nvPr/>
+        </p:nvPicPr>
+        <p:blipFill>
+          <a:blip r:embed="rId7"/>
+          <a:stretch>
+            <a:fillRect/>
+          </a:stretch>
+        </p:blipFill>
+        <p:spPr>
+          <a:xfrm>
+            <a:off x="1256350" y="5485182"/>
+            <a:ext cx="2799355" cy="507655"/>
+          </a:xfrm>
+          <a:prstGeom prst="rect">
+            <a:avLst/>
+          </a:prstGeom>
+        </p:spPr>
+      </p:pic>
+    </p:spTree>
+    <p:extLst>
+      <p:ext uri="{BB962C8B-B14F-4D97-AF65-F5344CB8AC3E}">
+        <p14:creationId xmlns:p14="http://schemas.microsoft.com/office/powerpoint/2010/main" val="902861300"/>
+      </p:ext>
+    </p:extLst>
+  </p:cSld>
+  <p:clrMapOvr>
+    <a:masterClrMapping/>
+  </p:clrMapOvr>
+  <p:timing>
+    <p:tnLst>
+      <p:par>
+        <p:cTn id="1" dur="indefinite" restart="never" nodeType="tmRoot">
+          <p:childTnLst>
+            <p:seq concurrent="1" nextAc="seek">
+              <p:cTn id="2" dur="indefinite" nodeType="mainSeq">
+                <p:childTnLst>
+                  <p:par>
+                    <p:cTn id="3" fill="hold">
+                      <p:stCondLst>
+                        <p:cond delay="indefinite"/>
+                      </p:stCondLst>
+                      <p:childTnLst>
+                        <p:par>
+                          <p:cTn id="4" fill="hold">
+                            <p:stCondLst>
+                              <p:cond delay="0"/>
+                            </p:stCondLst>
+                            <p:childTnLst>
+                              <p:par>
+                                <p:cTn id="5" presetID="10" presetClass="exit" presetSubtype="0" fill="hold" nodeType="clickEffect">
+                                  <p:stCondLst>
+                                    <p:cond delay="0"/>
+                                  </p:stCondLst>
+                                  <p:childTnLst>
+                                    <p:animEffect transition="out" filter="fade">
+                                      <p:cBhvr>
+                                        <p:cTn id="6" dur="500"/>
+                                        <p:tgtEl>
+                                          <p:spTgt spid="8"/>
+                                        </p:tgtEl>
+                                      </p:cBhvr>
+                                    </p:animEffect>
+                                    <p:set>
+                                      <p:cBhvr>
+                                        <p:cTn id="7" dur="1" fill="hold">
+                                          <p:stCondLst>
+                                            <p:cond delay="499"/>
+                                          </p:stCondLst>
+                                        </p:cTn>
+                                        <p:tgtEl>
+                                          <p:spTgt spid="8"/>
+                                        </p:tgtEl>
+                                        <p:attrNameLst>
+                                          <p:attrName>style.visibility</p:attrName>
+                                        </p:attrNameLst>
+                                      </p:cBhvr>
+                                      <p:to>
+                                        <p:strVal val="hidden"/>
+                                      </p:to>
+                                    </p:set>
+                                  </p:childTnLst>
+                                </p:cTn>
+                              </p:par>
+                            </p:childTnLst>
+                          </p:cTn>
+                        </p:par>
+                      </p:childTnLst>
+                    </p:cTn>
+                  </p:par>
+                </p:childTnLst>
+              </p:cTn>
+              <p:prevCondLst>
+                <p:cond evt="onPrev" delay="0">
+                  <p:tgtEl>
+                    <p:sldTgt/>
+                  </p:tgtEl>
+                </p:cond>
+              </p:prevCondLst>
+              <p:nextCondLst>
+                <p:cond evt="onNext" delay="0">
+                  <p:tgtEl>
+                    <p:sldTgt/>
+                  </p:tgtEl>
+                </p:cond>
+              </p:nextCondLst>
+            </p:seq>
+          </p:childTnLst>
+        </p:cTn>
+      </p:par>
+    </p:tnLst>
+  </p:timing>
+</p:sld>
+</file>
+
+<file path=ppt/slides/slide8.xml><?xml version="1.0" encoding="utf-8"?>
+<p:sld xmlns:a="http://schemas.openxmlformats.org/drawingml/2006/main" xmlns:r="http://schemas.openxmlformats.org/officeDocument/2006/relationships" xmlns:p="http://schemas.openxmlformats.org/presentationml/2006/main">
+  <p:cSld>
+    <p:spTree>
+      <p:nvGrpSpPr>
+        <p:cNvPr id="1" name=""/>
+        <p:cNvGrpSpPr/>
+        <p:nvPr/>
+      </p:nvGrpSpPr>
+      <p:grpSpPr>
+        <a:xfrm>
+          <a:off x="0" y="0"/>
+          <a:ext cx="0" cy="0"/>
+          <a:chOff x="0" y="0"/>
+          <a:chExt cx="0" cy="0"/>
+        </a:xfrm>
+      </p:grpSpPr>
+      <p:sp>
+        <p:nvSpPr>
+          <p:cNvPr id="4" name="TextBox 3"/>
+          <p:cNvSpPr txBox="1"/>
+          <p:nvPr/>
+        </p:nvSpPr>
+        <p:spPr>
+          <a:xfrm>
+            <a:off x="604911" y="422030"/>
+            <a:ext cx="9734843" cy="1261884"/>
+          </a:xfrm>
+          <a:prstGeom prst="rect">
+            <a:avLst/>
+          </a:prstGeom>
+          <a:noFill/>
+        </p:spPr>
+        <p:txBody>
+          <a:bodyPr wrap="square" rtlCol="0">
+            <a:spAutoFit/>
+          </a:bodyPr>
+          <a:lstStyle/>
+          <a:p>
+            <a:r>
+              <a:rPr lang="en-SG" sz="4400" dirty="0"/>
+              <a:t>Jellyfish Search (JS) </a:t>
+            </a:r>
+            <a:r>
+              <a:rPr lang="en-SG" sz="4400" dirty="0" smtClean="0"/>
+              <a:t>optimizer</a:t>
+            </a:r>
+          </a:p>
+          <a:p>
+            <a:r>
+              <a:rPr lang="en-US" sz="3200" dirty="0">
+                <a:latin typeface="+mj-lt"/>
+              </a:rPr>
+              <a:t>Time control mechanism</a:t>
+            </a:r>
+            <a:endParaRPr lang="en-SG" sz="3200" dirty="0" smtClean="0">
+              <a:latin typeface="+mj-lt"/>
+            </a:endParaRPr>
+          </a:p>
+        </p:txBody>
+      </p:sp>
+      <p:sp>
+        <p:nvSpPr>
+          <p:cNvPr id="6" name="TextBox 5"/>
+          <p:cNvSpPr txBox="1"/>
+          <p:nvPr/>
+        </p:nvSpPr>
+        <p:spPr>
+          <a:xfrm>
+            <a:off x="604910" y="2011679"/>
+            <a:ext cx="10972801" cy="830997"/>
+          </a:xfrm>
+          <a:prstGeom prst="rect">
+            <a:avLst/>
+          </a:prstGeom>
+          <a:noFill/>
+        </p:spPr>
+        <p:txBody>
+          <a:bodyPr wrap="square" rtlCol="0">
+            <a:spAutoFit/>
+          </a:bodyPr>
+          <a:lstStyle/>
+          <a:p>
+            <a:r>
+              <a:rPr lang="en-US" sz="2400" dirty="0" smtClean="0"/>
+              <a:t>To regulate the movement </a:t>
+            </a:r>
+            <a:r>
+              <a:rPr lang="en-US" sz="2400" dirty="0"/>
+              <a:t>between following the ocean current and moving inside the jellyfish swarm</a:t>
+            </a:r>
+            <a:endParaRPr lang="en-US" sz="2400" dirty="0" smtClean="0"/>
+          </a:p>
+        </p:txBody>
+      </p:sp>
+      <p:sp>
+        <p:nvSpPr>
+          <p:cNvPr id="14" name="Slide Number Placeholder 13"/>
+          <p:cNvSpPr>
+            <a:spLocks noGrp="1"/>
+          </p:cNvSpPr>
+          <p:nvPr>
+            <p:ph type="sldNum" sz="quarter" idx="12"/>
+          </p:nvPr>
+        </p:nvSpPr>
+        <p:spPr/>
+        <p:txBody>
+          <a:bodyPr/>
+          <a:lstStyle/>
+          <a:p>
+            <a:fld id="{17AF8967-FE9A-4707-8B19-D7BDA74EDCF9}" type="slidenum">
+              <a:rPr lang="en-SG" smtClean="0"/>
+              <a:t>8</a:t>
+            </a:fld>
+            <a:endParaRPr lang="en-SG"/>
+          </a:p>
+        </p:txBody>
+      </p:sp>
+    </p:spTree>
+    <p:extLst>
+      <p:ext uri="{BB962C8B-B14F-4D97-AF65-F5344CB8AC3E}">
+        <p14:creationId xmlns:p14="http://schemas.microsoft.com/office/powerpoint/2010/main" val="1827265461"/>
       </p:ext>
     </p:extLst>
   </p:cSld>
@@ -3723,4 +5665,265 @@
     </a:ext>
   </a:extLst>
 </a:theme>
+</file>
+
+<file path=ppt/theme/theme2.xml><?xml version="1.0" encoding="utf-8"?>
+<a:theme xmlns:a="http://schemas.openxmlformats.org/drawingml/2006/main" name="Office Theme">
+  <a:themeElements>
+    <a:clrScheme name="Office">
+      <a:dk1>
+        <a:sysClr val="windowText" lastClr="000000"/>
+      </a:dk1>
+      <a:lt1>
+        <a:sysClr val="window" lastClr="FFFFFF"/>
+      </a:lt1>
+      <a:dk2>
+        <a:srgbClr val="44546A"/>
+      </a:dk2>
+      <a:lt2>
+        <a:srgbClr val="E7E6E6"/>
+      </a:lt2>
+      <a:accent1>
+        <a:srgbClr val="5B9BD5"/>
+      </a:accent1>
+      <a:accent2>
+        <a:srgbClr val="ED7D31"/>
+      </a:accent2>
+      <a:accent3>
+        <a:srgbClr val="A5A5A5"/>
+      </a:accent3>
+      <a:accent4>
+        <a:srgbClr val="FFC000"/>
+      </a:accent4>
+      <a:accent5>
+        <a:srgbClr val="4472C4"/>
+      </a:accent5>
+      <a:accent6>
+        <a:srgbClr val="70AD47"/>
+      </a:accent6>
+      <a:hlink>
+        <a:srgbClr val="0563C1"/>
+      </a:hlink>
+      <a:folHlink>
+        <a:srgbClr val="954F72"/>
+      </a:folHlink>
+    </a:clrScheme>
+    <a:fontScheme name="Office">
+      <a:majorFont>
+        <a:latin typeface="Calibri Light" panose="020F0302020204030204"/>
+        <a:ea typeface=""/>
+        <a:cs typeface=""/>
+        <a:font script="Jpan" typeface="游ゴシック Light"/>
+        <a:font script="Hang" typeface="맑은 고딕"/>
+        <a:font script="Hans" typeface="等线 Light"/>
+        <a:font script="Hant" typeface="新細明體"/>
+        <a:font script="Arab" typeface="Times New Roman"/>
+        <a:font script="Hebr" typeface="Times New Roman"/>
+        <a:font script="Thai" typeface="Angsana New"/>
+        <a:font script="Ethi" typeface="Nyala"/>
+        <a:font script="Beng" typeface="Vrinda"/>
+        <a:font script="Gujr" typeface="Shruti"/>
+        <a:font script="Khmr" typeface="MoolBoran"/>
+        <a:font script="Knda" typeface="Tunga"/>
+        <a:font script="Guru" typeface="Raavi"/>
+        <a:font script="Cans" typeface="Euphemia"/>
+        <a:font script="Cher" typeface="Plantagenet Cherokee"/>
+        <a:font script="Yiii" typeface="Microsoft Yi Baiti"/>
+        <a:font script="Tibt" typeface="Microsoft Himalaya"/>
+        <a:font script="Thaa" typeface="MV Boli"/>
+        <a:font script="Deva" typeface="Mangal"/>
+        <a:font script="Telu" typeface="Gautami"/>
+        <a:font script="Taml" typeface="Latha"/>
+        <a:font script="Syrc" typeface="Estrangelo Edessa"/>
+        <a:font script="Orya" typeface="Kalinga"/>
+        <a:font script="Mlym" typeface="Kartika"/>
+        <a:font script="Laoo" typeface="DokChampa"/>
+        <a:font script="Sinh" typeface="Iskoola Pota"/>
+        <a:font script="Mong" typeface="Mongolian Baiti"/>
+        <a:font script="Viet" typeface="Times New Roman"/>
+        <a:font script="Uigh" typeface="Microsoft Uighur"/>
+        <a:font script="Geor" typeface="Sylfaen"/>
+      </a:majorFont>
+      <a:minorFont>
+        <a:latin typeface="Calibri" panose="020F0502020204030204"/>
+        <a:ea typeface=""/>
+        <a:cs typeface=""/>
+        <a:font script="Jpan" typeface="游ゴシック"/>
+        <a:font script="Hang" typeface="맑은 고딕"/>
+        <a:font script="Hans" typeface="等线"/>
+        <a:font script="Hant" typeface="新細明體"/>
+        <a:font script="Arab" typeface="Arial"/>
+        <a:font script="Hebr" typeface="Arial"/>
+        <a:font script="Thai" typeface="Cordia New"/>
+        <a:font script="Ethi" typeface="Nyala"/>
+        <a:font script="Beng" typeface="Vrinda"/>
+        <a:font script="Gujr" typeface="Shruti"/>
+        <a:font script="Khmr" typeface="DaunPenh"/>
+        <a:font script="Knda" typeface="Tunga"/>
+        <a:font script="Guru" typeface="Raavi"/>
+        <a:font script="Cans" typeface="Euphemia"/>
+        <a:font script="Cher" typeface="Plantagenet Cherokee"/>
+        <a:font script="Yiii" typeface="Microsoft Yi Baiti"/>
+        <a:font script="Tibt" typeface="Microsoft Himalaya"/>
+        <a:font script="Thaa" typeface="MV Boli"/>
+        <a:font script="Deva" typeface="Mangal"/>
+        <a:font script="Telu" typeface="Gautami"/>
+        <a:font script="Taml" typeface="Latha"/>
+        <a:font script="Syrc" typeface="Estrangelo Edessa"/>
+        <a:font script="Orya" typeface="Kalinga"/>
+        <a:font script="Mlym" typeface="Kartika"/>
+        <a:font script="Laoo" typeface="DokChampa"/>
+        <a:font script="Sinh" typeface="Iskoola Pota"/>
+        <a:font script="Mong" typeface="Mongolian Baiti"/>
+        <a:font script="Viet" typeface="Arial"/>
+        <a:font script="Uigh" typeface="Microsoft Uighur"/>
+        <a:font script="Geor" typeface="Sylfaen"/>
+      </a:minorFont>
+    </a:fontScheme>
+    <a:fmtScheme name="Office">
+      <a:fillStyleLst>
+        <a:solidFill>
+          <a:schemeClr val="phClr"/>
+        </a:solidFill>
+        <a:gradFill rotWithShape="1">
+          <a:gsLst>
+            <a:gs pos="0">
+              <a:schemeClr val="phClr">
+                <a:lumMod val="110000"/>
+                <a:satMod val="105000"/>
+                <a:tint val="67000"/>
+              </a:schemeClr>
+            </a:gs>
+            <a:gs pos="50000">
+              <a:schemeClr val="phClr">
+                <a:lumMod val="105000"/>
+                <a:satMod val="103000"/>
+                <a:tint val="73000"/>
+              </a:schemeClr>
+            </a:gs>
+            <a:gs pos="100000">
+              <a:schemeClr val="phClr">
+                <a:lumMod val="105000"/>
+                <a:satMod val="109000"/>
+                <a:tint val="81000"/>
+              </a:schemeClr>
+            </a:gs>
+          </a:gsLst>
+          <a:lin ang="5400000" scaled="0"/>
+        </a:gradFill>
+        <a:gradFill rotWithShape="1">
+          <a:gsLst>
+            <a:gs pos="0">
+              <a:schemeClr val="phClr">
+                <a:satMod val="103000"/>
+                <a:lumMod val="102000"/>
+                <a:tint val="94000"/>
+              </a:schemeClr>
+            </a:gs>
+            <a:gs pos="50000">
+              <a:schemeClr val="phClr">
+                <a:satMod val="110000"/>
+                <a:lumMod val="100000"/>
+                <a:shade val="100000"/>
+              </a:schemeClr>
+            </a:gs>
+            <a:gs pos="100000">
+              <a:schemeClr val="phClr">
+                <a:lumMod val="99000"/>
+                <a:satMod val="120000"/>
+                <a:shade val="78000"/>
+              </a:schemeClr>
+            </a:gs>
+          </a:gsLst>
+          <a:lin ang="5400000" scaled="0"/>
+        </a:gradFill>
+      </a:fillStyleLst>
+      <a:lnStyleLst>
+        <a:ln w="6350" cap="flat" cmpd="sng" algn="ctr">
+          <a:solidFill>
+            <a:schemeClr val="phClr"/>
+          </a:solidFill>
+          <a:prstDash val="solid"/>
+          <a:miter lim="800000"/>
+        </a:ln>
+        <a:ln w="12700" cap="flat" cmpd="sng" algn="ctr">
+          <a:solidFill>
+            <a:schemeClr val="phClr"/>
+          </a:solidFill>
+          <a:prstDash val="solid"/>
+          <a:miter lim="800000"/>
+        </a:ln>
+        <a:ln w="19050" cap="flat" cmpd="sng" algn="ctr">
+          <a:solidFill>
+            <a:schemeClr val="phClr"/>
+          </a:solidFill>
+          <a:prstDash val="solid"/>
+          <a:miter lim="800000"/>
+        </a:ln>
+      </a:lnStyleLst>
+      <a:effectStyleLst>
+        <a:effectStyle>
+          <a:effectLst/>
+        </a:effectStyle>
+        <a:effectStyle>
+          <a:effectLst/>
+        </a:effectStyle>
+        <a:effectStyle>
+          <a:effectLst>
+            <a:outerShdw blurRad="57150" dist="19050" dir="5400000" algn="ctr" rotWithShape="0">
+              <a:srgbClr val="000000">
+                <a:alpha val="63000"/>
+              </a:srgbClr>
+            </a:outerShdw>
+          </a:effectLst>
+        </a:effectStyle>
+      </a:effectStyleLst>
+      <a:bgFillStyleLst>
+        <a:solidFill>
+          <a:schemeClr val="phClr"/>
+        </a:solidFill>
+        <a:solidFill>
+          <a:schemeClr val="phClr">
+            <a:tint val="95000"/>
+            <a:satMod val="170000"/>
+          </a:schemeClr>
+        </a:solidFill>
+        <a:gradFill rotWithShape="1">
+          <a:gsLst>
+            <a:gs pos="0">
+              <a:schemeClr val="phClr">
+                <a:tint val="93000"/>
+                <a:satMod val="150000"/>
+                <a:shade val="98000"/>
+                <a:lumMod val="102000"/>
+              </a:schemeClr>
+            </a:gs>
+            <a:gs pos="50000">
+              <a:schemeClr val="phClr">
+                <a:tint val="98000"/>
+                <a:satMod val="130000"/>
+                <a:shade val="90000"/>
+                <a:lumMod val="103000"/>
+              </a:schemeClr>
+            </a:gs>
+            <a:gs pos="100000">
+              <a:schemeClr val="phClr">
+                <a:shade val="63000"/>
+                <a:satMod val="120000"/>
+              </a:schemeClr>
+            </a:gs>
+          </a:gsLst>
+          <a:lin ang="5400000" scaled="0"/>
+        </a:gradFill>
+      </a:bgFillStyleLst>
+    </a:fmtScheme>
+  </a:themeElements>
+  <a:objectDefaults/>
+  <a:extraClrSchemeLst/>
+  <a:extLst>
+    <a:ext uri="{05A4C25C-085E-4340-85A3-A5531E510DB2}">
+      <thm15:themeFamily xmlns:thm15="http://schemas.microsoft.com/office/thememl/2012/main" name="Office Theme" id="{62F939B6-93AF-4DB8-9C6B-D6C7DFDC589F}" vid="{4A3C46E8-61CC-4603-A589-7422A47A8E4A}"/>
+    </a:ext>
+  </a:extLst>
+</a:theme>
 </file>
--- a/Jellyfish.pptx
+++ b/Jellyfish.pptx
@@ -5,17 +5,18 @@
     <p:sldMasterId id="2147483648" r:id="rId1"/>
   </p:sldMasterIdLst>
   <p:notesMasterIdLst>
-    <p:notesMasterId r:id="rId10"/>
+    <p:notesMasterId r:id="rId11"/>
   </p:notesMasterIdLst>
   <p:sldIdLst>
     <p:sldId id="256" r:id="rId2"/>
-    <p:sldId id="257" r:id="rId3"/>
-    <p:sldId id="258" r:id="rId4"/>
-    <p:sldId id="260" r:id="rId5"/>
-    <p:sldId id="259" r:id="rId6"/>
-    <p:sldId id="261" r:id="rId7"/>
-    <p:sldId id="262" r:id="rId8"/>
-    <p:sldId id="263" r:id="rId9"/>
+    <p:sldId id="258" r:id="rId3"/>
+    <p:sldId id="260" r:id="rId4"/>
+    <p:sldId id="261" r:id="rId5"/>
+    <p:sldId id="262" r:id="rId6"/>
+    <p:sldId id="263" r:id="rId7"/>
+    <p:sldId id="259" r:id="rId8"/>
+    <p:sldId id="265" r:id="rId9"/>
+    <p:sldId id="264" r:id="rId10"/>
   </p:sldIdLst>
   <p:sldSz cx="12192000" cy="6858000"/>
   <p:notesSz cx="6858000" cy="9144000"/>
@@ -122,6 +123,2944 @@
 </p:presentation>
 </file>
 
+<file path=ppt/diagrams/colors1.xml><?xml version="1.0" encoding="utf-8"?>
+<dgm:colorsDef xmlns:dgm="http://schemas.openxmlformats.org/drawingml/2006/diagram" xmlns:a="http://schemas.openxmlformats.org/drawingml/2006/main" uniqueId="urn:microsoft.com/office/officeart/2005/8/colors/accent1_2">
+  <dgm:title val=""/>
+  <dgm:desc val=""/>
+  <dgm:catLst>
+    <dgm:cat type="accent1" pri="11200"/>
+  </dgm:catLst>
+  <dgm:styleLbl name="node0">
+    <dgm:fillClrLst meth="repeat">
+      <a:schemeClr val="accent1"/>
+    </dgm:fillClrLst>
+    <dgm:linClrLst meth="repeat">
+      <a:schemeClr val="lt1"/>
+    </dgm:linClrLst>
+    <dgm:effectClrLst/>
+    <dgm:txLinClrLst/>
+    <dgm:txFillClrLst/>
+    <dgm:txEffectClrLst/>
+  </dgm:styleLbl>
+  <dgm:styleLbl name="alignNode1">
+    <dgm:fillClrLst meth="repeat">
+      <a:schemeClr val="accent1"/>
+    </dgm:fillClrLst>
+    <dgm:linClrLst meth="repeat">
+      <a:schemeClr val="accent1"/>
+    </dgm:linClrLst>
+    <dgm:effectClrLst/>
+    <dgm:txLinClrLst/>
+    <dgm:txFillClrLst/>
+    <dgm:txEffectClrLst/>
+  </dgm:styleLbl>
+  <dgm:styleLbl name="node1">
+    <dgm:fillClrLst meth="repeat">
+      <a:schemeClr val="accent1"/>
+    </dgm:fillClrLst>
+    <dgm:linClrLst meth="repeat">
+      <a:schemeClr val="lt1"/>
+    </dgm:linClrLst>
+    <dgm:effectClrLst/>
+    <dgm:txLinClrLst/>
+    <dgm:txFillClrLst/>
+    <dgm:txEffectClrLst/>
+  </dgm:styleLbl>
+  <dgm:styleLbl name="lnNode1">
+    <dgm:fillClrLst meth="repeat">
+      <a:schemeClr val="accent1"/>
+    </dgm:fillClrLst>
+    <dgm:linClrLst meth="repeat">
+      <a:schemeClr val="lt1"/>
+    </dgm:linClrLst>
+    <dgm:effectClrLst/>
+    <dgm:txLinClrLst/>
+    <dgm:txFillClrLst/>
+    <dgm:txEffectClrLst/>
+  </dgm:styleLbl>
+  <dgm:styleLbl name="vennNode1">
+    <dgm:fillClrLst meth="repeat">
+      <a:schemeClr val="accent1">
+        <a:alpha val="50000"/>
+      </a:schemeClr>
+    </dgm:fillClrLst>
+    <dgm:linClrLst meth="repeat">
+      <a:schemeClr val="lt1"/>
+    </dgm:linClrLst>
+    <dgm:effectClrLst/>
+    <dgm:txLinClrLst/>
+    <dgm:txFillClrLst/>
+    <dgm:txEffectClrLst/>
+  </dgm:styleLbl>
+  <dgm:styleLbl name="node2">
+    <dgm:fillClrLst meth="repeat">
+      <a:schemeClr val="accent1"/>
+    </dgm:fillClrLst>
+    <dgm:linClrLst meth="repeat">
+      <a:schemeClr val="lt1"/>
+    </dgm:linClrLst>
+    <dgm:effectClrLst/>
+    <dgm:txLinClrLst/>
+    <dgm:txFillClrLst/>
+    <dgm:txEffectClrLst/>
+  </dgm:styleLbl>
+  <dgm:styleLbl name="node3">
+    <dgm:fillClrLst meth="repeat">
+      <a:schemeClr val="accent1"/>
+    </dgm:fillClrLst>
+    <dgm:linClrLst meth="repeat">
+      <a:schemeClr val="lt1"/>
+    </dgm:linClrLst>
+    <dgm:effectClrLst/>
+    <dgm:txLinClrLst/>
+    <dgm:txFillClrLst/>
+    <dgm:txEffectClrLst/>
+  </dgm:styleLbl>
+  <dgm:styleLbl name="node4">
+    <dgm:fillClrLst meth="repeat">
+      <a:schemeClr val="accent1"/>
+    </dgm:fillClrLst>
+    <dgm:linClrLst meth="repeat">
+      <a:schemeClr val="lt1"/>
+    </dgm:linClrLst>
+    <dgm:effectClrLst/>
+    <dgm:txLinClrLst/>
+    <dgm:txFillClrLst/>
+    <dgm:txEffectClrLst/>
+  </dgm:styleLbl>
+  <dgm:styleLbl name="fgImgPlace1">
+    <dgm:fillClrLst meth="repeat">
+      <a:schemeClr val="accent1">
+        <a:tint val="50000"/>
+      </a:schemeClr>
+    </dgm:fillClrLst>
+    <dgm:linClrLst meth="repeat">
+      <a:schemeClr val="lt1"/>
+    </dgm:linClrLst>
+    <dgm:effectClrLst/>
+    <dgm:txLinClrLst/>
+    <dgm:txFillClrLst meth="repeat">
+      <a:schemeClr val="lt1"/>
+    </dgm:txFillClrLst>
+    <dgm:txEffectClrLst/>
+  </dgm:styleLbl>
+  <dgm:styleLbl name="alignImgPlace1">
+    <dgm:fillClrLst meth="repeat">
+      <a:schemeClr val="accent1">
+        <a:tint val="50000"/>
+      </a:schemeClr>
+    </dgm:fillClrLst>
+    <dgm:linClrLst meth="repeat">
+      <a:schemeClr val="lt1"/>
+    </dgm:linClrLst>
+    <dgm:effectClrLst/>
+    <dgm:txLinClrLst/>
+    <dgm:txFillClrLst meth="repeat">
+      <a:schemeClr val="lt1"/>
+    </dgm:txFillClrLst>
+    <dgm:txEffectClrLst/>
+  </dgm:styleLbl>
+  <dgm:styleLbl name="bgImgPlace1">
+    <dgm:fillClrLst meth="repeat">
+      <a:schemeClr val="accent1">
+        <a:tint val="50000"/>
+      </a:schemeClr>
+    </dgm:fillClrLst>
+    <dgm:linClrLst meth="repeat">
+      <a:schemeClr val="lt1"/>
+    </dgm:linClrLst>
+    <dgm:effectClrLst/>
+    <dgm:txLinClrLst/>
+    <dgm:txFillClrLst meth="repeat">
+      <a:schemeClr val="lt1"/>
+    </dgm:txFillClrLst>
+    <dgm:txEffectClrLst/>
+  </dgm:styleLbl>
+  <dgm:styleLbl name="sibTrans2D1">
+    <dgm:fillClrLst meth="repeat">
+      <a:schemeClr val="accent1">
+        <a:tint val="60000"/>
+      </a:schemeClr>
+    </dgm:fillClrLst>
+    <dgm:linClrLst meth="repeat">
+      <a:schemeClr val="accent1">
+        <a:tint val="60000"/>
+      </a:schemeClr>
+    </dgm:linClrLst>
+    <dgm:effectClrLst/>
+    <dgm:txLinClrLst/>
+    <dgm:txFillClrLst/>
+    <dgm:txEffectClrLst/>
+  </dgm:styleLbl>
+  <dgm:styleLbl name="fgSibTrans2D1">
+    <dgm:fillClrLst meth="repeat">
+      <a:schemeClr val="accent1">
+        <a:tint val="60000"/>
+      </a:schemeClr>
+    </dgm:fillClrLst>
+    <dgm:linClrLst meth="repeat">
+      <a:schemeClr val="accent1">
+        <a:tint val="60000"/>
+      </a:schemeClr>
+    </dgm:linClrLst>
+    <dgm:effectClrLst/>
+    <dgm:txLinClrLst/>
+    <dgm:txFillClrLst/>
+    <dgm:txEffectClrLst/>
+  </dgm:styleLbl>
+  <dgm:styleLbl name="bgSibTrans2D1">
+    <dgm:fillClrLst meth="repeat">
+      <a:schemeClr val="accent1">
+        <a:tint val="60000"/>
+      </a:schemeClr>
+    </dgm:fillClrLst>
+    <dgm:linClrLst meth="repeat">
+      <a:schemeClr val="accent1">
+        <a:tint val="60000"/>
+      </a:schemeClr>
+    </dgm:linClrLst>
+    <dgm:effectClrLst/>
+    <dgm:txLinClrLst/>
+    <dgm:txFillClrLst/>
+    <dgm:txEffectClrLst/>
+  </dgm:styleLbl>
+  <dgm:styleLbl name="sibTrans1D1">
+    <dgm:fillClrLst meth="repeat">
+      <a:schemeClr val="accent1"/>
+    </dgm:fillClrLst>
+    <dgm:linClrLst meth="repeat">
+      <a:schemeClr val="accent1"/>
+    </dgm:linClrLst>
+    <dgm:effectClrLst/>
+    <dgm:txLinClrLst/>
+    <dgm:txFillClrLst meth="repeat">
+      <a:schemeClr val="tx1"/>
+    </dgm:txFillClrLst>
+    <dgm:txEffectClrLst/>
+  </dgm:styleLbl>
+  <dgm:styleLbl name="callout">
+    <dgm:fillClrLst meth="repeat">
+      <a:schemeClr val="accent1"/>
+    </dgm:fillClrLst>
+    <dgm:linClrLst meth="repeat">
+      <a:schemeClr val="accent1">
+        <a:tint val="50000"/>
+      </a:schemeClr>
+    </dgm:linClrLst>
+    <dgm:effectClrLst/>
+    <dgm:txLinClrLst/>
+    <dgm:txFillClrLst meth="repeat">
+      <a:schemeClr val="tx1"/>
+    </dgm:txFillClrLst>
+    <dgm:txEffectClrLst/>
+  </dgm:styleLbl>
+  <dgm:styleLbl name="asst0">
+    <dgm:fillClrLst meth="repeat">
+      <a:schemeClr val="accent1"/>
+    </dgm:fillClrLst>
+    <dgm:linClrLst meth="repeat">
+      <a:schemeClr val="lt1"/>
+    </dgm:linClrLst>
+    <dgm:effectClrLst/>
+    <dgm:txLinClrLst/>
+    <dgm:txFillClrLst/>
+    <dgm:txEffectClrLst/>
+  </dgm:styleLbl>
+  <dgm:styleLbl name="asst1">
+    <dgm:fillClrLst meth="repeat">
+      <a:schemeClr val="accent1"/>
+    </dgm:fillClrLst>
+    <dgm:linClrLst meth="repeat">
+      <a:schemeClr val="lt1"/>
+    </dgm:linClrLst>
+    <dgm:effectClrLst/>
+    <dgm:txLinClrLst/>
+    <dgm:txFillClrLst/>
+    <dgm:txEffectClrLst/>
+  </dgm:styleLbl>
+  <dgm:styleLbl name="asst2">
+    <dgm:fillClrLst meth="repeat">
+      <a:schemeClr val="accent1"/>
+    </dgm:fillClrLst>
+    <dgm:linClrLst meth="repeat">
+      <a:schemeClr val="lt1"/>
+    </dgm:linClrLst>
+    <dgm:effectClrLst/>
+    <dgm:txLinClrLst/>
+    <dgm:txFillClrLst/>
+    <dgm:txEffectClrLst/>
+  </dgm:styleLbl>
+  <dgm:styleLbl name="asst3">
+    <dgm:fillClrLst meth="repeat">
+      <a:schemeClr val="accent1"/>
+    </dgm:fillClrLst>
+    <dgm:linClrLst meth="repeat">
+      <a:schemeClr val="lt1"/>
+    </dgm:linClrLst>
+    <dgm:effectClrLst/>
+    <dgm:txLinClrLst/>
+    <dgm:txFillClrLst/>
+    <dgm:txEffectClrLst/>
+  </dgm:styleLbl>
+  <dgm:styleLbl name="asst4">
+    <dgm:fillClrLst meth="repeat">
+      <a:schemeClr val="accent1"/>
+    </dgm:fillClrLst>
+    <dgm:linClrLst meth="repeat">
+      <a:schemeClr val="lt1"/>
+    </dgm:linClrLst>
+    <dgm:effectClrLst/>
+    <dgm:txLinClrLst/>
+    <dgm:txFillClrLst/>
+    <dgm:txEffectClrLst/>
+  </dgm:styleLbl>
+  <dgm:styleLbl name="parChTrans2D1">
+    <dgm:fillClrLst meth="repeat">
+      <a:schemeClr val="accent1">
+        <a:tint val="60000"/>
+      </a:schemeClr>
+    </dgm:fillClrLst>
+    <dgm:linClrLst meth="repeat">
+      <a:schemeClr val="accent1">
+        <a:tint val="60000"/>
+      </a:schemeClr>
+    </dgm:linClrLst>
+    <dgm:effectClrLst/>
+    <dgm:txLinClrLst/>
+    <dgm:txFillClrLst meth="repeat">
+      <a:schemeClr val="lt1"/>
+    </dgm:txFillClrLst>
+    <dgm:txEffectClrLst/>
+  </dgm:styleLbl>
+  <dgm:styleLbl name="parChTrans2D2">
+    <dgm:fillClrLst meth="repeat">
+      <a:schemeClr val="accent1"/>
+    </dgm:fillClrLst>
+    <dgm:linClrLst meth="repeat">
+      <a:schemeClr val="accent1"/>
+    </dgm:linClrLst>
+    <dgm:effectClrLst/>
+    <dgm:txLinClrLst/>
+    <dgm:txFillClrLst meth="repeat">
+      <a:schemeClr val="lt1"/>
+    </dgm:txFillClrLst>
+    <dgm:txEffectClrLst/>
+  </dgm:styleLbl>
+  <dgm:styleLbl name="parChTrans2D3">
+    <dgm:fillClrLst meth="repeat">
+      <a:schemeClr val="accent1"/>
+    </dgm:fillClrLst>
+    <dgm:linClrLst meth="repeat">
+      <a:schemeClr val="accent1"/>
+    </dgm:linClrLst>
+    <dgm:effectClrLst/>
+    <dgm:txLinClrLst/>
+    <dgm:txFillClrLst meth="repeat">
+      <a:schemeClr val="lt1"/>
+    </dgm:txFillClrLst>
+    <dgm:txEffectClrLst/>
+  </dgm:styleLbl>
+  <dgm:styleLbl name="parChTrans2D4">
+    <dgm:fillClrLst meth="repeat">
+      <a:schemeClr val="accent1"/>
+    </dgm:fillClrLst>
+    <dgm:linClrLst meth="repeat">
+      <a:schemeClr val="accent1"/>
+    </dgm:linClrLst>
+    <dgm:effectClrLst/>
+    <dgm:txLinClrLst/>
+    <dgm:txFillClrLst meth="repeat">
+      <a:schemeClr val="lt1"/>
+    </dgm:txFillClrLst>
+    <dgm:txEffectClrLst/>
+  </dgm:styleLbl>
+  <dgm:styleLbl name="parChTrans1D1">
+    <dgm:fillClrLst meth="repeat">
+      <a:schemeClr val="accent1"/>
+    </dgm:fillClrLst>
+    <dgm:linClrLst meth="repeat">
+      <a:schemeClr val="accent1">
+        <a:shade val="60000"/>
+      </a:schemeClr>
+    </dgm:linClrLst>
+    <dgm:effectClrLst/>
+    <dgm:txLinClrLst/>
+    <dgm:txFillClrLst meth="repeat">
+      <a:schemeClr val="tx1"/>
+    </dgm:txFillClrLst>
+    <dgm:txEffectClrLst/>
+  </dgm:styleLbl>
+  <dgm:styleLbl name="parChTrans1D2">
+    <dgm:fillClrLst meth="repeat">
+      <a:schemeClr val="accent1"/>
+    </dgm:fillClrLst>
+    <dgm:linClrLst meth="repeat">
+      <a:schemeClr val="accent1">
+        <a:shade val="60000"/>
+      </a:schemeClr>
+    </dgm:linClrLst>
+    <dgm:effectClrLst/>
+    <dgm:txLinClrLst/>
+    <dgm:txFillClrLst meth="repeat">
+      <a:schemeClr val="tx1"/>
+    </dgm:txFillClrLst>
+    <dgm:txEffectClrLst/>
+  </dgm:styleLbl>
+  <dgm:styleLbl name="parChTrans1D3">
+    <dgm:fillClrLst meth="repeat">
+      <a:schemeClr val="accent1"/>
+    </dgm:fillClrLst>
+    <dgm:linClrLst meth="repeat">
+      <a:schemeClr val="accent1">
+        <a:shade val="80000"/>
+      </a:schemeClr>
+    </dgm:linClrLst>
+    <dgm:effectClrLst/>
+    <dgm:txLinClrLst/>
+    <dgm:txFillClrLst meth="repeat">
+      <a:schemeClr val="tx1"/>
+    </dgm:txFillClrLst>
+    <dgm:txEffectClrLst/>
+  </dgm:styleLbl>
+  <dgm:styleLbl name="parChTrans1D4">
+    <dgm:fillClrLst meth="repeat">
+      <a:schemeClr val="accent1"/>
+    </dgm:fillClrLst>
+    <dgm:linClrLst meth="repeat">
+      <a:schemeClr val="accent1">
+        <a:shade val="80000"/>
+      </a:schemeClr>
+    </dgm:linClrLst>
+    <dgm:effectClrLst/>
+    <dgm:txLinClrLst/>
+    <dgm:txFillClrLst meth="repeat">
+      <a:schemeClr val="tx1"/>
+    </dgm:txFillClrLst>
+    <dgm:txEffectClrLst/>
+  </dgm:styleLbl>
+  <dgm:styleLbl name="fgAcc1">
+    <dgm:fillClrLst meth="repeat">
+      <a:schemeClr val="lt1">
+        <a:alpha val="90000"/>
+      </a:schemeClr>
+    </dgm:fillClrLst>
+    <dgm:linClrLst meth="repeat">
+      <a:schemeClr val="accent1"/>
+    </dgm:linClrLst>
+    <dgm:effectClrLst/>
+    <dgm:txLinClrLst/>
+    <dgm:txFillClrLst meth="repeat">
+      <a:schemeClr val="dk1"/>
+    </dgm:txFillClrLst>
+    <dgm:txEffectClrLst/>
+  </dgm:styleLbl>
+  <dgm:styleLbl name="conFgAcc1">
+    <dgm:fillClrLst meth="repeat">
+      <a:schemeClr val="lt1">
+        <a:alpha val="90000"/>
+      </a:schemeClr>
+    </dgm:fillClrLst>
+    <dgm:linClrLst meth="repeat">
+      <a:schemeClr val="accent1"/>
+    </dgm:linClrLst>
+    <dgm:effectClrLst/>
+    <dgm:txLinClrLst/>
+    <dgm:txFillClrLst meth="repeat">
+      <a:schemeClr val="dk1"/>
+    </dgm:txFillClrLst>
+    <dgm:txEffectClrLst/>
+  </dgm:styleLbl>
+  <dgm:styleLbl name="alignAcc1">
+    <dgm:fillClrLst meth="repeat">
+      <a:schemeClr val="lt1">
+        <a:alpha val="90000"/>
+      </a:schemeClr>
+    </dgm:fillClrLst>
+    <dgm:linClrLst meth="repeat">
+      <a:schemeClr val="accent1"/>
+    </dgm:linClrLst>
+    <dgm:effectClrLst/>
+    <dgm:txLinClrLst/>
+    <dgm:txFillClrLst meth="repeat">
+      <a:schemeClr val="dk1"/>
+    </dgm:txFillClrLst>
+    <dgm:txEffectClrLst/>
+  </dgm:styleLbl>
+  <dgm:styleLbl name="trAlignAcc1">
+    <dgm:fillClrLst meth="repeat">
+      <a:schemeClr val="lt1">
+        <a:alpha val="40000"/>
+      </a:schemeClr>
+    </dgm:fillClrLst>
+    <dgm:linClrLst meth="repeat">
+      <a:schemeClr val="accent1"/>
+    </dgm:linClrLst>
+    <dgm:effectClrLst/>
+    <dgm:txLinClrLst/>
+    <dgm:txFillClrLst meth="repeat">
+      <a:schemeClr val="dk1"/>
+    </dgm:txFillClrLst>
+    <dgm:txEffectClrLst/>
+  </dgm:styleLbl>
+  <dgm:styleLbl name="bgAcc1">
+    <dgm:fillClrLst meth="repeat">
+      <a:schemeClr val="lt1">
+        <a:alpha val="90000"/>
+      </a:schemeClr>
+    </dgm:fillClrLst>
+    <dgm:linClrLst meth="repeat">
+      <a:schemeClr val="accent1"/>
+    </dgm:linClrLst>
+    <dgm:effectClrLst/>
+    <dgm:txLinClrLst/>
+    <dgm:txFillClrLst meth="repeat">
+      <a:schemeClr val="dk1"/>
+    </dgm:txFillClrLst>
+    <dgm:txEffectClrLst/>
+  </dgm:styleLbl>
+  <dgm:styleLbl name="solidFgAcc1">
+    <dgm:fillClrLst meth="repeat">
+      <a:schemeClr val="lt1"/>
+    </dgm:fillClrLst>
+    <dgm:linClrLst meth="repeat">
+      <a:schemeClr val="accent1"/>
+    </dgm:linClrLst>
+    <dgm:effectClrLst/>
+    <dgm:txLinClrLst/>
+    <dgm:txFillClrLst meth="repeat">
+      <a:schemeClr val="dk1"/>
+    </dgm:txFillClrLst>
+    <dgm:txEffectClrLst/>
+  </dgm:styleLbl>
+  <dgm:styleLbl name="solidAlignAcc1">
+    <dgm:fillClrLst meth="repeat">
+      <a:schemeClr val="lt1"/>
+    </dgm:fillClrLst>
+    <dgm:linClrLst meth="repeat">
+      <a:schemeClr val="accent1"/>
+    </dgm:linClrLst>
+    <dgm:effectClrLst/>
+    <dgm:txLinClrLst/>
+    <dgm:txFillClrLst meth="repeat">
+      <a:schemeClr val="dk1"/>
+    </dgm:txFillClrLst>
+    <dgm:txEffectClrLst/>
+  </dgm:styleLbl>
+  <dgm:styleLbl name="solidBgAcc1">
+    <dgm:fillClrLst meth="repeat">
+      <a:schemeClr val="lt1"/>
+    </dgm:fillClrLst>
+    <dgm:linClrLst meth="repeat">
+      <a:schemeClr val="accent1"/>
+    </dgm:linClrLst>
+    <dgm:effectClrLst/>
+    <dgm:txLinClrLst/>
+    <dgm:txFillClrLst meth="repeat">
+      <a:schemeClr val="dk1"/>
+    </dgm:txFillClrLst>
+    <dgm:txEffectClrLst/>
+  </dgm:styleLbl>
+  <dgm:styleLbl name="fgAccFollowNode1">
+    <dgm:fillClrLst meth="repeat">
+      <a:schemeClr val="accent1">
+        <a:alpha val="90000"/>
+        <a:tint val="40000"/>
+      </a:schemeClr>
+    </dgm:fillClrLst>
+    <dgm:linClrLst meth="repeat">
+      <a:schemeClr val="accent1">
+        <a:alpha val="90000"/>
+        <a:tint val="40000"/>
+      </a:schemeClr>
+    </dgm:linClrLst>
+    <dgm:effectClrLst/>
+    <dgm:txLinClrLst/>
+    <dgm:txFillClrLst meth="repeat">
+      <a:schemeClr val="dk1"/>
+    </dgm:txFillClrLst>
+    <dgm:txEffectClrLst/>
+  </dgm:styleLbl>
+  <dgm:styleLbl name="alignAccFollowNode1">
+    <dgm:fillClrLst meth="repeat">
+      <a:schemeClr val="accent1">
+        <a:alpha val="90000"/>
+        <a:tint val="40000"/>
+      </a:schemeClr>
+    </dgm:fillClrLst>
+    <dgm:linClrLst meth="repeat">
+      <a:schemeClr val="accent1">
+        <a:alpha val="90000"/>
+        <a:tint val="40000"/>
+      </a:schemeClr>
+    </dgm:linClrLst>
+    <dgm:effectClrLst/>
+    <dgm:txLinClrLst/>
+    <dgm:txFillClrLst meth="repeat">
+      <a:schemeClr val="dk1"/>
+    </dgm:txFillClrLst>
+    <dgm:txEffectClrLst/>
+  </dgm:styleLbl>
+  <dgm:styleLbl name="bgAccFollowNode1">
+    <dgm:fillClrLst meth="repeat">
+      <a:schemeClr val="accent1">
+        <a:alpha val="90000"/>
+        <a:tint val="40000"/>
+      </a:schemeClr>
+    </dgm:fillClrLst>
+    <dgm:linClrLst meth="repeat">
+      <a:schemeClr val="accent1">
+        <a:alpha val="90000"/>
+        <a:tint val="40000"/>
+      </a:schemeClr>
+    </dgm:linClrLst>
+    <dgm:effectClrLst/>
+    <dgm:txLinClrLst/>
+    <dgm:txFillClrLst meth="repeat">
+      <a:schemeClr val="dk1"/>
+    </dgm:txFillClrLst>
+    <dgm:txEffectClrLst/>
+  </dgm:styleLbl>
+  <dgm:styleLbl name="fgAcc0">
+    <dgm:fillClrLst meth="repeat">
+      <a:schemeClr val="lt1">
+        <a:alpha val="90000"/>
+      </a:schemeClr>
+    </dgm:fillClrLst>
+    <dgm:linClrLst meth="repeat">
+      <a:schemeClr val="accent1"/>
+    </dgm:linClrLst>
+    <dgm:effectClrLst/>
+    <dgm:txLinClrLst/>
+    <dgm:txFillClrLst meth="repeat">
+      <a:schemeClr val="dk1"/>
+    </dgm:txFillClrLst>
+    <dgm:txEffectClrLst/>
+  </dgm:styleLbl>
+  <dgm:styleLbl name="fgAcc2">
+    <dgm:fillClrLst meth="repeat">
+      <a:schemeClr val="lt1">
+        <a:alpha val="90000"/>
+      </a:schemeClr>
+    </dgm:fillClrLst>
+    <dgm:linClrLst meth="repeat">
+      <a:schemeClr val="accent1"/>
+    </dgm:linClrLst>
+    <dgm:effectClrLst/>
+    <dgm:txLinClrLst/>
+    <dgm:txFillClrLst meth="repeat">
+      <a:schemeClr val="dk1"/>
+    </dgm:txFillClrLst>
+    <dgm:txEffectClrLst/>
+  </dgm:styleLbl>
+  <dgm:styleLbl name="fgAcc3">
+    <dgm:fillClrLst meth="repeat">
+      <a:schemeClr val="lt1">
+        <a:alpha val="90000"/>
+      </a:schemeClr>
+    </dgm:fillClrLst>
+    <dgm:linClrLst meth="repeat">
+      <a:schemeClr val="accent1"/>
+    </dgm:linClrLst>
+    <dgm:effectClrLst/>
+    <dgm:txLinClrLst/>
+    <dgm:txFillClrLst meth="repeat">
+      <a:schemeClr val="dk1"/>
+    </dgm:txFillClrLst>
+    <dgm:txEffectClrLst/>
+  </dgm:styleLbl>
+  <dgm:styleLbl name="fgAcc4">
+    <dgm:fillClrLst meth="repeat">
+      <a:schemeClr val="lt1">
+        <a:alpha val="90000"/>
+      </a:schemeClr>
+    </dgm:fillClrLst>
+    <dgm:linClrLst meth="repeat">
+      <a:schemeClr val="accent1"/>
+    </dgm:linClrLst>
+    <dgm:effectClrLst/>
+    <dgm:txLinClrLst/>
+    <dgm:txFillClrLst meth="repeat">
+      <a:schemeClr val="dk1"/>
+    </dgm:txFillClrLst>
+    <dgm:txEffectClrLst/>
+  </dgm:styleLbl>
+  <dgm:styleLbl name="bgShp">
+    <dgm:fillClrLst meth="repeat">
+      <a:schemeClr val="accent1">
+        <a:tint val="40000"/>
+      </a:schemeClr>
+    </dgm:fillClrLst>
+    <dgm:linClrLst meth="repeat">
+      <a:schemeClr val="accent1"/>
+    </dgm:linClrLst>
+    <dgm:effectClrLst/>
+    <dgm:txLinClrLst/>
+    <dgm:txFillClrLst meth="repeat">
+      <a:schemeClr val="dk1"/>
+    </dgm:txFillClrLst>
+    <dgm:txEffectClrLst/>
+  </dgm:styleLbl>
+  <dgm:styleLbl name="dkBgShp">
+    <dgm:fillClrLst meth="repeat">
+      <a:schemeClr val="accent1">
+        <a:shade val="80000"/>
+      </a:schemeClr>
+    </dgm:fillClrLst>
+    <dgm:linClrLst meth="repeat">
+      <a:schemeClr val="accent1"/>
+    </dgm:linClrLst>
+    <dgm:effectClrLst/>
+    <dgm:txLinClrLst/>
+    <dgm:txFillClrLst meth="repeat">
+      <a:schemeClr val="lt1"/>
+    </dgm:txFillClrLst>
+    <dgm:txEffectClrLst/>
+  </dgm:styleLbl>
+  <dgm:styleLbl name="trBgShp">
+    <dgm:fillClrLst meth="repeat">
+      <a:schemeClr val="accent1">
+        <a:tint val="50000"/>
+        <a:alpha val="40000"/>
+      </a:schemeClr>
+    </dgm:fillClrLst>
+    <dgm:linClrLst meth="repeat">
+      <a:schemeClr val="accent1"/>
+    </dgm:linClrLst>
+    <dgm:effectClrLst/>
+    <dgm:txLinClrLst/>
+    <dgm:txFillClrLst meth="repeat">
+      <a:schemeClr val="lt1"/>
+    </dgm:txFillClrLst>
+    <dgm:txEffectClrLst/>
+  </dgm:styleLbl>
+  <dgm:styleLbl name="fgShp">
+    <dgm:fillClrLst meth="repeat">
+      <a:schemeClr val="accent1">
+        <a:tint val="60000"/>
+      </a:schemeClr>
+    </dgm:fillClrLst>
+    <dgm:linClrLst meth="repeat">
+      <a:schemeClr val="lt1"/>
+    </dgm:linClrLst>
+    <dgm:effectClrLst/>
+    <dgm:txLinClrLst/>
+    <dgm:txFillClrLst meth="repeat">
+      <a:schemeClr val="dk1"/>
+    </dgm:txFillClrLst>
+    <dgm:txEffectClrLst/>
+  </dgm:styleLbl>
+  <dgm:styleLbl name="revTx">
+    <dgm:fillClrLst meth="repeat">
+      <a:schemeClr val="lt1">
+        <a:alpha val="0"/>
+      </a:schemeClr>
+    </dgm:fillClrLst>
+    <dgm:linClrLst meth="repeat">
+      <a:schemeClr val="dk1">
+        <a:alpha val="0"/>
+      </a:schemeClr>
+    </dgm:linClrLst>
+    <dgm:effectClrLst/>
+    <dgm:txLinClrLst/>
+    <dgm:txFillClrLst meth="repeat">
+      <a:schemeClr val="tx1"/>
+    </dgm:txFillClrLst>
+    <dgm:txEffectClrLst/>
+  </dgm:styleLbl>
+</dgm:colorsDef>
+</file>
+
+<file path=ppt/diagrams/data1.xml><?xml version="1.0" encoding="utf-8"?>
+<dgm:dataModel xmlns:dgm="http://schemas.openxmlformats.org/drawingml/2006/diagram" xmlns:a="http://schemas.openxmlformats.org/drawingml/2006/main">
+  <dgm:ptLst>
+    <dgm:pt modelId="{D555CBB9-D7D3-4F6D-8C19-3D2342A87836}" type="doc">
+      <dgm:prSet loTypeId="urn:microsoft.com/office/officeart/2005/8/layout/lProcess3" loCatId="process" qsTypeId="urn:microsoft.com/office/officeart/2005/8/quickstyle/simple1" qsCatId="simple" csTypeId="urn:microsoft.com/office/officeart/2005/8/colors/accent1_2" csCatId="accent1" phldr="1"/>
+      <dgm:spPr/>
+      <dgm:t>
+        <a:bodyPr/>
+        <a:lstStyle/>
+        <a:p>
+          <a:endParaRPr lang="en-US"/>
+        </a:p>
+      </dgm:t>
+    </dgm:pt>
+    <dgm:pt modelId="{6C722240-84A9-4010-A01B-E5287200BA04}">
+      <dgm:prSet/>
+      <dgm:spPr/>
+      <dgm:t>
+        <a:bodyPr/>
+        <a:lstStyle/>
+        <a:p>
+          <a:pPr rtl="0"/>
+          <a:r>
+            <a:rPr lang="en-SG" dirty="0" smtClean="0"/>
+            <a:t>Exploration</a:t>
+          </a:r>
+          <a:endParaRPr lang="en-SG" dirty="0"/>
+        </a:p>
+      </dgm:t>
+    </dgm:pt>
+    <dgm:pt modelId="{7BE2BCF8-1FD3-4254-8726-999BFEC10178}" type="parTrans" cxnId="{4E95E261-999A-40AF-B89F-907CC3539B45}">
+      <dgm:prSet/>
+      <dgm:spPr/>
+      <dgm:t>
+        <a:bodyPr/>
+        <a:lstStyle/>
+        <a:p>
+          <a:endParaRPr lang="en-US"/>
+        </a:p>
+      </dgm:t>
+    </dgm:pt>
+    <dgm:pt modelId="{D158A640-7EED-4BCE-9A9F-5DE536A7E41B}" type="sibTrans" cxnId="{4E95E261-999A-40AF-B89F-907CC3539B45}">
+      <dgm:prSet/>
+      <dgm:spPr/>
+      <dgm:t>
+        <a:bodyPr/>
+        <a:lstStyle/>
+        <a:p>
+          <a:endParaRPr lang="en-US"/>
+        </a:p>
+      </dgm:t>
+    </dgm:pt>
+    <dgm:pt modelId="{02A8E1A6-693A-42C1-95FD-23E802DE28FF}">
+      <dgm:prSet/>
+      <dgm:spPr/>
+      <dgm:t>
+        <a:bodyPr/>
+        <a:lstStyle/>
+        <a:p>
+          <a:pPr rtl="0"/>
+          <a:r>
+            <a:rPr lang="en-SG" dirty="0" smtClean="0"/>
+            <a:t>Exploitation</a:t>
+          </a:r>
+          <a:endParaRPr lang="en-SG" dirty="0"/>
+        </a:p>
+      </dgm:t>
+    </dgm:pt>
+    <dgm:pt modelId="{06E6412A-38C8-42BB-837B-1244422715EA}" type="parTrans" cxnId="{198A0788-1FD0-48D0-B6E7-A02582A76450}">
+      <dgm:prSet/>
+      <dgm:spPr/>
+      <dgm:t>
+        <a:bodyPr/>
+        <a:lstStyle/>
+        <a:p>
+          <a:endParaRPr lang="en-US"/>
+        </a:p>
+      </dgm:t>
+    </dgm:pt>
+    <dgm:pt modelId="{96BE12D9-F194-4427-AE81-B6A5C4DBC295}" type="sibTrans" cxnId="{198A0788-1FD0-48D0-B6E7-A02582A76450}">
+      <dgm:prSet/>
+      <dgm:spPr/>
+      <dgm:t>
+        <a:bodyPr/>
+        <a:lstStyle/>
+        <a:p>
+          <a:endParaRPr lang="en-US"/>
+        </a:p>
+      </dgm:t>
+    </dgm:pt>
+    <dgm:pt modelId="{392D7639-9100-4F2C-86B0-027C1452E3FD}">
+      <dgm:prSet/>
+      <dgm:spPr/>
+      <dgm:t>
+        <a:bodyPr/>
+        <a:lstStyle/>
+        <a:p>
+          <a:pPr rtl="0"/>
+          <a:r>
+            <a:rPr lang="en-SG" smtClean="0"/>
+            <a:t>Movement toward the ocean current</a:t>
+          </a:r>
+          <a:endParaRPr lang="en-SG" dirty="0"/>
+        </a:p>
+      </dgm:t>
+    </dgm:pt>
+    <dgm:pt modelId="{217D3F4F-BD4E-4ABD-9ECE-2F8770C3CC81}" type="parTrans" cxnId="{EB45CFC8-DC0A-4928-98BE-06382EC132FB}">
+      <dgm:prSet/>
+      <dgm:spPr/>
+      <dgm:t>
+        <a:bodyPr/>
+        <a:lstStyle/>
+        <a:p>
+          <a:endParaRPr lang="en-US"/>
+        </a:p>
+      </dgm:t>
+    </dgm:pt>
+    <dgm:pt modelId="{ED6A2091-B167-4E07-A708-9AF0310C0773}" type="sibTrans" cxnId="{EB45CFC8-DC0A-4928-98BE-06382EC132FB}">
+      <dgm:prSet/>
+      <dgm:spPr/>
+      <dgm:t>
+        <a:bodyPr/>
+        <a:lstStyle/>
+        <a:p>
+          <a:endParaRPr lang="en-US"/>
+        </a:p>
+      </dgm:t>
+    </dgm:pt>
+    <dgm:pt modelId="{3FA32A64-9A61-48FA-B22F-BFF4DBAC1934}">
+      <dgm:prSet/>
+      <dgm:spPr/>
+      <dgm:t>
+        <a:bodyPr/>
+        <a:lstStyle/>
+        <a:p>
+          <a:pPr rtl="0"/>
+          <a:r>
+            <a:rPr lang="en-US" dirty="0" smtClean="0"/>
+            <a:t>Switch</a:t>
+          </a:r>
+          <a:endParaRPr lang="en-SG" dirty="0"/>
+        </a:p>
+      </dgm:t>
+    </dgm:pt>
+    <dgm:pt modelId="{1D076420-37F0-41C6-ABFB-5FF67FADE830}" type="parTrans" cxnId="{62409F35-F67F-4BFA-8188-83B8D4EAF7D3}">
+      <dgm:prSet/>
+      <dgm:spPr/>
+      <dgm:t>
+        <a:bodyPr/>
+        <a:lstStyle/>
+        <a:p>
+          <a:endParaRPr lang="en-US"/>
+        </a:p>
+      </dgm:t>
+    </dgm:pt>
+    <dgm:pt modelId="{95985F65-8894-4B50-A1B1-901823415880}" type="sibTrans" cxnId="{62409F35-F67F-4BFA-8188-83B8D4EAF7D3}">
+      <dgm:prSet/>
+      <dgm:spPr/>
+      <dgm:t>
+        <a:bodyPr/>
+        <a:lstStyle/>
+        <a:p>
+          <a:endParaRPr lang="en-US"/>
+        </a:p>
+      </dgm:t>
+    </dgm:pt>
+    <dgm:pt modelId="{EFEF2A8E-72D3-4EC8-A283-591D753ADFA0}">
+      <dgm:prSet/>
+      <dgm:spPr/>
+      <dgm:t>
+        <a:bodyPr/>
+        <a:lstStyle/>
+        <a:p>
+          <a:pPr rtl="0"/>
+          <a:r>
+            <a:rPr lang="en-US" dirty="0" smtClean="0"/>
+            <a:t>Movements within a jellyfish swarm</a:t>
+          </a:r>
+          <a:endParaRPr lang="en-SG" dirty="0"/>
+        </a:p>
+      </dgm:t>
+    </dgm:pt>
+    <dgm:pt modelId="{3EB5AA7A-70C3-48AD-9139-C0C9ED15140B}" type="parTrans" cxnId="{AE379E01-4869-4111-9489-0242405FCFF9}">
+      <dgm:prSet/>
+      <dgm:spPr/>
+      <dgm:t>
+        <a:bodyPr/>
+        <a:lstStyle/>
+        <a:p>
+          <a:endParaRPr lang="en-US"/>
+        </a:p>
+      </dgm:t>
+    </dgm:pt>
+    <dgm:pt modelId="{1A5C7087-E00E-44C5-BB0E-43A3D57EE7DB}" type="sibTrans" cxnId="{AE379E01-4869-4111-9489-0242405FCFF9}">
+      <dgm:prSet/>
+      <dgm:spPr/>
+      <dgm:t>
+        <a:bodyPr/>
+        <a:lstStyle/>
+        <a:p>
+          <a:endParaRPr lang="en-US"/>
+        </a:p>
+      </dgm:t>
+    </dgm:pt>
+    <dgm:pt modelId="{AB3C9B49-F361-4DB2-A6F0-3B0D7110D4A9}">
+      <dgm:prSet/>
+      <dgm:spPr/>
+      <dgm:t>
+        <a:bodyPr/>
+        <a:lstStyle/>
+        <a:p>
+          <a:pPr rtl="0"/>
+          <a:r>
+            <a:rPr lang="en-US" smtClean="0"/>
+            <a:t>Time </a:t>
+          </a:r>
+          <a:r>
+            <a:rPr lang="en-US" dirty="0" smtClean="0"/>
+            <a:t>control mechanism</a:t>
+          </a:r>
+          <a:endParaRPr lang="en-SG" dirty="0"/>
+        </a:p>
+      </dgm:t>
+    </dgm:pt>
+    <dgm:pt modelId="{45E1173E-6038-4EB4-B416-6DC363FF1BFF}" type="parTrans" cxnId="{5431EE85-2430-4848-B551-7458C84BB135}">
+      <dgm:prSet/>
+      <dgm:spPr/>
+      <dgm:t>
+        <a:bodyPr/>
+        <a:lstStyle/>
+        <a:p>
+          <a:endParaRPr lang="en-US"/>
+        </a:p>
+      </dgm:t>
+    </dgm:pt>
+    <dgm:pt modelId="{E4D3F87B-CC28-4F73-9848-2F9B40206DCD}" type="sibTrans" cxnId="{5431EE85-2430-4848-B551-7458C84BB135}">
+      <dgm:prSet/>
+      <dgm:spPr/>
+      <dgm:t>
+        <a:bodyPr/>
+        <a:lstStyle/>
+        <a:p>
+          <a:endParaRPr lang="en-US"/>
+        </a:p>
+      </dgm:t>
+    </dgm:pt>
+    <dgm:pt modelId="{0FA3DAA9-3D14-45D8-A12A-665FBB16CBA0}" type="pres">
+      <dgm:prSet presAssocID="{D555CBB9-D7D3-4F6D-8C19-3D2342A87836}" presName="Name0" presStyleCnt="0">
+        <dgm:presLayoutVars>
+          <dgm:chPref val="3"/>
+          <dgm:dir/>
+          <dgm:animLvl val="lvl"/>
+          <dgm:resizeHandles/>
+        </dgm:presLayoutVars>
+      </dgm:prSet>
+      <dgm:spPr/>
+    </dgm:pt>
+    <dgm:pt modelId="{F2BCC6B5-8011-472E-B3DE-AA00F639146D}" type="pres">
+      <dgm:prSet presAssocID="{6C722240-84A9-4010-A01B-E5287200BA04}" presName="horFlow" presStyleCnt="0"/>
+      <dgm:spPr/>
+    </dgm:pt>
+    <dgm:pt modelId="{AB4BB7F7-8D6C-4CCA-8503-B4F18F0246CC}" type="pres">
+      <dgm:prSet presAssocID="{6C722240-84A9-4010-A01B-E5287200BA04}" presName="bigChev" presStyleLbl="node1" presStyleIdx="0" presStyleCnt="3"/>
+      <dgm:spPr/>
+      <dgm:t>
+        <a:bodyPr/>
+        <a:lstStyle/>
+        <a:p>
+          <a:endParaRPr lang="en-US"/>
+        </a:p>
+      </dgm:t>
+    </dgm:pt>
+    <dgm:pt modelId="{173A78D6-9465-4FAE-9AC8-A151C5BCE546}" type="pres">
+      <dgm:prSet presAssocID="{217D3F4F-BD4E-4ABD-9ECE-2F8770C3CC81}" presName="parTrans" presStyleCnt="0"/>
+      <dgm:spPr/>
+    </dgm:pt>
+    <dgm:pt modelId="{A24BBA15-4A93-46F9-9D30-310A6FF5A2EE}" type="pres">
+      <dgm:prSet presAssocID="{392D7639-9100-4F2C-86B0-027C1452E3FD}" presName="node" presStyleLbl="alignAccFollowNode1" presStyleIdx="0" presStyleCnt="3">
+        <dgm:presLayoutVars>
+          <dgm:bulletEnabled val="1"/>
+        </dgm:presLayoutVars>
+      </dgm:prSet>
+      <dgm:spPr/>
+    </dgm:pt>
+    <dgm:pt modelId="{3A9F264B-D83F-4973-807A-61C561812DF9}" type="pres">
+      <dgm:prSet presAssocID="{6C722240-84A9-4010-A01B-E5287200BA04}" presName="vSp" presStyleCnt="0"/>
+      <dgm:spPr/>
+    </dgm:pt>
+    <dgm:pt modelId="{067D319C-36DF-4CDB-B180-2D12BD2F8512}" type="pres">
+      <dgm:prSet presAssocID="{02A8E1A6-693A-42C1-95FD-23E802DE28FF}" presName="horFlow" presStyleCnt="0"/>
+      <dgm:spPr/>
+    </dgm:pt>
+    <dgm:pt modelId="{F9A3CC8C-B46B-42B7-81F3-0827C805D5DA}" type="pres">
+      <dgm:prSet presAssocID="{02A8E1A6-693A-42C1-95FD-23E802DE28FF}" presName="bigChev" presStyleLbl="node1" presStyleIdx="1" presStyleCnt="3"/>
+      <dgm:spPr/>
+      <dgm:t>
+        <a:bodyPr/>
+        <a:lstStyle/>
+        <a:p>
+          <a:endParaRPr lang="en-US"/>
+        </a:p>
+      </dgm:t>
+    </dgm:pt>
+    <dgm:pt modelId="{1D1A8ADC-4E59-403B-9028-B73ECB34409F}" type="pres">
+      <dgm:prSet presAssocID="{3EB5AA7A-70C3-48AD-9139-C0C9ED15140B}" presName="parTrans" presStyleCnt="0"/>
+      <dgm:spPr/>
+    </dgm:pt>
+    <dgm:pt modelId="{F9674DFA-B579-4DE6-88E0-EF96253DBE43}" type="pres">
+      <dgm:prSet presAssocID="{EFEF2A8E-72D3-4EC8-A283-591D753ADFA0}" presName="node" presStyleLbl="alignAccFollowNode1" presStyleIdx="1" presStyleCnt="3">
+        <dgm:presLayoutVars>
+          <dgm:bulletEnabled val="1"/>
+        </dgm:presLayoutVars>
+      </dgm:prSet>
+      <dgm:spPr/>
+    </dgm:pt>
+    <dgm:pt modelId="{EA8B5237-4FF1-4F95-A490-FFF82248DAB3}" type="pres">
+      <dgm:prSet presAssocID="{02A8E1A6-693A-42C1-95FD-23E802DE28FF}" presName="vSp" presStyleCnt="0"/>
+      <dgm:spPr/>
+    </dgm:pt>
+    <dgm:pt modelId="{C9394AD3-B772-4518-A749-BD00EE0C20F8}" type="pres">
+      <dgm:prSet presAssocID="{3FA32A64-9A61-48FA-B22F-BFF4DBAC1934}" presName="horFlow" presStyleCnt="0"/>
+      <dgm:spPr/>
+    </dgm:pt>
+    <dgm:pt modelId="{833D1511-375D-42E3-9770-BD101E9A877C}" type="pres">
+      <dgm:prSet presAssocID="{3FA32A64-9A61-48FA-B22F-BFF4DBAC1934}" presName="bigChev" presStyleLbl="node1" presStyleIdx="2" presStyleCnt="3"/>
+      <dgm:spPr/>
+      <dgm:t>
+        <a:bodyPr/>
+        <a:lstStyle/>
+        <a:p>
+          <a:endParaRPr lang="en-US"/>
+        </a:p>
+      </dgm:t>
+    </dgm:pt>
+    <dgm:pt modelId="{DD2EE73F-E9C7-4A95-A590-F174E4D648EA}" type="pres">
+      <dgm:prSet presAssocID="{45E1173E-6038-4EB4-B416-6DC363FF1BFF}" presName="parTrans" presStyleCnt="0"/>
+      <dgm:spPr/>
+    </dgm:pt>
+    <dgm:pt modelId="{7968FF7C-B889-4521-9C6A-AD8C55609B9C}" type="pres">
+      <dgm:prSet presAssocID="{AB3C9B49-F361-4DB2-A6F0-3B0D7110D4A9}" presName="node" presStyleLbl="alignAccFollowNode1" presStyleIdx="2" presStyleCnt="3">
+        <dgm:presLayoutVars>
+          <dgm:bulletEnabled val="1"/>
+        </dgm:presLayoutVars>
+      </dgm:prSet>
+      <dgm:spPr/>
+    </dgm:pt>
+  </dgm:ptLst>
+  <dgm:cxnLst>
+    <dgm:cxn modelId="{194C455B-CD1E-4909-B819-658E5A402722}" type="presOf" srcId="{6C722240-84A9-4010-A01B-E5287200BA04}" destId="{AB4BB7F7-8D6C-4CCA-8503-B4F18F0246CC}" srcOrd="0" destOrd="0" presId="urn:microsoft.com/office/officeart/2005/8/layout/lProcess3"/>
+    <dgm:cxn modelId="{078EB921-9487-45D6-8DF7-C6D923E0A267}" type="presOf" srcId="{3FA32A64-9A61-48FA-B22F-BFF4DBAC1934}" destId="{833D1511-375D-42E3-9770-BD101E9A877C}" srcOrd="0" destOrd="0" presId="urn:microsoft.com/office/officeart/2005/8/layout/lProcess3"/>
+    <dgm:cxn modelId="{6F9AC898-C7B6-4667-A982-CE65E6B63730}" type="presOf" srcId="{D555CBB9-D7D3-4F6D-8C19-3D2342A87836}" destId="{0FA3DAA9-3D14-45D8-A12A-665FBB16CBA0}" srcOrd="0" destOrd="0" presId="urn:microsoft.com/office/officeart/2005/8/layout/lProcess3"/>
+    <dgm:cxn modelId="{198A0788-1FD0-48D0-B6E7-A02582A76450}" srcId="{D555CBB9-D7D3-4F6D-8C19-3D2342A87836}" destId="{02A8E1A6-693A-42C1-95FD-23E802DE28FF}" srcOrd="1" destOrd="0" parTransId="{06E6412A-38C8-42BB-837B-1244422715EA}" sibTransId="{96BE12D9-F194-4427-AE81-B6A5C4DBC295}"/>
+    <dgm:cxn modelId="{62409F35-F67F-4BFA-8188-83B8D4EAF7D3}" srcId="{D555CBB9-D7D3-4F6D-8C19-3D2342A87836}" destId="{3FA32A64-9A61-48FA-B22F-BFF4DBAC1934}" srcOrd="2" destOrd="0" parTransId="{1D076420-37F0-41C6-ABFB-5FF67FADE830}" sibTransId="{95985F65-8894-4B50-A1B1-901823415880}"/>
+    <dgm:cxn modelId="{AE379E01-4869-4111-9489-0242405FCFF9}" srcId="{02A8E1A6-693A-42C1-95FD-23E802DE28FF}" destId="{EFEF2A8E-72D3-4EC8-A283-591D753ADFA0}" srcOrd="0" destOrd="0" parTransId="{3EB5AA7A-70C3-48AD-9139-C0C9ED15140B}" sibTransId="{1A5C7087-E00E-44C5-BB0E-43A3D57EE7DB}"/>
+    <dgm:cxn modelId="{4E95E261-999A-40AF-B89F-907CC3539B45}" srcId="{D555CBB9-D7D3-4F6D-8C19-3D2342A87836}" destId="{6C722240-84A9-4010-A01B-E5287200BA04}" srcOrd="0" destOrd="0" parTransId="{7BE2BCF8-1FD3-4254-8726-999BFEC10178}" sibTransId="{D158A640-7EED-4BCE-9A9F-5DE536A7E41B}"/>
+    <dgm:cxn modelId="{E695609A-7125-4D2C-95DC-0BB3B5562A86}" type="presOf" srcId="{AB3C9B49-F361-4DB2-A6F0-3B0D7110D4A9}" destId="{7968FF7C-B889-4521-9C6A-AD8C55609B9C}" srcOrd="0" destOrd="0" presId="urn:microsoft.com/office/officeart/2005/8/layout/lProcess3"/>
+    <dgm:cxn modelId="{C7AF713D-EA1B-4710-BEC4-A30517AE2526}" type="presOf" srcId="{02A8E1A6-693A-42C1-95FD-23E802DE28FF}" destId="{F9A3CC8C-B46B-42B7-81F3-0827C805D5DA}" srcOrd="0" destOrd="0" presId="urn:microsoft.com/office/officeart/2005/8/layout/lProcess3"/>
+    <dgm:cxn modelId="{EB45CFC8-DC0A-4928-98BE-06382EC132FB}" srcId="{6C722240-84A9-4010-A01B-E5287200BA04}" destId="{392D7639-9100-4F2C-86B0-027C1452E3FD}" srcOrd="0" destOrd="0" parTransId="{217D3F4F-BD4E-4ABD-9ECE-2F8770C3CC81}" sibTransId="{ED6A2091-B167-4E07-A708-9AF0310C0773}"/>
+    <dgm:cxn modelId="{5431EE85-2430-4848-B551-7458C84BB135}" srcId="{3FA32A64-9A61-48FA-B22F-BFF4DBAC1934}" destId="{AB3C9B49-F361-4DB2-A6F0-3B0D7110D4A9}" srcOrd="0" destOrd="0" parTransId="{45E1173E-6038-4EB4-B416-6DC363FF1BFF}" sibTransId="{E4D3F87B-CC28-4F73-9848-2F9B40206DCD}"/>
+    <dgm:cxn modelId="{80DF7A4A-8D73-4C04-9B13-3A224441652F}" type="presOf" srcId="{EFEF2A8E-72D3-4EC8-A283-591D753ADFA0}" destId="{F9674DFA-B579-4DE6-88E0-EF96253DBE43}" srcOrd="0" destOrd="0" presId="urn:microsoft.com/office/officeart/2005/8/layout/lProcess3"/>
+    <dgm:cxn modelId="{4845AFB6-5036-4993-8935-9979EC40A822}" type="presOf" srcId="{392D7639-9100-4F2C-86B0-027C1452E3FD}" destId="{A24BBA15-4A93-46F9-9D30-310A6FF5A2EE}" srcOrd="0" destOrd="0" presId="urn:microsoft.com/office/officeart/2005/8/layout/lProcess3"/>
+    <dgm:cxn modelId="{628DBF24-A66A-4AE9-AA59-05A7F77D9659}" type="presParOf" srcId="{0FA3DAA9-3D14-45D8-A12A-665FBB16CBA0}" destId="{F2BCC6B5-8011-472E-B3DE-AA00F639146D}" srcOrd="0" destOrd="0" presId="urn:microsoft.com/office/officeart/2005/8/layout/lProcess3"/>
+    <dgm:cxn modelId="{5FBD1967-653A-4793-A855-33DC87B4B066}" type="presParOf" srcId="{F2BCC6B5-8011-472E-B3DE-AA00F639146D}" destId="{AB4BB7F7-8D6C-4CCA-8503-B4F18F0246CC}" srcOrd="0" destOrd="0" presId="urn:microsoft.com/office/officeart/2005/8/layout/lProcess3"/>
+    <dgm:cxn modelId="{894AE36F-096D-4655-BB7F-5CE089956CCD}" type="presParOf" srcId="{F2BCC6B5-8011-472E-B3DE-AA00F639146D}" destId="{173A78D6-9465-4FAE-9AC8-A151C5BCE546}" srcOrd="1" destOrd="0" presId="urn:microsoft.com/office/officeart/2005/8/layout/lProcess3"/>
+    <dgm:cxn modelId="{56ADC42A-70D2-4FC7-9009-B99F095A8EC3}" type="presParOf" srcId="{F2BCC6B5-8011-472E-B3DE-AA00F639146D}" destId="{A24BBA15-4A93-46F9-9D30-310A6FF5A2EE}" srcOrd="2" destOrd="0" presId="urn:microsoft.com/office/officeart/2005/8/layout/lProcess3"/>
+    <dgm:cxn modelId="{19EE3BD6-8B03-4C5D-B33F-D372E83773B1}" type="presParOf" srcId="{0FA3DAA9-3D14-45D8-A12A-665FBB16CBA0}" destId="{3A9F264B-D83F-4973-807A-61C561812DF9}" srcOrd="1" destOrd="0" presId="urn:microsoft.com/office/officeart/2005/8/layout/lProcess3"/>
+    <dgm:cxn modelId="{165A445D-EA96-41E4-816A-6B3A3D20FBD8}" type="presParOf" srcId="{0FA3DAA9-3D14-45D8-A12A-665FBB16CBA0}" destId="{067D319C-36DF-4CDB-B180-2D12BD2F8512}" srcOrd="2" destOrd="0" presId="urn:microsoft.com/office/officeart/2005/8/layout/lProcess3"/>
+    <dgm:cxn modelId="{49E08A76-62EB-44BD-A0A9-7CA92654F23F}" type="presParOf" srcId="{067D319C-36DF-4CDB-B180-2D12BD2F8512}" destId="{F9A3CC8C-B46B-42B7-81F3-0827C805D5DA}" srcOrd="0" destOrd="0" presId="urn:microsoft.com/office/officeart/2005/8/layout/lProcess3"/>
+    <dgm:cxn modelId="{D8EB36CD-ED91-4506-9B0A-C3CACEBE1A79}" type="presParOf" srcId="{067D319C-36DF-4CDB-B180-2D12BD2F8512}" destId="{1D1A8ADC-4E59-403B-9028-B73ECB34409F}" srcOrd="1" destOrd="0" presId="urn:microsoft.com/office/officeart/2005/8/layout/lProcess3"/>
+    <dgm:cxn modelId="{2D54436D-AF03-4116-88C6-B3887939896F}" type="presParOf" srcId="{067D319C-36DF-4CDB-B180-2D12BD2F8512}" destId="{F9674DFA-B579-4DE6-88E0-EF96253DBE43}" srcOrd="2" destOrd="0" presId="urn:microsoft.com/office/officeart/2005/8/layout/lProcess3"/>
+    <dgm:cxn modelId="{06C7D721-F3D2-442A-AF71-5476F147D3B2}" type="presParOf" srcId="{0FA3DAA9-3D14-45D8-A12A-665FBB16CBA0}" destId="{EA8B5237-4FF1-4F95-A490-FFF82248DAB3}" srcOrd="3" destOrd="0" presId="urn:microsoft.com/office/officeart/2005/8/layout/lProcess3"/>
+    <dgm:cxn modelId="{28124DDB-CEF2-4AC6-9B6B-A465F362595E}" type="presParOf" srcId="{0FA3DAA9-3D14-45D8-A12A-665FBB16CBA0}" destId="{C9394AD3-B772-4518-A749-BD00EE0C20F8}" srcOrd="4" destOrd="0" presId="urn:microsoft.com/office/officeart/2005/8/layout/lProcess3"/>
+    <dgm:cxn modelId="{FE629839-2049-407A-8D31-FDF898E0E1B3}" type="presParOf" srcId="{C9394AD3-B772-4518-A749-BD00EE0C20F8}" destId="{833D1511-375D-42E3-9770-BD101E9A877C}" srcOrd="0" destOrd="0" presId="urn:microsoft.com/office/officeart/2005/8/layout/lProcess3"/>
+    <dgm:cxn modelId="{6B8E6CCF-EBE2-4785-AD5A-3DB5661DAACA}" type="presParOf" srcId="{C9394AD3-B772-4518-A749-BD00EE0C20F8}" destId="{DD2EE73F-E9C7-4A95-A590-F174E4D648EA}" srcOrd="1" destOrd="0" presId="urn:microsoft.com/office/officeart/2005/8/layout/lProcess3"/>
+    <dgm:cxn modelId="{E0DC46DF-ED49-4A2E-A6AA-A9DECA70D3C5}" type="presParOf" srcId="{C9394AD3-B772-4518-A749-BD00EE0C20F8}" destId="{7968FF7C-B889-4521-9C6A-AD8C55609B9C}" srcOrd="2" destOrd="0" presId="urn:microsoft.com/office/officeart/2005/8/layout/lProcess3"/>
+  </dgm:cxnLst>
+  <dgm:bg/>
+  <dgm:whole/>
+  <dgm:extLst>
+    <a:ext uri="http://schemas.microsoft.com/office/drawing/2008/diagram">
+      <dsp:dataModelExt xmlns:dsp="http://schemas.microsoft.com/office/drawing/2008/diagram" relId="rId6" minVer="http://schemas.openxmlformats.org/drawingml/2006/diagram"/>
+    </a:ext>
+  </dgm:extLst>
+</dgm:dataModel>
+</file>
+
+<file path=ppt/diagrams/drawing1.xml><?xml version="1.0" encoding="utf-8"?>
+<dsp:drawing xmlns:dgm="http://schemas.openxmlformats.org/drawingml/2006/diagram" xmlns:dsp="http://schemas.microsoft.com/office/drawing/2008/diagram" xmlns:a="http://schemas.openxmlformats.org/drawingml/2006/main">
+  <dsp:spTree>
+    <dsp:nvGrpSpPr>
+      <dsp:cNvPr id="0" name=""/>
+      <dsp:cNvGrpSpPr/>
+    </dsp:nvGrpSpPr>
+    <dsp:grpSpPr/>
+    <dsp:sp modelId="{AB4BB7F7-8D6C-4CCA-8503-B4F18F0246CC}">
+      <dsp:nvSpPr>
+        <dsp:cNvPr id="0" name=""/>
+        <dsp:cNvSpPr/>
+      </dsp:nvSpPr>
+      <dsp:spPr>
+        <a:xfrm>
+          <a:off x="2877833" y="1046"/>
+          <a:ext cx="2853749" cy="1141499"/>
+        </a:xfrm>
+        <a:prstGeom prst="chevron">
+          <a:avLst/>
+        </a:prstGeom>
+        <a:solidFill>
+          <a:schemeClr val="accent1">
+            <a:hueOff val="0"/>
+            <a:satOff val="0"/>
+            <a:lumOff val="0"/>
+            <a:alphaOff val="0"/>
+          </a:schemeClr>
+        </a:solidFill>
+        <a:ln w="12700" cap="flat" cmpd="sng" algn="ctr">
+          <a:solidFill>
+            <a:schemeClr val="lt1">
+              <a:hueOff val="0"/>
+              <a:satOff val="0"/>
+              <a:lumOff val="0"/>
+              <a:alphaOff val="0"/>
+            </a:schemeClr>
+          </a:solidFill>
+          <a:prstDash val="solid"/>
+          <a:miter lim="800000"/>
+        </a:ln>
+        <a:effectLst/>
+      </dsp:spPr>
+      <dsp:style>
+        <a:lnRef idx="2">
+          <a:scrgbClr r="0" g="0" b="0"/>
+        </a:lnRef>
+        <a:fillRef idx="1">
+          <a:scrgbClr r="0" g="0" b="0"/>
+        </a:fillRef>
+        <a:effectRef idx="0">
+          <a:scrgbClr r="0" g="0" b="0"/>
+        </a:effectRef>
+        <a:fontRef idx="minor">
+          <a:schemeClr val="lt1"/>
+        </a:fontRef>
+      </dsp:style>
+      <dsp:txBody>
+        <a:bodyPr spcFirstLastPara="0" vert="horz" wrap="square" lIns="34290" tIns="17145" rIns="0" bIns="17145" numCol="1" spcCol="1270" anchor="ctr" anchorCtr="0">
+          <a:noAutofit/>
+        </a:bodyPr>
+        <a:lstStyle/>
+        <a:p>
+          <a:pPr lvl="0" algn="ctr" defTabSz="1200150" rtl="0">
+            <a:lnSpc>
+              <a:spcPct val="90000"/>
+            </a:lnSpc>
+            <a:spcBef>
+              <a:spcPct val="0"/>
+            </a:spcBef>
+            <a:spcAft>
+              <a:spcPct val="35000"/>
+            </a:spcAft>
+          </a:pPr>
+          <a:r>
+            <a:rPr lang="en-SG" sz="2700" kern="1200" dirty="0" smtClean="0"/>
+            <a:t>Exploration</a:t>
+          </a:r>
+          <a:endParaRPr lang="en-SG" sz="2700" kern="1200" dirty="0"/>
+        </a:p>
+      </dsp:txBody>
+      <dsp:txXfrm>
+        <a:off x="3448583" y="1046"/>
+        <a:ext cx="1712250" cy="1141499"/>
+      </dsp:txXfrm>
+    </dsp:sp>
+    <dsp:sp modelId="{A24BBA15-4A93-46F9-9D30-310A6FF5A2EE}">
+      <dsp:nvSpPr>
+        <dsp:cNvPr id="0" name=""/>
+        <dsp:cNvSpPr/>
+      </dsp:nvSpPr>
+      <dsp:spPr>
+        <a:xfrm>
+          <a:off x="5360595" y="98074"/>
+          <a:ext cx="2368612" cy="947444"/>
+        </a:xfrm>
+        <a:prstGeom prst="chevron">
+          <a:avLst/>
+        </a:prstGeom>
+        <a:solidFill>
+          <a:schemeClr val="accent1">
+            <a:alpha val="90000"/>
+            <a:tint val="40000"/>
+            <a:hueOff val="0"/>
+            <a:satOff val="0"/>
+            <a:lumOff val="0"/>
+            <a:alphaOff val="0"/>
+          </a:schemeClr>
+        </a:solidFill>
+        <a:ln w="12700" cap="flat" cmpd="sng" algn="ctr">
+          <a:solidFill>
+            <a:schemeClr val="accent1">
+              <a:alpha val="90000"/>
+              <a:tint val="40000"/>
+              <a:hueOff val="0"/>
+              <a:satOff val="0"/>
+              <a:lumOff val="0"/>
+              <a:alphaOff val="0"/>
+            </a:schemeClr>
+          </a:solidFill>
+          <a:prstDash val="solid"/>
+          <a:miter lim="800000"/>
+        </a:ln>
+        <a:effectLst/>
+      </dsp:spPr>
+      <dsp:style>
+        <a:lnRef idx="2">
+          <a:scrgbClr r="0" g="0" b="0"/>
+        </a:lnRef>
+        <a:fillRef idx="1">
+          <a:scrgbClr r="0" g="0" b="0"/>
+        </a:fillRef>
+        <a:effectRef idx="0">
+          <a:scrgbClr r="0" g="0" b="0"/>
+        </a:effectRef>
+        <a:fontRef idx="minor"/>
+      </dsp:style>
+      <dsp:txBody>
+        <a:bodyPr spcFirstLastPara="0" vert="horz" wrap="square" lIns="22860" tIns="11430" rIns="0" bIns="11430" numCol="1" spcCol="1270" anchor="ctr" anchorCtr="0">
+          <a:noAutofit/>
+        </a:bodyPr>
+        <a:lstStyle/>
+        <a:p>
+          <a:pPr lvl="0" algn="ctr" defTabSz="800100" rtl="0">
+            <a:lnSpc>
+              <a:spcPct val="90000"/>
+            </a:lnSpc>
+            <a:spcBef>
+              <a:spcPct val="0"/>
+            </a:spcBef>
+            <a:spcAft>
+              <a:spcPct val="35000"/>
+            </a:spcAft>
+          </a:pPr>
+          <a:r>
+            <a:rPr lang="en-SG" sz="1800" kern="1200" smtClean="0"/>
+            <a:t>Movement toward the ocean current</a:t>
+          </a:r>
+          <a:endParaRPr lang="en-SG" sz="1800" kern="1200" dirty="0"/>
+        </a:p>
+      </dsp:txBody>
+      <dsp:txXfrm>
+        <a:off x="5834317" y="98074"/>
+        <a:ext cx="1421168" cy="947444"/>
+      </dsp:txXfrm>
+    </dsp:sp>
+    <dsp:sp modelId="{F9A3CC8C-B46B-42B7-81F3-0827C805D5DA}">
+      <dsp:nvSpPr>
+        <dsp:cNvPr id="0" name=""/>
+        <dsp:cNvSpPr/>
+      </dsp:nvSpPr>
+      <dsp:spPr>
+        <a:xfrm>
+          <a:off x="2877833" y="1302356"/>
+          <a:ext cx="2853749" cy="1141499"/>
+        </a:xfrm>
+        <a:prstGeom prst="chevron">
+          <a:avLst/>
+        </a:prstGeom>
+        <a:solidFill>
+          <a:schemeClr val="accent1">
+            <a:hueOff val="0"/>
+            <a:satOff val="0"/>
+            <a:lumOff val="0"/>
+            <a:alphaOff val="0"/>
+          </a:schemeClr>
+        </a:solidFill>
+        <a:ln w="12700" cap="flat" cmpd="sng" algn="ctr">
+          <a:solidFill>
+            <a:schemeClr val="lt1">
+              <a:hueOff val="0"/>
+              <a:satOff val="0"/>
+              <a:lumOff val="0"/>
+              <a:alphaOff val="0"/>
+            </a:schemeClr>
+          </a:solidFill>
+          <a:prstDash val="solid"/>
+          <a:miter lim="800000"/>
+        </a:ln>
+        <a:effectLst/>
+      </dsp:spPr>
+      <dsp:style>
+        <a:lnRef idx="2">
+          <a:scrgbClr r="0" g="0" b="0"/>
+        </a:lnRef>
+        <a:fillRef idx="1">
+          <a:scrgbClr r="0" g="0" b="0"/>
+        </a:fillRef>
+        <a:effectRef idx="0">
+          <a:scrgbClr r="0" g="0" b="0"/>
+        </a:effectRef>
+        <a:fontRef idx="minor">
+          <a:schemeClr val="lt1"/>
+        </a:fontRef>
+      </dsp:style>
+      <dsp:txBody>
+        <a:bodyPr spcFirstLastPara="0" vert="horz" wrap="square" lIns="34290" tIns="17145" rIns="0" bIns="17145" numCol="1" spcCol="1270" anchor="ctr" anchorCtr="0">
+          <a:noAutofit/>
+        </a:bodyPr>
+        <a:lstStyle/>
+        <a:p>
+          <a:pPr lvl="0" algn="ctr" defTabSz="1200150" rtl="0">
+            <a:lnSpc>
+              <a:spcPct val="90000"/>
+            </a:lnSpc>
+            <a:spcBef>
+              <a:spcPct val="0"/>
+            </a:spcBef>
+            <a:spcAft>
+              <a:spcPct val="35000"/>
+            </a:spcAft>
+          </a:pPr>
+          <a:r>
+            <a:rPr lang="en-SG" sz="2700" kern="1200" dirty="0" smtClean="0"/>
+            <a:t>Exploitation</a:t>
+          </a:r>
+          <a:endParaRPr lang="en-SG" sz="2700" kern="1200" dirty="0"/>
+        </a:p>
+      </dsp:txBody>
+      <dsp:txXfrm>
+        <a:off x="3448583" y="1302356"/>
+        <a:ext cx="1712250" cy="1141499"/>
+      </dsp:txXfrm>
+    </dsp:sp>
+    <dsp:sp modelId="{F9674DFA-B579-4DE6-88E0-EF96253DBE43}">
+      <dsp:nvSpPr>
+        <dsp:cNvPr id="0" name=""/>
+        <dsp:cNvSpPr/>
+      </dsp:nvSpPr>
+      <dsp:spPr>
+        <a:xfrm>
+          <a:off x="5360595" y="1399384"/>
+          <a:ext cx="2368612" cy="947444"/>
+        </a:xfrm>
+        <a:prstGeom prst="chevron">
+          <a:avLst/>
+        </a:prstGeom>
+        <a:solidFill>
+          <a:schemeClr val="accent1">
+            <a:alpha val="90000"/>
+            <a:tint val="40000"/>
+            <a:hueOff val="0"/>
+            <a:satOff val="0"/>
+            <a:lumOff val="0"/>
+            <a:alphaOff val="0"/>
+          </a:schemeClr>
+        </a:solidFill>
+        <a:ln w="12700" cap="flat" cmpd="sng" algn="ctr">
+          <a:solidFill>
+            <a:schemeClr val="accent1">
+              <a:alpha val="90000"/>
+              <a:tint val="40000"/>
+              <a:hueOff val="0"/>
+              <a:satOff val="0"/>
+              <a:lumOff val="0"/>
+              <a:alphaOff val="0"/>
+            </a:schemeClr>
+          </a:solidFill>
+          <a:prstDash val="solid"/>
+          <a:miter lim="800000"/>
+        </a:ln>
+        <a:effectLst/>
+      </dsp:spPr>
+      <dsp:style>
+        <a:lnRef idx="2">
+          <a:scrgbClr r="0" g="0" b="0"/>
+        </a:lnRef>
+        <a:fillRef idx="1">
+          <a:scrgbClr r="0" g="0" b="0"/>
+        </a:fillRef>
+        <a:effectRef idx="0">
+          <a:scrgbClr r="0" g="0" b="0"/>
+        </a:effectRef>
+        <a:fontRef idx="minor"/>
+      </dsp:style>
+      <dsp:txBody>
+        <a:bodyPr spcFirstLastPara="0" vert="horz" wrap="square" lIns="22860" tIns="11430" rIns="0" bIns="11430" numCol="1" spcCol="1270" anchor="ctr" anchorCtr="0">
+          <a:noAutofit/>
+        </a:bodyPr>
+        <a:lstStyle/>
+        <a:p>
+          <a:pPr lvl="0" algn="ctr" defTabSz="800100" rtl="0">
+            <a:lnSpc>
+              <a:spcPct val="90000"/>
+            </a:lnSpc>
+            <a:spcBef>
+              <a:spcPct val="0"/>
+            </a:spcBef>
+            <a:spcAft>
+              <a:spcPct val="35000"/>
+            </a:spcAft>
+          </a:pPr>
+          <a:r>
+            <a:rPr lang="en-US" sz="1800" kern="1200" dirty="0" smtClean="0"/>
+            <a:t>Movements within a jellyfish swarm</a:t>
+          </a:r>
+          <a:endParaRPr lang="en-SG" sz="1800" kern="1200" dirty="0"/>
+        </a:p>
+      </dsp:txBody>
+      <dsp:txXfrm>
+        <a:off x="5834317" y="1399384"/>
+        <a:ext cx="1421168" cy="947444"/>
+      </dsp:txXfrm>
+    </dsp:sp>
+    <dsp:sp modelId="{833D1511-375D-42E3-9770-BD101E9A877C}">
+      <dsp:nvSpPr>
+        <dsp:cNvPr id="0" name=""/>
+        <dsp:cNvSpPr/>
+      </dsp:nvSpPr>
+      <dsp:spPr>
+        <a:xfrm>
+          <a:off x="2877833" y="2603666"/>
+          <a:ext cx="2853749" cy="1141499"/>
+        </a:xfrm>
+        <a:prstGeom prst="chevron">
+          <a:avLst/>
+        </a:prstGeom>
+        <a:solidFill>
+          <a:schemeClr val="accent1">
+            <a:hueOff val="0"/>
+            <a:satOff val="0"/>
+            <a:lumOff val="0"/>
+            <a:alphaOff val="0"/>
+          </a:schemeClr>
+        </a:solidFill>
+        <a:ln w="12700" cap="flat" cmpd="sng" algn="ctr">
+          <a:solidFill>
+            <a:schemeClr val="lt1">
+              <a:hueOff val="0"/>
+              <a:satOff val="0"/>
+              <a:lumOff val="0"/>
+              <a:alphaOff val="0"/>
+            </a:schemeClr>
+          </a:solidFill>
+          <a:prstDash val="solid"/>
+          <a:miter lim="800000"/>
+        </a:ln>
+        <a:effectLst/>
+      </dsp:spPr>
+      <dsp:style>
+        <a:lnRef idx="2">
+          <a:scrgbClr r="0" g="0" b="0"/>
+        </a:lnRef>
+        <a:fillRef idx="1">
+          <a:scrgbClr r="0" g="0" b="0"/>
+        </a:fillRef>
+        <a:effectRef idx="0">
+          <a:scrgbClr r="0" g="0" b="0"/>
+        </a:effectRef>
+        <a:fontRef idx="minor">
+          <a:schemeClr val="lt1"/>
+        </a:fontRef>
+      </dsp:style>
+      <dsp:txBody>
+        <a:bodyPr spcFirstLastPara="0" vert="horz" wrap="square" lIns="34290" tIns="17145" rIns="0" bIns="17145" numCol="1" spcCol="1270" anchor="ctr" anchorCtr="0">
+          <a:noAutofit/>
+        </a:bodyPr>
+        <a:lstStyle/>
+        <a:p>
+          <a:pPr lvl="0" algn="ctr" defTabSz="1200150" rtl="0">
+            <a:lnSpc>
+              <a:spcPct val="90000"/>
+            </a:lnSpc>
+            <a:spcBef>
+              <a:spcPct val="0"/>
+            </a:spcBef>
+            <a:spcAft>
+              <a:spcPct val="35000"/>
+            </a:spcAft>
+          </a:pPr>
+          <a:r>
+            <a:rPr lang="en-US" sz="2700" kern="1200" dirty="0" smtClean="0"/>
+            <a:t>Switch</a:t>
+          </a:r>
+          <a:endParaRPr lang="en-SG" sz="2700" kern="1200" dirty="0"/>
+        </a:p>
+      </dsp:txBody>
+      <dsp:txXfrm>
+        <a:off x="3448583" y="2603666"/>
+        <a:ext cx="1712250" cy="1141499"/>
+      </dsp:txXfrm>
+    </dsp:sp>
+    <dsp:sp modelId="{7968FF7C-B889-4521-9C6A-AD8C55609B9C}">
+      <dsp:nvSpPr>
+        <dsp:cNvPr id="0" name=""/>
+        <dsp:cNvSpPr/>
+      </dsp:nvSpPr>
+      <dsp:spPr>
+        <a:xfrm>
+          <a:off x="5360595" y="2700693"/>
+          <a:ext cx="2368612" cy="947444"/>
+        </a:xfrm>
+        <a:prstGeom prst="chevron">
+          <a:avLst/>
+        </a:prstGeom>
+        <a:solidFill>
+          <a:schemeClr val="accent1">
+            <a:alpha val="90000"/>
+            <a:tint val="40000"/>
+            <a:hueOff val="0"/>
+            <a:satOff val="0"/>
+            <a:lumOff val="0"/>
+            <a:alphaOff val="0"/>
+          </a:schemeClr>
+        </a:solidFill>
+        <a:ln w="12700" cap="flat" cmpd="sng" algn="ctr">
+          <a:solidFill>
+            <a:schemeClr val="accent1">
+              <a:alpha val="90000"/>
+              <a:tint val="40000"/>
+              <a:hueOff val="0"/>
+              <a:satOff val="0"/>
+              <a:lumOff val="0"/>
+              <a:alphaOff val="0"/>
+            </a:schemeClr>
+          </a:solidFill>
+          <a:prstDash val="solid"/>
+          <a:miter lim="800000"/>
+        </a:ln>
+        <a:effectLst/>
+      </dsp:spPr>
+      <dsp:style>
+        <a:lnRef idx="2">
+          <a:scrgbClr r="0" g="0" b="0"/>
+        </a:lnRef>
+        <a:fillRef idx="1">
+          <a:scrgbClr r="0" g="0" b="0"/>
+        </a:fillRef>
+        <a:effectRef idx="0">
+          <a:scrgbClr r="0" g="0" b="0"/>
+        </a:effectRef>
+        <a:fontRef idx="minor"/>
+      </dsp:style>
+      <dsp:txBody>
+        <a:bodyPr spcFirstLastPara="0" vert="horz" wrap="square" lIns="22860" tIns="11430" rIns="0" bIns="11430" numCol="1" spcCol="1270" anchor="ctr" anchorCtr="0">
+          <a:noAutofit/>
+        </a:bodyPr>
+        <a:lstStyle/>
+        <a:p>
+          <a:pPr lvl="0" algn="ctr" defTabSz="800100" rtl="0">
+            <a:lnSpc>
+              <a:spcPct val="90000"/>
+            </a:lnSpc>
+            <a:spcBef>
+              <a:spcPct val="0"/>
+            </a:spcBef>
+            <a:spcAft>
+              <a:spcPct val="35000"/>
+            </a:spcAft>
+          </a:pPr>
+          <a:r>
+            <a:rPr lang="en-US" sz="1800" kern="1200" smtClean="0"/>
+            <a:t>Time </a:t>
+          </a:r>
+          <a:r>
+            <a:rPr lang="en-US" sz="1800" kern="1200" dirty="0" smtClean="0"/>
+            <a:t>control mechanism</a:t>
+          </a:r>
+          <a:endParaRPr lang="en-SG" sz="1800" kern="1200" dirty="0"/>
+        </a:p>
+      </dsp:txBody>
+      <dsp:txXfrm>
+        <a:off x="5834317" y="2700693"/>
+        <a:ext cx="1421168" cy="947444"/>
+      </dsp:txXfrm>
+    </dsp:sp>
+  </dsp:spTree>
+</dsp:drawing>
+</file>
+
+<file path=ppt/diagrams/layout1.xml><?xml version="1.0" encoding="utf-8"?>
+<dgm:layoutDef xmlns:dgm="http://schemas.openxmlformats.org/drawingml/2006/diagram" xmlns:a="http://schemas.openxmlformats.org/drawingml/2006/main" uniqueId="urn:microsoft.com/office/officeart/2005/8/layout/lProcess3">
+  <dgm:title val=""/>
+  <dgm:desc val=""/>
+  <dgm:catLst>
+    <dgm:cat type="process" pri="11000"/>
+    <dgm:cat type="convert" pri="12000"/>
+  </dgm:catLst>
+  <dgm:sampData>
+    <dgm:dataModel>
+      <dgm:ptLst>
+        <dgm:pt modelId="0" type="doc"/>
+        <dgm:pt modelId="1">
+          <dgm:prSet phldr="1"/>
+        </dgm:pt>
+        <dgm:pt modelId="11">
+          <dgm:prSet phldr="1"/>
+        </dgm:pt>
+        <dgm:pt modelId="12">
+          <dgm:prSet phldr="1"/>
+        </dgm:pt>
+        <dgm:pt modelId="2">
+          <dgm:prSet phldr="1"/>
+        </dgm:pt>
+        <dgm:pt modelId="21">
+          <dgm:prSet phldr="1"/>
+        </dgm:pt>
+        <dgm:pt modelId="22">
+          <dgm:prSet phldr="1"/>
+        </dgm:pt>
+        <dgm:pt modelId="3">
+          <dgm:prSet phldr="1"/>
+        </dgm:pt>
+        <dgm:pt modelId="31">
+          <dgm:prSet phldr="1"/>
+        </dgm:pt>
+        <dgm:pt modelId="32">
+          <dgm:prSet phldr="1"/>
+        </dgm:pt>
+      </dgm:ptLst>
+      <dgm:cxnLst>
+        <dgm:cxn modelId="4" srcId="0" destId="1" srcOrd="0" destOrd="0"/>
+        <dgm:cxn modelId="5" srcId="0" destId="2" srcOrd="1" destOrd="0"/>
+        <dgm:cxn modelId="6" srcId="0" destId="3" srcOrd="2" destOrd="0"/>
+        <dgm:cxn modelId="41" srcId="1" destId="11" srcOrd="0" destOrd="0"/>
+        <dgm:cxn modelId="42" srcId="1" destId="12" srcOrd="1" destOrd="0"/>
+        <dgm:cxn modelId="51" srcId="2" destId="21" srcOrd="0" destOrd="0"/>
+        <dgm:cxn modelId="52" srcId="2" destId="22" srcOrd="1" destOrd="0"/>
+        <dgm:cxn modelId="61" srcId="3" destId="31" srcOrd="0" destOrd="0"/>
+        <dgm:cxn modelId="62" srcId="3" destId="32" srcOrd="1" destOrd="0"/>
+      </dgm:cxnLst>
+      <dgm:bg/>
+      <dgm:whole/>
+    </dgm:dataModel>
+  </dgm:sampData>
+  <dgm:styleData>
+    <dgm:dataModel>
+      <dgm:ptLst>
+        <dgm:pt modelId="0" type="doc"/>
+        <dgm:pt modelId="1"/>
+        <dgm:pt modelId="2"/>
+      </dgm:ptLst>
+      <dgm:cxnLst>
+        <dgm:cxn modelId="4" srcId="0" destId="1" srcOrd="0" destOrd="0"/>
+        <dgm:cxn modelId="5" srcId="1" destId="2" srcOrd="0" destOrd="0"/>
+      </dgm:cxnLst>
+      <dgm:bg/>
+      <dgm:whole/>
+    </dgm:dataModel>
+  </dgm:styleData>
+  <dgm:clrData>
+    <dgm:dataModel>
+      <dgm:ptLst>
+        <dgm:pt modelId="0" type="doc"/>
+        <dgm:pt modelId="1"/>
+        <dgm:pt modelId="11"/>
+        <dgm:pt modelId="2"/>
+        <dgm:pt modelId="21"/>
+        <dgm:pt modelId="3"/>
+        <dgm:pt modelId="31"/>
+        <dgm:pt modelId="4"/>
+        <dgm:pt modelId="41"/>
+      </dgm:ptLst>
+      <dgm:cxnLst>
+        <dgm:cxn modelId="5" srcId="0" destId="1" srcOrd="0" destOrd="0"/>
+        <dgm:cxn modelId="6" srcId="0" destId="2" srcOrd="1" destOrd="0"/>
+        <dgm:cxn modelId="7" srcId="0" destId="3" srcOrd="2" destOrd="0"/>
+        <dgm:cxn modelId="8" srcId="0" destId="4" srcOrd="3" destOrd="0"/>
+        <dgm:cxn modelId="51" srcId="1" destId="11" srcOrd="0" destOrd="0"/>
+        <dgm:cxn modelId="61" srcId="2" destId="21" srcOrd="0" destOrd="0"/>
+        <dgm:cxn modelId="71" srcId="3" destId="31" srcOrd="0" destOrd="0"/>
+        <dgm:cxn modelId="81" srcId="4" destId="41" srcOrd="0" destOrd="0"/>
+      </dgm:cxnLst>
+      <dgm:bg/>
+      <dgm:whole/>
+    </dgm:dataModel>
+  </dgm:clrData>
+  <dgm:layoutNode name="Name0">
+    <dgm:varLst>
+      <dgm:chPref val="3"/>
+      <dgm:dir/>
+      <dgm:animLvl val="lvl"/>
+      <dgm:resizeHandles/>
+    </dgm:varLst>
+    <dgm:choose name="Name1">
+      <dgm:if name="Name2" func="var" arg="dir" op="equ" val="norm">
+        <dgm:alg type="lin">
+          <dgm:param type="linDir" val="fromT"/>
+          <dgm:param type="vertAlign" val="mid"/>
+          <dgm:param type="nodeHorzAlign" val="l"/>
+          <dgm:param type="nodeVertAlign" val="t"/>
+          <dgm:param type="fallback" val="2D"/>
+        </dgm:alg>
+      </dgm:if>
+      <dgm:else name="Name3">
+        <dgm:alg type="lin">
+          <dgm:param type="linDir" val="fromT"/>
+          <dgm:param type="vertAlign" val="mid"/>
+          <dgm:param type="nodeHorzAlign" val="r"/>
+          <dgm:param type="nodeVertAlign" val="t"/>
+          <dgm:param type="fallback" val="2D"/>
+        </dgm:alg>
+      </dgm:else>
+    </dgm:choose>
+    <dgm:shape xmlns:r="http://schemas.openxmlformats.org/officeDocument/2006/relationships" r:blip="">
+      <dgm:adjLst/>
+    </dgm:shape>
+    <dgm:presOf/>
+    <dgm:constrLst>
+      <dgm:constr type="w" for="des" forName="bigChev" refType="w"/>
+      <dgm:constr type="h" for="des" forName="bigChev" refType="w" refFor="des" refForName="bigChev" op="equ" fact="0.4"/>
+      <dgm:constr type="w" for="des" forName="node" refType="w" refFor="des" refForName="bigChev" fact="0.83"/>
+      <dgm:constr type="h" for="des" forName="node" refType="w" refFor="des" refForName="node" op="equ" fact="0.4"/>
+      <dgm:constr type="w" for="des" forName="parTrans" refType="w" refFor="des" refForName="bigChev" op="equ" fact="-0.13"/>
+      <dgm:constr type="w" for="des" forName="sibTrans" refType="w" refFor="des" refForName="node" op="equ" fact="-0.14"/>
+      <dgm:constr type="h" for="ch" forName="vSp" refType="h" refFor="des" refForName="bigChev" op="equ" fact="0.14"/>
+      <dgm:constr type="primFontSz" for="des" forName="node" op="equ"/>
+      <dgm:constr type="primFontSz" for="des" forName="bigChev" op="equ"/>
+    </dgm:constrLst>
+    <dgm:ruleLst/>
+    <dgm:forEach name="Name4" axis="ch" ptType="node">
+      <dgm:layoutNode name="horFlow">
+        <dgm:choose name="Name5">
+          <dgm:if name="Name6" func="var" arg="dir" op="equ" val="norm">
+            <dgm:alg type="lin">
+              <dgm:param type="linDir" val="fromL"/>
+              <dgm:param type="nodeHorzAlign" val="l"/>
+              <dgm:param type="nodeVertAlign" val="mid"/>
+              <dgm:param type="fallback" val="2D"/>
+            </dgm:alg>
+          </dgm:if>
+          <dgm:else name="Name7">
+            <dgm:alg type="lin">
+              <dgm:param type="linDir" val="fromR"/>
+              <dgm:param type="nodeHorzAlign" val="r"/>
+              <dgm:param type="nodeVertAlign" val="mid"/>
+              <dgm:param type="fallback" val="2D"/>
+            </dgm:alg>
+          </dgm:else>
+        </dgm:choose>
+        <dgm:shape xmlns:r="http://schemas.openxmlformats.org/officeDocument/2006/relationships" r:blip="">
+          <dgm:adjLst/>
+        </dgm:shape>
+        <dgm:presOf/>
+        <dgm:constrLst/>
+        <dgm:ruleLst/>
+        <dgm:layoutNode name="bigChev" styleLbl="node1">
+          <dgm:alg type="tx"/>
+          <dgm:choose name="Name8">
+            <dgm:if name="Name9" func="var" arg="dir" op="equ" val="norm">
+              <dgm:shape xmlns:r="http://schemas.openxmlformats.org/officeDocument/2006/relationships" type="chevron" r:blip="">
+                <dgm:adjLst/>
+              </dgm:shape>
+              <dgm:presOf axis="self"/>
+              <dgm:constrLst>
+                <dgm:constr type="primFontSz" val="65"/>
+                <dgm:constr type="rMarg"/>
+                <dgm:constr type="lMarg" refType="primFontSz" fact="0.1"/>
+                <dgm:constr type="tMarg" refType="primFontSz" fact="0.05"/>
+                <dgm:constr type="bMarg" refType="primFontSz" fact="0.05"/>
+              </dgm:constrLst>
+            </dgm:if>
+            <dgm:else name="Name10">
+              <dgm:shape xmlns:r="http://schemas.openxmlformats.org/officeDocument/2006/relationships" rot="180" type="chevron" r:blip="">
+                <dgm:adjLst/>
+              </dgm:shape>
+              <dgm:presOf axis="self"/>
+              <dgm:constrLst>
+                <dgm:constr type="primFontSz" val="65"/>
+                <dgm:constr type="lMarg"/>
+                <dgm:constr type="rMarg" refType="primFontSz" fact="0.1"/>
+                <dgm:constr type="tMarg" refType="primFontSz" fact="0.05"/>
+                <dgm:constr type="bMarg" refType="primFontSz" fact="0.05"/>
+              </dgm:constrLst>
+            </dgm:else>
+          </dgm:choose>
+          <dgm:ruleLst>
+            <dgm:rule type="primFontSz" val="5" fact="NaN" max="NaN"/>
+          </dgm:ruleLst>
+        </dgm:layoutNode>
+        <dgm:forEach name="parTransForEach" axis="ch" ptType="parTrans" cnt="1">
+          <dgm:layoutNode name="parTrans">
+            <dgm:alg type="sp"/>
+            <dgm:shape xmlns:r="http://schemas.openxmlformats.org/officeDocument/2006/relationships" r:blip="">
+              <dgm:adjLst/>
+            </dgm:shape>
+            <dgm:presOf/>
+            <dgm:constrLst/>
+            <dgm:ruleLst/>
+          </dgm:layoutNode>
+        </dgm:forEach>
+        <dgm:forEach name="Name11" axis="ch" ptType="node">
+          <dgm:layoutNode name="node" styleLbl="alignAccFollowNode1">
+            <dgm:varLst>
+              <dgm:bulletEnabled val="1"/>
+            </dgm:varLst>
+            <dgm:alg type="tx"/>
+            <dgm:choose name="Name12">
+              <dgm:if name="Name13" func="var" arg="dir" op="equ" val="norm">
+                <dgm:shape xmlns:r="http://schemas.openxmlformats.org/officeDocument/2006/relationships" type="chevron" r:blip="">
+                  <dgm:adjLst/>
+                </dgm:shape>
+                <dgm:presOf axis="desOrSelf" ptType="node"/>
+                <dgm:constrLst>
+                  <dgm:constr type="primFontSz" val="65"/>
+                  <dgm:constr type="rMarg"/>
+                  <dgm:constr type="lMarg" refType="primFontSz" fact="0.1"/>
+                  <dgm:constr type="tMarg" refType="primFontSz" fact="0.05"/>
+                  <dgm:constr type="bMarg" refType="primFontSz" fact="0.05"/>
+                </dgm:constrLst>
+              </dgm:if>
+              <dgm:else name="Name14">
+                <dgm:shape xmlns:r="http://schemas.openxmlformats.org/officeDocument/2006/relationships" rot="180" type="chevron" r:blip="">
+                  <dgm:adjLst/>
+                </dgm:shape>
+                <dgm:presOf axis="desOrSelf" ptType="node"/>
+                <dgm:constrLst>
+                  <dgm:constr type="primFontSz" val="65"/>
+                  <dgm:constr type="lMarg"/>
+                  <dgm:constr type="rMarg" refType="primFontSz" fact="0.1"/>
+                  <dgm:constr type="tMarg" refType="primFontSz" fact="0.05"/>
+                  <dgm:constr type="bMarg" refType="primFontSz" fact="0.05"/>
+                </dgm:constrLst>
+              </dgm:else>
+            </dgm:choose>
+            <dgm:ruleLst>
+              <dgm:rule type="primFontSz" val="5" fact="NaN" max="NaN"/>
+            </dgm:ruleLst>
+          </dgm:layoutNode>
+          <dgm:forEach name="sibTransForEach" axis="followSib" ptType="sibTrans" cnt="1">
+            <dgm:layoutNode name="sibTrans">
+              <dgm:alg type="sp"/>
+              <dgm:shape xmlns:r="http://schemas.openxmlformats.org/officeDocument/2006/relationships" r:blip="">
+                <dgm:adjLst/>
+              </dgm:shape>
+              <dgm:presOf/>
+              <dgm:constrLst/>
+              <dgm:ruleLst/>
+            </dgm:layoutNode>
+          </dgm:forEach>
+        </dgm:forEach>
+      </dgm:layoutNode>
+      <dgm:choose name="Name15">
+        <dgm:if name="Name16" axis="self" ptType="node" func="revPos" op="gte" val="2">
+          <dgm:layoutNode name="vSp">
+            <dgm:alg type="sp"/>
+            <dgm:shape xmlns:r="http://schemas.openxmlformats.org/officeDocument/2006/relationships" r:blip="">
+              <dgm:adjLst/>
+            </dgm:shape>
+            <dgm:presOf/>
+            <dgm:constrLst/>
+            <dgm:ruleLst/>
+          </dgm:layoutNode>
+        </dgm:if>
+        <dgm:else name="Name17"/>
+      </dgm:choose>
+    </dgm:forEach>
+  </dgm:layoutNode>
+</dgm:layoutDef>
+</file>
+
+<file path=ppt/diagrams/quickStyle1.xml><?xml version="1.0" encoding="utf-8"?>
+<dgm:styleDef xmlns:dgm="http://schemas.openxmlformats.org/drawingml/2006/diagram" xmlns:a="http://schemas.openxmlformats.org/drawingml/2006/main" uniqueId="urn:microsoft.com/office/officeart/2005/8/quickstyle/simple1">
+  <dgm:title val=""/>
+  <dgm:desc val=""/>
+  <dgm:catLst>
+    <dgm:cat type="simple" pri="10100"/>
+  </dgm:catLst>
+  <dgm:scene3d>
+    <a:camera prst="orthographicFront"/>
+    <a:lightRig rig="threePt" dir="t"/>
+  </dgm:scene3d>
+  <dgm:styleLbl name="node0">
+    <dgm:scene3d>
+      <a:camera prst="orthographicFront"/>
+      <a:lightRig rig="threePt" dir="t"/>
+    </dgm:scene3d>
+    <dgm:sp3d/>
+    <dgm:txPr/>
+    <dgm:style>
+      <a:lnRef idx="2">
+        <a:scrgbClr r="0" g="0" b="0"/>
+      </a:lnRef>
+      <a:fillRef idx="1">
+        <a:scrgbClr r="0" g="0" b="0"/>
+      </a:fillRef>
+      <a:effectRef idx="0">
+        <a:scrgbClr r="0" g="0" b="0"/>
+      </a:effectRef>
+      <a:fontRef idx="minor">
+        <a:schemeClr val="lt1"/>
+      </a:fontRef>
+    </dgm:style>
+  </dgm:styleLbl>
+  <dgm:styleLbl name="lnNode1">
+    <dgm:scene3d>
+      <a:camera prst="orthographicFront"/>
+      <a:lightRig rig="threePt" dir="t"/>
+    </dgm:scene3d>
+    <dgm:sp3d/>
+    <dgm:txPr/>
+    <dgm:style>
+      <a:lnRef idx="2">
+        <a:scrgbClr r="0" g="0" b="0"/>
+      </a:lnRef>
+      <a:fillRef idx="1">
+        <a:scrgbClr r="0" g="0" b="0"/>
+      </a:fillRef>
+      <a:effectRef idx="0">
+        <a:scrgbClr r="0" g="0" b="0"/>
+      </a:effectRef>
+      <a:fontRef idx="minor">
+        <a:schemeClr val="lt1"/>
+      </a:fontRef>
+    </dgm:style>
+  </dgm:styleLbl>
+  <dgm:styleLbl name="vennNode1">
+    <dgm:scene3d>
+      <a:camera prst="orthographicFront"/>
+      <a:lightRig rig="threePt" dir="t"/>
+    </dgm:scene3d>
+    <dgm:sp3d/>
+    <dgm:txPr/>
+    <dgm:style>
+      <a:lnRef idx="2">
+        <a:scrgbClr r="0" g="0" b="0"/>
+      </a:lnRef>
+      <a:fillRef idx="1">
+        <a:scrgbClr r="0" g="0" b="0"/>
+      </a:fillRef>
+      <a:effectRef idx="0">
+        <a:scrgbClr r="0" g="0" b="0"/>
+      </a:effectRef>
+      <a:fontRef idx="minor">
+        <a:schemeClr val="tx1"/>
+      </a:fontRef>
+    </dgm:style>
+  </dgm:styleLbl>
+  <dgm:styleLbl name="alignNode1">
+    <dgm:scene3d>
+      <a:camera prst="orthographicFront"/>
+      <a:lightRig rig="threePt" dir="t"/>
+    </dgm:scene3d>
+    <dgm:sp3d/>
+    <dgm:txPr/>
+    <dgm:style>
+      <a:lnRef idx="2">
+        <a:scrgbClr r="0" g="0" b="0"/>
+      </a:lnRef>
+      <a:fillRef idx="1">
+        <a:scrgbClr r="0" g="0" b="0"/>
+      </a:fillRef>
+      <a:effectRef idx="0">
+        <a:scrgbClr r="0" g="0" b="0"/>
+      </a:effectRef>
+      <a:fontRef idx="minor">
+        <a:schemeClr val="lt1"/>
+      </a:fontRef>
+    </dgm:style>
+  </dgm:styleLbl>
+  <dgm:styleLbl name="node1">
+    <dgm:scene3d>
+      <a:camera prst="orthographicFront"/>
+      <a:lightRig rig="threePt" dir="t"/>
+    </dgm:scene3d>
+    <dgm:sp3d/>
+    <dgm:txPr/>
+    <dgm:style>
+      <a:lnRef idx="2">
+        <a:scrgbClr r="0" g="0" b="0"/>
+      </a:lnRef>
+      <a:fillRef idx="1">
+        <a:scrgbClr r="0" g="0" b="0"/>
+      </a:fillRef>
+      <a:effectRef idx="0">
+        <a:scrgbClr r="0" g="0" b="0"/>
+      </a:effectRef>
+      <a:fontRef idx="minor">
+        <a:schemeClr val="lt1"/>
+      </a:fontRef>
+    </dgm:style>
+  </dgm:styleLbl>
+  <dgm:styleLbl name="node2">
+    <dgm:scene3d>
+      <a:camera prst="orthographicFront"/>
+      <a:lightRig rig="threePt" dir="t"/>
+    </dgm:scene3d>
+    <dgm:sp3d/>
+    <dgm:txPr/>
+    <dgm:style>
+      <a:lnRef idx="2">
+        <a:scrgbClr r="0" g="0" b="0"/>
+      </a:lnRef>
+      <a:fillRef idx="1">
+        <a:scrgbClr r="0" g="0" b="0"/>
+      </a:fillRef>
+      <a:effectRef idx="0">
+        <a:scrgbClr r="0" g="0" b="0"/>
+      </a:effectRef>
+      <a:fontRef idx="minor">
+        <a:schemeClr val="lt1"/>
+      </a:fontRef>
+    </dgm:style>
+  </dgm:styleLbl>
+  <dgm:styleLbl name="node3">
+    <dgm:scene3d>
+      <a:camera prst="orthographicFront"/>
+      <a:lightRig rig="threePt" dir="t"/>
+    </dgm:scene3d>
+    <dgm:sp3d/>
+    <dgm:txPr/>
+    <dgm:style>
+      <a:lnRef idx="2">
+        <a:scrgbClr r="0" g="0" b="0"/>
+      </a:lnRef>
+      <a:fillRef idx="1">
+        <a:scrgbClr r="0" g="0" b="0"/>
+      </a:fillRef>
+      <a:effectRef idx="0">
+        <a:scrgbClr r="0" g="0" b="0"/>
+      </a:effectRef>
+      <a:fontRef idx="minor">
+        <a:schemeClr val="lt1"/>
+      </a:fontRef>
+    </dgm:style>
+  </dgm:styleLbl>
+  <dgm:styleLbl name="node4">
+    <dgm:scene3d>
+      <a:camera prst="orthographicFront"/>
+      <a:lightRig rig="threePt" dir="t"/>
+    </dgm:scene3d>
+    <dgm:sp3d/>
+    <dgm:txPr/>
+    <dgm:style>
+      <a:lnRef idx="2">
+        <a:scrgbClr r="0" g="0" b="0"/>
+      </a:lnRef>
+      <a:fillRef idx="1">
+        <a:scrgbClr r="0" g="0" b="0"/>
+      </a:fillRef>
+      <a:effectRef idx="0">
+        <a:scrgbClr r="0" g="0" b="0"/>
+      </a:effectRef>
+      <a:fontRef idx="minor">
+        <a:schemeClr val="lt1"/>
+      </a:fontRef>
+    </dgm:style>
+  </dgm:styleLbl>
+  <dgm:styleLbl name="fgImgPlace1">
+    <dgm:scene3d>
+      <a:camera prst="orthographicFront"/>
+      <a:lightRig rig="threePt" dir="t"/>
+    </dgm:scene3d>
+    <dgm:sp3d/>
+    <dgm:txPr/>
+    <dgm:style>
+      <a:lnRef idx="2">
+        <a:scrgbClr r="0" g="0" b="0"/>
+      </a:lnRef>
+      <a:fillRef idx="1">
+        <a:scrgbClr r="0" g="0" b="0"/>
+      </a:fillRef>
+      <a:effectRef idx="0">
+        <a:scrgbClr r="0" g="0" b="0"/>
+      </a:effectRef>
+      <a:fontRef idx="minor"/>
+    </dgm:style>
+  </dgm:styleLbl>
+  <dgm:styleLbl name="alignImgPlace1">
+    <dgm:scene3d>
+      <a:camera prst="orthographicFront"/>
+      <a:lightRig rig="threePt" dir="t"/>
+    </dgm:scene3d>
+    <dgm:sp3d/>
+    <dgm:txPr/>
+    <dgm:style>
+      <a:lnRef idx="2">
+        <a:scrgbClr r="0" g="0" b="0"/>
+      </a:lnRef>
+      <a:fillRef idx="1">
+        <a:scrgbClr r="0" g="0" b="0"/>
+      </a:fillRef>
+      <a:effectRef idx="0">
+        <a:scrgbClr r="0" g="0" b="0"/>
+      </a:effectRef>
+      <a:fontRef idx="minor"/>
+    </dgm:style>
+  </dgm:styleLbl>
+  <dgm:styleLbl name="bgImgPlace1">
+    <dgm:scene3d>
+      <a:camera prst="orthographicFront"/>
+      <a:lightRig rig="threePt" dir="t"/>
+    </dgm:scene3d>
+    <dgm:sp3d/>
+    <dgm:txPr/>
+    <dgm:style>
+      <a:lnRef idx="2">
+        <a:scrgbClr r="0" g="0" b="0"/>
+      </a:lnRef>
+      <a:fillRef idx="1">
+        <a:scrgbClr r="0" g="0" b="0"/>
+      </a:fillRef>
+      <a:effectRef idx="0">
+        <a:scrgbClr r="0" g="0" b="0"/>
+      </a:effectRef>
+      <a:fontRef idx="minor"/>
+    </dgm:style>
+  </dgm:styleLbl>
+  <dgm:styleLbl name="sibTrans2D1">
+    <dgm:scene3d>
+      <a:camera prst="orthographicFront"/>
+      <a:lightRig rig="threePt" dir="t"/>
+    </dgm:scene3d>
+    <dgm:sp3d/>
+    <dgm:txPr/>
+    <dgm:style>
+      <a:lnRef idx="0">
+        <a:scrgbClr r="0" g="0" b="0"/>
+      </a:lnRef>
+      <a:fillRef idx="1">
+        <a:scrgbClr r="0" g="0" b="0"/>
+      </a:fillRef>
+      <a:effectRef idx="0">
+        <a:scrgbClr r="0" g="0" b="0"/>
+      </a:effectRef>
+      <a:fontRef idx="minor">
+        <a:schemeClr val="lt1"/>
+      </a:fontRef>
+    </dgm:style>
+  </dgm:styleLbl>
+  <dgm:styleLbl name="fgSibTrans2D1">
+    <dgm:scene3d>
+      <a:camera prst="orthographicFront"/>
+      <a:lightRig rig="threePt" dir="t"/>
+    </dgm:scene3d>
+    <dgm:sp3d/>
+    <dgm:txPr/>
+    <dgm:style>
+      <a:lnRef idx="0">
+        <a:scrgbClr r="0" g="0" b="0"/>
+      </a:lnRef>
+      <a:fillRef idx="1">
+        <a:scrgbClr r="0" g="0" b="0"/>
+      </a:fillRef>
+      <a:effectRef idx="0">
+        <a:scrgbClr r="0" g="0" b="0"/>
+      </a:effectRef>
+      <a:fontRef idx="minor">
+        <a:schemeClr val="lt1"/>
+      </a:fontRef>
+    </dgm:style>
+  </dgm:styleLbl>
+  <dgm:styleLbl name="bgSibTrans2D1">
+    <dgm:scene3d>
+      <a:camera prst="orthographicFront"/>
+      <a:lightRig rig="threePt" dir="t"/>
+    </dgm:scene3d>
+    <dgm:sp3d/>
+    <dgm:txPr/>
+    <dgm:style>
+      <a:lnRef idx="0">
+        <a:scrgbClr r="0" g="0" b="0"/>
+      </a:lnRef>
+      <a:fillRef idx="1">
+        <a:scrgbClr r="0" g="0" b="0"/>
+      </a:fillRef>
+      <a:effectRef idx="0">
+        <a:scrgbClr r="0" g="0" b="0"/>
+      </a:effectRef>
+      <a:fontRef idx="minor">
+        <a:schemeClr val="lt1"/>
+      </a:fontRef>
+    </dgm:style>
+  </dgm:styleLbl>
+  <dgm:styleLbl name="sibTrans1D1">
+    <dgm:scene3d>
+      <a:camera prst="orthographicFront"/>
+      <a:lightRig rig="threePt" dir="t"/>
+    </dgm:scene3d>
+    <dgm:sp3d/>
+    <dgm:txPr/>
+    <dgm:style>
+      <a:lnRef idx="1">
+        <a:scrgbClr r="0" g="0" b="0"/>
+      </a:lnRef>
+      <a:fillRef idx="0">
+        <a:scrgbClr r="0" g="0" b="0"/>
+      </a:fillRef>
+      <a:effectRef idx="0">
+        <a:scrgbClr r="0" g="0" b="0"/>
+      </a:effectRef>
+      <a:fontRef idx="minor"/>
+    </dgm:style>
+  </dgm:styleLbl>
+  <dgm:styleLbl name="callout">
+    <dgm:scene3d>
+      <a:camera prst="orthographicFront"/>
+      <a:lightRig rig="threePt" dir="t"/>
+    </dgm:scene3d>
+    <dgm:sp3d/>
+    <dgm:txPr/>
+    <dgm:style>
+      <a:lnRef idx="2">
+        <a:scrgbClr r="0" g="0" b="0"/>
+      </a:lnRef>
+      <a:fillRef idx="1">
+        <a:scrgbClr r="0" g="0" b="0"/>
+      </a:fillRef>
+      <a:effectRef idx="0">
+        <a:scrgbClr r="0" g="0" b="0"/>
+      </a:effectRef>
+      <a:fontRef idx="minor"/>
+    </dgm:style>
+  </dgm:styleLbl>
+  <dgm:styleLbl name="asst0">
+    <dgm:scene3d>
+      <a:camera prst="orthographicFront"/>
+      <a:lightRig rig="threePt" dir="t"/>
+    </dgm:scene3d>
+    <dgm:sp3d/>
+    <dgm:txPr/>
+    <dgm:style>
+      <a:lnRef idx="2">
+        <a:scrgbClr r="0" g="0" b="0"/>
+      </a:lnRef>
+      <a:fillRef idx="1">
+        <a:scrgbClr r="0" g="0" b="0"/>
+      </a:fillRef>
+      <a:effectRef idx="0">
+        <a:scrgbClr r="0" g="0" b="0"/>
+      </a:effectRef>
+      <a:fontRef idx="minor">
+        <a:schemeClr val="lt1"/>
+      </a:fontRef>
+    </dgm:style>
+  </dgm:styleLbl>
+  <dgm:styleLbl name="asst1">
+    <dgm:scene3d>
+      <a:camera prst="orthographicFront"/>
+      <a:lightRig rig="threePt" dir="t"/>
+    </dgm:scene3d>
+    <dgm:sp3d/>
+    <dgm:txPr/>
+    <dgm:style>
+      <a:lnRef idx="2">
+        <a:scrgbClr r="0" g="0" b="0"/>
+      </a:lnRef>
+      <a:fillRef idx="1">
+        <a:scrgbClr r="0" g="0" b="0"/>
+      </a:fillRef>
+      <a:effectRef idx="0">
+        <a:scrgbClr r="0" g="0" b="0"/>
+      </a:effectRef>
+      <a:fontRef idx="minor">
+        <a:schemeClr val="lt1"/>
+      </a:fontRef>
+    </dgm:style>
+  </dgm:styleLbl>
+  <dgm:styleLbl name="asst2">
+    <dgm:scene3d>
+      <a:camera prst="orthographicFront"/>
+      <a:lightRig rig="threePt" dir="t"/>
+    </dgm:scene3d>
+    <dgm:sp3d/>
+    <dgm:txPr/>
+    <dgm:style>
+      <a:lnRef idx="2">
+        <a:scrgbClr r="0" g="0" b="0"/>
+      </a:lnRef>
+      <a:fillRef idx="1">
+        <a:scrgbClr r="0" g="0" b="0"/>
+      </a:fillRef>
+      <a:effectRef idx="0">
+        <a:scrgbClr r="0" g="0" b="0"/>
+      </a:effectRef>
+      <a:fontRef idx="minor">
+        <a:schemeClr val="lt1"/>
+      </a:fontRef>
+    </dgm:style>
+  </dgm:styleLbl>
+  <dgm:styleLbl name="asst3">
+    <dgm:scene3d>
+      <a:camera prst="orthographicFront"/>
+      <a:lightRig rig="threePt" dir="t"/>
+    </dgm:scene3d>
+    <dgm:sp3d/>
+    <dgm:txPr/>
+    <dgm:style>
+      <a:lnRef idx="2">
+        <a:scrgbClr r="0" g="0" b="0"/>
+      </a:lnRef>
+      <a:fillRef idx="1">
+        <a:scrgbClr r="0" g="0" b="0"/>
+      </a:fillRef>
+      <a:effectRef idx="0">
+        <a:scrgbClr r="0" g="0" b="0"/>
+      </a:effectRef>
+      <a:fontRef idx="minor">
+        <a:schemeClr val="lt1"/>
+      </a:fontRef>
+    </dgm:style>
+  </dgm:styleLbl>
+  <dgm:styleLbl name="asst4">
+    <dgm:scene3d>
+      <a:camera prst="orthographicFront"/>
+      <a:lightRig rig="threePt" dir="t"/>
+    </dgm:scene3d>
+    <dgm:sp3d/>
+    <dgm:txPr/>
+    <dgm:style>
+      <a:lnRef idx="2">
+        <a:scrgbClr r="0" g="0" b="0"/>
+      </a:lnRef>
+      <a:fillRef idx="1">
+        <a:scrgbClr r="0" g="0" b="0"/>
+      </a:fillRef>
+      <a:effectRef idx="0">
+        <a:scrgbClr r="0" g="0" b="0"/>
+      </a:effectRef>
+      <a:fontRef idx="minor">
+        <a:schemeClr val="lt1"/>
+      </a:fontRef>
+    </dgm:style>
+  </dgm:styleLbl>
+  <dgm:styleLbl name="parChTrans2D1">
+    <dgm:scene3d>
+      <a:camera prst="orthographicFront"/>
+      <a:lightRig rig="threePt" dir="t"/>
+    </dgm:scene3d>
+    <dgm:sp3d/>
+    <dgm:txPr/>
+    <dgm:style>
+      <a:lnRef idx="2">
+        <a:scrgbClr r="0" g="0" b="0"/>
+      </a:lnRef>
+      <a:fillRef idx="1">
+        <a:scrgbClr r="0" g="0" b="0"/>
+      </a:fillRef>
+      <a:effectRef idx="0">
+        <a:scrgbClr r="0" g="0" b="0"/>
+      </a:effectRef>
+      <a:fontRef idx="minor">
+        <a:schemeClr val="lt1"/>
+      </a:fontRef>
+    </dgm:style>
+  </dgm:styleLbl>
+  <dgm:styleLbl name="parChTrans2D2">
+    <dgm:scene3d>
+      <a:camera prst="orthographicFront"/>
+      <a:lightRig rig="threePt" dir="t"/>
+    </dgm:scene3d>
+    <dgm:sp3d/>
+    <dgm:txPr/>
+    <dgm:style>
+      <a:lnRef idx="2">
+        <a:scrgbClr r="0" g="0" b="0"/>
+      </a:lnRef>
+      <a:fillRef idx="1">
+        <a:scrgbClr r="0" g="0" b="0"/>
+      </a:fillRef>
+      <a:effectRef idx="0">
+        <a:scrgbClr r="0" g="0" b="0"/>
+      </a:effectRef>
+      <a:fontRef idx="minor">
+        <a:schemeClr val="lt1"/>
+      </a:fontRef>
+    </dgm:style>
+  </dgm:styleLbl>
+  <dgm:styleLbl name="parChTrans2D3">
+    <dgm:scene3d>
+      <a:camera prst="orthographicFront"/>
+      <a:lightRig rig="threePt" dir="t"/>
+    </dgm:scene3d>
+    <dgm:sp3d/>
+    <dgm:txPr/>
+    <dgm:style>
+      <a:lnRef idx="2">
+        <a:scrgbClr r="0" g="0" b="0"/>
+      </a:lnRef>
+      <a:fillRef idx="1">
+        <a:scrgbClr r="0" g="0" b="0"/>
+      </a:fillRef>
+      <a:effectRef idx="0">
+        <a:scrgbClr r="0" g="0" b="0"/>
+      </a:effectRef>
+      <a:fontRef idx="minor">
+        <a:schemeClr val="lt1"/>
+      </a:fontRef>
+    </dgm:style>
+  </dgm:styleLbl>
+  <dgm:styleLbl name="parChTrans2D4">
+    <dgm:scene3d>
+      <a:camera prst="orthographicFront"/>
+      <a:lightRig rig="threePt" dir="t"/>
+    </dgm:scene3d>
+    <dgm:sp3d/>
+    <dgm:txPr/>
+    <dgm:style>
+      <a:lnRef idx="2">
+        <a:scrgbClr r="0" g="0" b="0"/>
+      </a:lnRef>
+      <a:fillRef idx="1">
+        <a:scrgbClr r="0" g="0" b="0"/>
+      </a:fillRef>
+      <a:effectRef idx="0">
+        <a:scrgbClr r="0" g="0" b="0"/>
+      </a:effectRef>
+      <a:fontRef idx="minor">
+        <a:schemeClr val="lt1"/>
+      </a:fontRef>
+    </dgm:style>
+  </dgm:styleLbl>
+  <dgm:styleLbl name="parChTrans1D1">
+    <dgm:scene3d>
+      <a:camera prst="orthographicFront"/>
+      <a:lightRig rig="threePt" dir="t"/>
+    </dgm:scene3d>
+    <dgm:sp3d/>
+    <dgm:txPr/>
+    <dgm:style>
+      <a:lnRef idx="2">
+        <a:scrgbClr r="0" g="0" b="0"/>
+      </a:lnRef>
+      <a:fillRef idx="0">
+        <a:scrgbClr r="0" g="0" b="0"/>
+      </a:fillRef>
+      <a:effectRef idx="0">
+        <a:scrgbClr r="0" g="0" b="0"/>
+      </a:effectRef>
+      <a:fontRef idx="minor"/>
+    </dgm:style>
+  </dgm:styleLbl>
+  <dgm:styleLbl name="parChTrans1D2">
+    <dgm:scene3d>
+      <a:camera prst="orthographicFront"/>
+      <a:lightRig rig="threePt" dir="t"/>
+    </dgm:scene3d>
+    <dgm:sp3d/>
+    <dgm:txPr/>
+    <dgm:style>
+      <a:lnRef idx="2">
+        <a:scrgbClr r="0" g="0" b="0"/>
+      </a:lnRef>
+      <a:fillRef idx="0">
+        <a:scrgbClr r="0" g="0" b="0"/>
+      </a:fillRef>
+      <a:effectRef idx="0">
+        <a:scrgbClr r="0" g="0" b="0"/>
+      </a:effectRef>
+      <a:fontRef idx="minor"/>
+    </dgm:style>
+  </dgm:styleLbl>
+  <dgm:styleLbl name="parChTrans1D3">
+    <dgm:scene3d>
+      <a:camera prst="orthographicFront"/>
+      <a:lightRig rig="threePt" dir="t"/>
+    </dgm:scene3d>
+    <dgm:sp3d/>
+    <dgm:txPr/>
+    <dgm:style>
+      <a:lnRef idx="2">
+        <a:scrgbClr r="0" g="0" b="0"/>
+      </a:lnRef>
+      <a:fillRef idx="0">
+        <a:scrgbClr r="0" g="0" b="0"/>
+      </a:fillRef>
+      <a:effectRef idx="0">
+        <a:scrgbClr r="0" g="0" b="0"/>
+      </a:effectRef>
+      <a:fontRef idx="minor"/>
+    </dgm:style>
+  </dgm:styleLbl>
+  <dgm:styleLbl name="parChTrans1D4">
+    <dgm:scene3d>
+      <a:camera prst="orthographicFront"/>
+      <a:lightRig rig="threePt" dir="t"/>
+    </dgm:scene3d>
+    <dgm:sp3d/>
+    <dgm:txPr/>
+    <dgm:style>
+      <a:lnRef idx="2">
+        <a:scrgbClr r="0" g="0" b="0"/>
+      </a:lnRef>
+      <a:fillRef idx="0">
+        <a:scrgbClr r="0" g="0" b="0"/>
+      </a:fillRef>
+      <a:effectRef idx="0">
+        <a:scrgbClr r="0" g="0" b="0"/>
+      </a:effectRef>
+      <a:fontRef idx="minor"/>
+    </dgm:style>
+  </dgm:styleLbl>
+  <dgm:styleLbl name="fgAcc1">
+    <dgm:scene3d>
+      <a:camera prst="orthographicFront"/>
+      <a:lightRig rig="threePt" dir="t"/>
+    </dgm:scene3d>
+    <dgm:sp3d/>
+    <dgm:txPr/>
+    <dgm:style>
+      <a:lnRef idx="2">
+        <a:scrgbClr r="0" g="0" b="0"/>
+      </a:lnRef>
+      <a:fillRef idx="1">
+        <a:scrgbClr r="0" g="0" b="0"/>
+      </a:fillRef>
+      <a:effectRef idx="0">
+        <a:scrgbClr r="0" g="0" b="0"/>
+      </a:effectRef>
+      <a:fontRef idx="minor"/>
+    </dgm:style>
+  </dgm:styleLbl>
+  <dgm:styleLbl name="conFgAcc1">
+    <dgm:scene3d>
+      <a:camera prst="orthographicFront"/>
+      <a:lightRig rig="threePt" dir="t"/>
+    </dgm:scene3d>
+    <dgm:sp3d/>
+    <dgm:txPr/>
+    <dgm:style>
+      <a:lnRef idx="2">
+        <a:scrgbClr r="0" g="0" b="0"/>
+      </a:lnRef>
+      <a:fillRef idx="1">
+        <a:scrgbClr r="0" g="0" b="0"/>
+      </a:fillRef>
+      <a:effectRef idx="0">
+        <a:scrgbClr r="0" g="0" b="0"/>
+      </a:effectRef>
+      <a:fontRef idx="minor"/>
+    </dgm:style>
+  </dgm:styleLbl>
+  <dgm:styleLbl name="alignAcc1">
+    <dgm:scene3d>
+      <a:camera prst="orthographicFront"/>
+      <a:lightRig rig="threePt" dir="t"/>
+    </dgm:scene3d>
+    <dgm:sp3d/>
+    <dgm:txPr/>
+    <dgm:style>
+      <a:lnRef idx="2">
+        <a:scrgbClr r="0" g="0" b="0"/>
+      </a:lnRef>
+      <a:fillRef idx="1">
+        <a:scrgbClr r="0" g="0" b="0"/>
+      </a:fillRef>
+      <a:effectRef idx="0">
+        <a:scrgbClr r="0" g="0" b="0"/>
+      </a:effectRef>
+      <a:fontRef idx="minor"/>
+    </dgm:style>
+  </dgm:styleLbl>
+  <dgm:styleLbl name="trAlignAcc1">
+    <dgm:scene3d>
+      <a:camera prst="orthographicFront"/>
+      <a:lightRig rig="threePt" dir="t"/>
+    </dgm:scene3d>
+    <dgm:sp3d/>
+    <dgm:txPr/>
+    <dgm:style>
+      <a:lnRef idx="1">
+        <a:scrgbClr r="0" g="0" b="0"/>
+      </a:lnRef>
+      <a:fillRef idx="1">
+        <a:scrgbClr r="0" g="0" b="0"/>
+      </a:fillRef>
+      <a:effectRef idx="0">
+        <a:scrgbClr r="0" g="0" b="0"/>
+      </a:effectRef>
+      <a:fontRef idx="minor"/>
+    </dgm:style>
+  </dgm:styleLbl>
+  <dgm:styleLbl name="bgAcc1">
+    <dgm:scene3d>
+      <a:camera prst="orthographicFront"/>
+      <a:lightRig rig="threePt" dir="t"/>
+    </dgm:scene3d>
+    <dgm:sp3d/>
+    <dgm:txPr/>
+    <dgm:style>
+      <a:lnRef idx="2">
+        <a:scrgbClr r="0" g="0" b="0"/>
+      </a:lnRef>
+      <a:fillRef idx="1">
+        <a:scrgbClr r="0" g="0" b="0"/>
+      </a:fillRef>
+      <a:effectRef idx="0">
+        <a:scrgbClr r="0" g="0" b="0"/>
+      </a:effectRef>
+      <a:fontRef idx="minor"/>
+    </dgm:style>
+  </dgm:styleLbl>
+  <dgm:styleLbl name="solidFgAcc1">
+    <dgm:scene3d>
+      <a:camera prst="orthographicFront"/>
+      <a:lightRig rig="threePt" dir="t"/>
+    </dgm:scene3d>
+    <dgm:sp3d/>
+    <dgm:txPr/>
+    <dgm:style>
+      <a:lnRef idx="2">
+        <a:scrgbClr r="0" g="0" b="0"/>
+      </a:lnRef>
+      <a:fillRef idx="1">
+        <a:scrgbClr r="0" g="0" b="0"/>
+      </a:fillRef>
+      <a:effectRef idx="0">
+        <a:scrgbClr r="0" g="0" b="0"/>
+      </a:effectRef>
+      <a:fontRef idx="minor"/>
+    </dgm:style>
+  </dgm:styleLbl>
+  <dgm:styleLbl name="solidAlignAcc1">
+    <dgm:scene3d>
+      <a:camera prst="orthographicFront"/>
+      <a:lightRig rig="threePt" dir="t"/>
+    </dgm:scene3d>
+    <dgm:sp3d/>
+    <dgm:txPr/>
+    <dgm:style>
+      <a:lnRef idx="2">
+        <a:scrgbClr r="0" g="0" b="0"/>
+      </a:lnRef>
+      <a:fillRef idx="1">
+        <a:scrgbClr r="0" g="0" b="0"/>
+      </a:fillRef>
+      <a:effectRef idx="0">
+        <a:scrgbClr r="0" g="0" b="0"/>
+      </a:effectRef>
+      <a:fontRef idx="minor"/>
+    </dgm:style>
+  </dgm:styleLbl>
+  <dgm:styleLbl name="solidBgAcc1">
+    <dgm:scene3d>
+      <a:camera prst="orthographicFront"/>
+      <a:lightRig rig="threePt" dir="t"/>
+    </dgm:scene3d>
+    <dgm:sp3d/>
+    <dgm:txPr/>
+    <dgm:style>
+      <a:lnRef idx="2">
+        <a:scrgbClr r="0" g="0" b="0"/>
+      </a:lnRef>
+      <a:fillRef idx="1">
+        <a:scrgbClr r="0" g="0" b="0"/>
+      </a:fillRef>
+      <a:effectRef idx="0">
+        <a:scrgbClr r="0" g="0" b="0"/>
+      </a:effectRef>
+      <a:fontRef idx="minor"/>
+    </dgm:style>
+  </dgm:styleLbl>
+  <dgm:styleLbl name="fgAccFollowNode1">
+    <dgm:scene3d>
+      <a:camera prst="orthographicFront"/>
+      <a:lightRig rig="threePt" dir="t"/>
+    </dgm:scene3d>
+    <dgm:sp3d/>
+    <dgm:txPr/>
+    <dgm:style>
+      <a:lnRef idx="2">
+        <a:scrgbClr r="0" g="0" b="0"/>
+      </a:lnRef>
+      <a:fillRef idx="1">
+        <a:scrgbClr r="0" g="0" b="0"/>
+      </a:fillRef>
+      <a:effectRef idx="0">
+        <a:scrgbClr r="0" g="0" b="0"/>
+      </a:effectRef>
+      <a:fontRef idx="minor"/>
+    </dgm:style>
+  </dgm:styleLbl>
+  <dgm:styleLbl name="alignAccFollowNode1">
+    <dgm:scene3d>
+      <a:camera prst="orthographicFront"/>
+      <a:lightRig rig="threePt" dir="t"/>
+    </dgm:scene3d>
+    <dgm:sp3d/>
+    <dgm:txPr/>
+    <dgm:style>
+      <a:lnRef idx="2">
+        <a:scrgbClr r="0" g="0" b="0"/>
+      </a:lnRef>
+      <a:fillRef idx="1">
+        <a:scrgbClr r="0" g="0" b="0"/>
+      </a:fillRef>
+      <a:effectRef idx="0">
+        <a:scrgbClr r="0" g="0" b="0"/>
+      </a:effectRef>
+      <a:fontRef idx="minor"/>
+    </dgm:style>
+  </dgm:styleLbl>
+  <dgm:styleLbl name="bgAccFollowNode1">
+    <dgm:scene3d>
+      <a:camera prst="orthographicFront"/>
+      <a:lightRig rig="threePt" dir="t"/>
+    </dgm:scene3d>
+    <dgm:sp3d/>
+    <dgm:txPr/>
+    <dgm:style>
+      <a:lnRef idx="2">
+        <a:scrgbClr r="0" g="0" b="0"/>
+      </a:lnRef>
+      <a:fillRef idx="1">
+        <a:scrgbClr r="0" g="0" b="0"/>
+      </a:fillRef>
+      <a:effectRef idx="0">
+        <a:scrgbClr r="0" g="0" b="0"/>
+      </a:effectRef>
+      <a:fontRef idx="minor"/>
+    </dgm:style>
+  </dgm:styleLbl>
+  <dgm:styleLbl name="fgAcc0">
+    <dgm:scene3d>
+      <a:camera prst="orthographicFront"/>
+      <a:lightRig rig="threePt" dir="t"/>
+    </dgm:scene3d>
+    <dgm:sp3d/>
+    <dgm:txPr/>
+    <dgm:style>
+      <a:lnRef idx="2">
+        <a:scrgbClr r="0" g="0" b="0"/>
+      </a:lnRef>
+      <a:fillRef idx="1">
+        <a:scrgbClr r="0" g="0" b="0"/>
+      </a:fillRef>
+      <a:effectRef idx="0">
+        <a:scrgbClr r="0" g="0" b="0"/>
+      </a:effectRef>
+      <a:fontRef idx="minor"/>
+    </dgm:style>
+  </dgm:styleLbl>
+  <dgm:styleLbl name="fgAcc2">
+    <dgm:scene3d>
+      <a:camera prst="orthographicFront"/>
+      <a:lightRig rig="threePt" dir="t"/>
+    </dgm:scene3d>
+    <dgm:sp3d/>
+    <dgm:txPr/>
+    <dgm:style>
+      <a:lnRef idx="2">
+        <a:scrgbClr r="0" g="0" b="0"/>
+      </a:lnRef>
+      <a:fillRef idx="1">
+        <a:scrgbClr r="0" g="0" b="0"/>
+      </a:fillRef>
+      <a:effectRef idx="0">
+        <a:scrgbClr r="0" g="0" b="0"/>
+      </a:effectRef>
+      <a:fontRef idx="minor"/>
+    </dgm:style>
+  </dgm:styleLbl>
+  <dgm:styleLbl name="fgAcc3">
+    <dgm:scene3d>
+      <a:camera prst="orthographicFront"/>
+      <a:lightRig rig="threePt" dir="t"/>
+    </dgm:scene3d>
+    <dgm:sp3d/>
+    <dgm:txPr/>
+    <dgm:style>
+      <a:lnRef idx="2">
+        <a:scrgbClr r="0" g="0" b="0"/>
+      </a:lnRef>
+      <a:fillRef idx="1">
+        <a:scrgbClr r="0" g="0" b="0"/>
+      </a:fillRef>
+      <a:effectRef idx="0">
+        <a:scrgbClr r="0" g="0" b="0"/>
+      </a:effectRef>
+      <a:fontRef idx="minor"/>
+    </dgm:style>
+  </dgm:styleLbl>
+  <dgm:styleLbl name="fgAcc4">
+    <dgm:scene3d>
+      <a:camera prst="orthographicFront"/>
+      <a:lightRig rig="threePt" dir="t"/>
+    </dgm:scene3d>
+    <dgm:sp3d/>
+    <dgm:txPr/>
+    <dgm:style>
+      <a:lnRef idx="2">
+        <a:scrgbClr r="0" g="0" b="0"/>
+      </a:lnRef>
+      <a:fillRef idx="1">
+        <a:scrgbClr r="0" g="0" b="0"/>
+      </a:fillRef>
+      <a:effectRef idx="0">
+        <a:scrgbClr r="0" g="0" b="0"/>
+      </a:effectRef>
+      <a:fontRef idx="minor"/>
+    </dgm:style>
+  </dgm:styleLbl>
+  <dgm:styleLbl name="bgShp">
+    <dgm:scene3d>
+      <a:camera prst="orthographicFront"/>
+      <a:lightRig rig="threePt" dir="t"/>
+    </dgm:scene3d>
+    <dgm:sp3d/>
+    <dgm:txPr/>
+    <dgm:style>
+      <a:lnRef idx="0">
+        <a:scrgbClr r="0" g="0" b="0"/>
+      </a:lnRef>
+      <a:fillRef idx="1">
+        <a:scrgbClr r="0" g="0" b="0"/>
+      </a:fillRef>
+      <a:effectRef idx="0">
+        <a:scrgbClr r="0" g="0" b="0"/>
+      </a:effectRef>
+      <a:fontRef idx="minor"/>
+    </dgm:style>
+  </dgm:styleLbl>
+  <dgm:styleLbl name="dkBgShp">
+    <dgm:scene3d>
+      <a:camera prst="orthographicFront"/>
+      <a:lightRig rig="threePt" dir="t"/>
+    </dgm:scene3d>
+    <dgm:sp3d/>
+    <dgm:txPr/>
+    <dgm:style>
+      <a:lnRef idx="0">
+        <a:scrgbClr r="0" g="0" b="0"/>
+      </a:lnRef>
+      <a:fillRef idx="1">
+        <a:scrgbClr r="0" g="0" b="0"/>
+      </a:fillRef>
+      <a:effectRef idx="0">
+        <a:scrgbClr r="0" g="0" b="0"/>
+      </a:effectRef>
+      <a:fontRef idx="minor"/>
+    </dgm:style>
+  </dgm:styleLbl>
+  <dgm:styleLbl name="trBgShp">
+    <dgm:scene3d>
+      <a:camera prst="orthographicFront"/>
+      <a:lightRig rig="threePt" dir="t"/>
+    </dgm:scene3d>
+    <dgm:sp3d/>
+    <dgm:txPr/>
+    <dgm:style>
+      <a:lnRef idx="0">
+        <a:scrgbClr r="0" g="0" b="0"/>
+      </a:lnRef>
+      <a:fillRef idx="1">
+        <a:scrgbClr r="0" g="0" b="0"/>
+      </a:fillRef>
+      <a:effectRef idx="0">
+        <a:scrgbClr r="0" g="0" b="0"/>
+      </a:effectRef>
+      <a:fontRef idx="minor"/>
+    </dgm:style>
+  </dgm:styleLbl>
+  <dgm:styleLbl name="fgShp">
+    <dgm:scene3d>
+      <a:camera prst="orthographicFront"/>
+      <a:lightRig rig="threePt" dir="t"/>
+    </dgm:scene3d>
+    <dgm:sp3d/>
+    <dgm:txPr/>
+    <dgm:style>
+      <a:lnRef idx="2">
+        <a:scrgbClr r="0" g="0" b="0"/>
+      </a:lnRef>
+      <a:fillRef idx="1">
+        <a:scrgbClr r="0" g="0" b="0"/>
+      </a:fillRef>
+      <a:effectRef idx="0">
+        <a:scrgbClr r="0" g="0" b="0"/>
+      </a:effectRef>
+      <a:fontRef idx="minor"/>
+    </dgm:style>
+  </dgm:styleLbl>
+  <dgm:styleLbl name="revTx">
+    <dgm:scene3d>
+      <a:camera prst="orthographicFront"/>
+      <a:lightRig rig="threePt" dir="t"/>
+    </dgm:scene3d>
+    <dgm:sp3d/>
+    <dgm:txPr/>
+    <dgm:style>
+      <a:lnRef idx="0">
+        <a:scrgbClr r="0" g="0" b="0"/>
+      </a:lnRef>
+      <a:fillRef idx="0">
+        <a:scrgbClr r="0" g="0" b="0"/>
+      </a:fillRef>
+      <a:effectRef idx="0">
+        <a:scrgbClr r="0" g="0" b="0"/>
+      </a:effectRef>
+      <a:fontRef idx="minor"/>
+    </dgm:style>
+  </dgm:styleLbl>
+</dgm:styleDef>
+</file>
+
 <file path=ppt/notesMasters/notesMaster1.xml><?xml version="1.0" encoding="utf-8"?>
 <p:notesMaster xmlns:a="http://schemas.openxmlformats.org/drawingml/2006/main" xmlns:r="http://schemas.openxmlformats.org/officeDocument/2006/relationships" xmlns:p="http://schemas.openxmlformats.org/presentationml/2006/main">
   <p:cSld>
@@ -204,7 +3143,7 @@
           <a:p>
             <a:fld id="{1AD2FB5A-A9A1-4728-BE5E-4ACB9D6B1424}" type="datetimeFigureOut">
               <a:rPr lang="en-SG" smtClean="0"/>
-              <a:t>17/2/2022</a:t>
+              <a:t>18/2/2022</a:t>
             </a:fld>
             <a:endParaRPr lang="en-SG"/>
           </a:p>
@@ -603,7 +3542,7 @@
           <a:p>
             <a:fld id="{A594AEAC-7519-425F-B01A-BD06A0722592}" type="datetime1">
               <a:rPr lang="en-SG" smtClean="0"/>
-              <a:t>17/2/2022</a:t>
+              <a:t>18/2/2022</a:t>
             </a:fld>
             <a:endParaRPr lang="en-SG"/>
           </a:p>
@@ -773,7 +3712,7 @@
           <a:p>
             <a:fld id="{BCBA97FE-B708-4C55-B8D3-E5F011A8B821}" type="datetime1">
               <a:rPr lang="en-SG" smtClean="0"/>
-              <a:t>17/2/2022</a:t>
+              <a:t>18/2/2022</a:t>
             </a:fld>
             <a:endParaRPr lang="en-SG"/>
           </a:p>
@@ -953,7 +3892,7 @@
           <a:p>
             <a:fld id="{794A7F27-6CE3-413F-B79F-E0649B00126B}" type="datetime1">
               <a:rPr lang="en-SG" smtClean="0"/>
-              <a:t>17/2/2022</a:t>
+              <a:t>18/2/2022</a:t>
             </a:fld>
             <a:endParaRPr lang="en-SG"/>
           </a:p>
@@ -1123,7 +4062,7 @@
           <a:p>
             <a:fld id="{AEDDCED1-A06B-4D95-BF55-0155BD777723}" type="datetime1">
               <a:rPr lang="en-SG" smtClean="0"/>
-              <a:t>17/2/2022</a:t>
+              <a:t>18/2/2022</a:t>
             </a:fld>
             <a:endParaRPr lang="en-SG"/>
           </a:p>
@@ -1369,7 +4308,7 @@
           <a:p>
             <a:fld id="{12A7B465-A441-4B23-A855-3A966B6A4F46}" type="datetime1">
               <a:rPr lang="en-SG" smtClean="0"/>
-              <a:t>17/2/2022</a:t>
+              <a:t>18/2/2022</a:t>
             </a:fld>
             <a:endParaRPr lang="en-SG"/>
           </a:p>
@@ -1601,7 +4540,7 @@
           <a:p>
             <a:fld id="{6C69C227-200D-43B0-92AB-AAA5D31C09E4}" type="datetime1">
               <a:rPr lang="en-SG" smtClean="0"/>
-              <a:t>17/2/2022</a:t>
+              <a:t>18/2/2022</a:t>
             </a:fld>
             <a:endParaRPr lang="en-SG"/>
           </a:p>
@@ -1968,7 +4907,7 @@
           <a:p>
             <a:fld id="{F14B0DBB-33E6-4B90-905E-D7DC4EF13CF5}" type="datetime1">
               <a:rPr lang="en-SG" smtClean="0"/>
-              <a:t>17/2/2022</a:t>
+              <a:t>18/2/2022</a:t>
             </a:fld>
             <a:endParaRPr lang="en-SG"/>
           </a:p>
@@ -2086,7 +5025,7 @@
           <a:p>
             <a:fld id="{C969065B-FFBD-4B92-BA0A-D58391500E03}" type="datetime1">
               <a:rPr lang="en-SG" smtClean="0"/>
-              <a:t>17/2/2022</a:t>
+              <a:t>18/2/2022</a:t>
             </a:fld>
             <a:endParaRPr lang="en-SG"/>
           </a:p>
@@ -2181,7 +5120,7 @@
           <a:p>
             <a:fld id="{CC069BB5-D6A2-4AB2-BC6E-DD95BF389837}" type="datetime1">
               <a:rPr lang="en-SG" smtClean="0"/>
-              <a:t>17/2/2022</a:t>
+              <a:t>18/2/2022</a:t>
             </a:fld>
             <a:endParaRPr lang="en-SG"/>
           </a:p>
@@ -2458,7 +5397,7 @@
           <a:p>
             <a:fld id="{87E34FA4-08D7-497D-8A91-C7F653EEB986}" type="datetime1">
               <a:rPr lang="en-SG" smtClean="0"/>
-              <a:t>17/2/2022</a:t>
+              <a:t>18/2/2022</a:t>
             </a:fld>
             <a:endParaRPr lang="en-SG"/>
           </a:p>
@@ -2711,7 +5650,7 @@
           <a:p>
             <a:fld id="{8C7CF39E-2E01-42DF-8E14-FFAEB5AED21A}" type="datetime1">
               <a:rPr lang="en-SG" smtClean="0"/>
-              <a:t>17/2/2022</a:t>
+              <a:t>18/2/2022</a:t>
             </a:fld>
             <a:endParaRPr lang="en-SG"/>
           </a:p>
@@ -2924,7 +5863,7 @@
           <a:p>
             <a:fld id="{850BB47F-3E15-4801-B75B-D3F6822BE964}" type="datetime1">
               <a:rPr lang="en-SG" smtClean="0"/>
-              <a:t>17/2/2022</a:t>
+              <a:t>18/2/2022</a:t>
             </a:fld>
             <a:endParaRPr lang="en-SG"/>
           </a:p>
@@ -3377,16 +6316,16 @@
           <a:lstStyle/>
           <a:p>
             <a:r>
+              <a:rPr lang="en-US" smtClean="0"/>
+              <a:t>Meta </a:t>
+            </a:r>
+            <a:r>
+              <a:rPr lang="en-US" smtClean="0"/>
+              <a:t>Heuristic </a:t>
+            </a:r>
+            <a:r>
               <a:rPr lang="en-US" dirty="0" smtClean="0"/>
-              <a:t>Meta </a:t>
-            </a:r>
-            <a:r>
-              <a:rPr lang="en-US" dirty="0" err="1" smtClean="0"/>
-              <a:t>Huristic</a:t>
-            </a:r>
-            <a:r>
-              <a:rPr lang="en-US" dirty="0" smtClean="0"/>
-              <a:t> I</a:t>
+              <a:t>I</a:t>
             </a:r>
             <a:endParaRPr lang="en-SG" dirty="0"/>
           </a:p>
@@ -3460,8 +6399,8 @@
         </p:nvSpPr>
         <p:spPr>
           <a:xfrm>
-            <a:off x="2152357" y="815926"/>
-            <a:ext cx="9242474" cy="1754326"/>
+            <a:off x="604911" y="2090172"/>
+            <a:ext cx="10410091" cy="2677656"/>
           </a:xfrm>
           <a:prstGeom prst="rect">
             <a:avLst/>
@@ -3474,39 +6413,96 @@
           </a:bodyPr>
           <a:lstStyle/>
           <a:p>
-            <a:r>
-              <a:rPr lang="en-US" dirty="0" smtClean="0"/>
-              <a:t>Swamp Intelligent</a:t>
-            </a:r>
-          </a:p>
-          <a:p>
-            <a:r>
-              <a:rPr lang="en-US" dirty="0" smtClean="0"/>
-              <a:t>Jelly Fish </a:t>
-            </a:r>
-          </a:p>
-          <a:p>
-            <a:r>
-              <a:rPr lang="en-US" dirty="0" smtClean="0"/>
-              <a:t>How it works</a:t>
-            </a:r>
-          </a:p>
-          <a:p>
-            <a:r>
-              <a:rPr lang="en-US" dirty="0" smtClean="0"/>
-              <a:t>Movement</a:t>
-            </a:r>
-          </a:p>
-          <a:p>
-            <a:r>
-              <a:rPr lang="en-US" dirty="0" smtClean="0"/>
-              <a:t>Time function</a:t>
-            </a:r>
-          </a:p>
-          <a:p>
-            <a:r>
-              <a:rPr lang="en-US" dirty="0" smtClean="0"/>
-              <a:t>Algorithm</a:t>
+            <a:pPr marL="342900" indent="-342900" algn="just">
+              <a:buFont typeface="Wingdings" panose="05000000000000000000" pitchFamily="2" charset="2"/>
+              <a:buChar char="§"/>
+            </a:pPr>
+            <a:r>
+              <a:rPr lang="en-US" sz="2400" dirty="0" smtClean="0"/>
+              <a:t>Simulation of </a:t>
+            </a:r>
+            <a:r>
+              <a:rPr lang="en-US" sz="2400" dirty="0"/>
+              <a:t>the collective intelligent behavior of insect or animal groups such as flocks of birds, colonies of ants, schools of fish, swarms of </a:t>
+            </a:r>
+            <a:r>
+              <a:rPr lang="en-US" sz="2400" dirty="0" smtClean="0"/>
+              <a:t>bees.</a:t>
+            </a:r>
+          </a:p>
+          <a:p>
+            <a:pPr marL="342900" indent="-342900" algn="just">
+              <a:buFont typeface="Wingdings" panose="05000000000000000000" pitchFamily="2" charset="2"/>
+              <a:buChar char="§"/>
+            </a:pPr>
+            <a:endParaRPr lang="en-US" sz="2400" dirty="0"/>
+          </a:p>
+          <a:p>
+            <a:pPr marL="342900" indent="-342900" algn="just">
+              <a:buFont typeface="Wingdings" panose="05000000000000000000" pitchFamily="2" charset="2"/>
+              <a:buChar char="§"/>
+            </a:pPr>
+            <a:r>
+              <a:rPr lang="en-US" sz="2400" dirty="0" smtClean="0"/>
+              <a:t>Have high </a:t>
+            </a:r>
+            <a:r>
+              <a:rPr lang="en-US" sz="2400" dirty="0"/>
+              <a:t>flexibility </a:t>
+            </a:r>
+            <a:r>
+              <a:rPr lang="en-US" sz="2400" dirty="0" smtClean="0"/>
+              <a:t>and high efficiency</a:t>
+            </a:r>
+          </a:p>
+          <a:p>
+            <a:pPr marL="342900" indent="-342900" algn="just">
+              <a:buFont typeface="Wingdings" panose="05000000000000000000" pitchFamily="2" charset="2"/>
+              <a:buChar char="§"/>
+            </a:pPr>
+            <a:endParaRPr lang="en-US" sz="2400" dirty="0" smtClean="0"/>
+          </a:p>
+          <a:p>
+            <a:pPr marL="342900" indent="-342900" algn="just">
+              <a:buFont typeface="Wingdings" panose="05000000000000000000" pitchFamily="2" charset="2"/>
+              <a:buChar char="§"/>
+            </a:pPr>
+            <a:r>
+              <a:rPr lang="en-US" sz="2400" dirty="0"/>
+              <a:t>SI systems are typically made up of a population of simple agents interacting locally with one another and with their environment</a:t>
+            </a:r>
+            <a:r>
+              <a:rPr lang="en-US" sz="2400" dirty="0" smtClean="0"/>
+              <a:t>.</a:t>
+            </a:r>
+          </a:p>
+        </p:txBody>
+      </p:sp>
+      <p:sp>
+        <p:nvSpPr>
+          <p:cNvPr id="5" name="TextBox 4"/>
+          <p:cNvSpPr txBox="1"/>
+          <p:nvPr/>
+        </p:nvSpPr>
+        <p:spPr>
+          <a:xfrm>
+            <a:off x="604911" y="450166"/>
+            <a:ext cx="5767753" cy="769441"/>
+          </a:xfrm>
+          <a:prstGeom prst="rect">
+            <a:avLst/>
+          </a:prstGeom>
+          <a:noFill/>
+        </p:spPr>
+        <p:txBody>
+          <a:bodyPr wrap="square" rtlCol="0">
+            <a:spAutoFit/>
+          </a:bodyPr>
+          <a:lstStyle/>
+          <a:p>
+            <a:r>
+              <a:rPr lang="en-SG" sz="4400" dirty="0"/>
+              <a:t>Swarm Intelligence (SI)</a:t>
             </a:r>
           </a:p>
         </p:txBody>
@@ -3537,7 +6533,7 @@
     </p:spTree>
     <p:extLst>
       <p:ext uri="{BB962C8B-B14F-4D97-AF65-F5344CB8AC3E}">
-        <p14:creationId xmlns:p14="http://schemas.microsoft.com/office/powerpoint/2010/main" val="3161950541"/>
+        <p14:creationId xmlns:p14="http://schemas.microsoft.com/office/powerpoint/2010/main" val="3788114695"/>
       </p:ext>
     </p:extLst>
   </p:cSld>
@@ -3579,186 +6575,6 @@
         </p:nvSpPr>
         <p:spPr>
           <a:xfrm>
-            <a:off x="604911" y="2090172"/>
-            <a:ext cx="10410091" cy="2677656"/>
-          </a:xfrm>
-          <a:prstGeom prst="rect">
-            <a:avLst/>
-          </a:prstGeom>
-          <a:noFill/>
-        </p:spPr>
-        <p:txBody>
-          <a:bodyPr wrap="square" rtlCol="0">
-            <a:spAutoFit/>
-          </a:bodyPr>
-          <a:lstStyle/>
-          <a:p>
-            <a:pPr marL="342900" indent="-342900" algn="just">
-              <a:buFont typeface="Wingdings" panose="05000000000000000000" pitchFamily="2" charset="2"/>
-              <a:buChar char="§"/>
-            </a:pPr>
-            <a:r>
-              <a:rPr lang="en-US" sz="2400" dirty="0" smtClean="0"/>
-              <a:t>Simulation of </a:t>
-            </a:r>
-            <a:r>
-              <a:rPr lang="en-US" sz="2400" dirty="0"/>
-              <a:t>the collective intelligent behavior of insect or animal groups such as flocks of birds, colonies of ants, schools of fish, swarms of </a:t>
-            </a:r>
-            <a:r>
-              <a:rPr lang="en-US" sz="2400" dirty="0" smtClean="0"/>
-              <a:t>bees.</a:t>
-            </a:r>
-          </a:p>
-          <a:p>
-            <a:pPr marL="342900" indent="-342900" algn="just">
-              <a:buFont typeface="Wingdings" panose="05000000000000000000" pitchFamily="2" charset="2"/>
-              <a:buChar char="§"/>
-            </a:pPr>
-            <a:endParaRPr lang="en-US" sz="2400" dirty="0"/>
-          </a:p>
-          <a:p>
-            <a:pPr marL="342900" indent="-342900" algn="just">
-              <a:buFont typeface="Wingdings" panose="05000000000000000000" pitchFamily="2" charset="2"/>
-              <a:buChar char="§"/>
-            </a:pPr>
-            <a:r>
-              <a:rPr lang="en-US" sz="2400" dirty="0" smtClean="0"/>
-              <a:t>Have </a:t>
-            </a:r>
-            <a:r>
-              <a:rPr lang="en-US" sz="2400" dirty="0" smtClean="0"/>
-              <a:t>high </a:t>
-            </a:r>
-            <a:r>
-              <a:rPr lang="en-US" sz="2400" dirty="0"/>
-              <a:t>flexibility </a:t>
-            </a:r>
-            <a:r>
-              <a:rPr lang="en-US" sz="2400" dirty="0" smtClean="0"/>
-              <a:t>and high efficiency</a:t>
-            </a:r>
-          </a:p>
-          <a:p>
-            <a:pPr marL="342900" indent="-342900" algn="just">
-              <a:buFont typeface="Wingdings" panose="05000000000000000000" pitchFamily="2" charset="2"/>
-              <a:buChar char="§"/>
-            </a:pPr>
-            <a:endParaRPr lang="en-US" sz="2400" dirty="0" smtClean="0"/>
-          </a:p>
-          <a:p>
-            <a:pPr marL="342900" indent="-342900" algn="just">
-              <a:buFont typeface="Wingdings" panose="05000000000000000000" pitchFamily="2" charset="2"/>
-              <a:buChar char="§"/>
-            </a:pPr>
-            <a:r>
-              <a:rPr lang="en-US" sz="2400" dirty="0"/>
-              <a:t>SI systems are typically made up of a population of simple agents interacting locally with one another and with their environment</a:t>
-            </a:r>
-            <a:r>
-              <a:rPr lang="en-US" sz="2400" dirty="0" smtClean="0"/>
-              <a:t>.</a:t>
-            </a:r>
-          </a:p>
-        </p:txBody>
-      </p:sp>
-      <p:sp>
-        <p:nvSpPr>
-          <p:cNvPr id="5" name="TextBox 4"/>
-          <p:cNvSpPr txBox="1"/>
-          <p:nvPr/>
-        </p:nvSpPr>
-        <p:spPr>
-          <a:xfrm>
-            <a:off x="604911" y="450166"/>
-            <a:ext cx="5767753" cy="769441"/>
-          </a:xfrm>
-          <a:prstGeom prst="rect">
-            <a:avLst/>
-          </a:prstGeom>
-          <a:noFill/>
-        </p:spPr>
-        <p:txBody>
-          <a:bodyPr wrap="square" rtlCol="0">
-            <a:spAutoFit/>
-          </a:bodyPr>
-          <a:lstStyle/>
-          <a:p>
-            <a:r>
-              <a:rPr lang="en-SG" sz="4400" dirty="0"/>
-              <a:t>Swarm Intelligence (SI)</a:t>
-            </a:r>
-          </a:p>
-        </p:txBody>
-      </p:sp>
-      <p:sp>
-        <p:nvSpPr>
-          <p:cNvPr id="3" name="Slide Number Placeholder 2"/>
-          <p:cNvSpPr>
-            <a:spLocks noGrp="1"/>
-          </p:cNvSpPr>
-          <p:nvPr>
-            <p:ph type="sldNum" sz="quarter" idx="12"/>
-          </p:nvPr>
-        </p:nvSpPr>
-        <p:spPr/>
-        <p:txBody>
-          <a:bodyPr/>
-          <a:lstStyle/>
-          <a:p>
-            <a:fld id="{17AF8967-FE9A-4707-8B19-D7BDA74EDCF9}" type="slidenum">
-              <a:rPr lang="en-SG" smtClean="0"/>
-              <a:t>3</a:t>
-            </a:fld>
-            <a:endParaRPr lang="en-SG"/>
-          </a:p>
-        </p:txBody>
-      </p:sp>
-    </p:spTree>
-    <p:extLst>
-      <p:ext uri="{BB962C8B-B14F-4D97-AF65-F5344CB8AC3E}">
-        <p14:creationId xmlns:p14="http://schemas.microsoft.com/office/powerpoint/2010/main" val="3788114695"/>
-      </p:ext>
-    </p:extLst>
-  </p:cSld>
-  <p:clrMapOvr>
-    <a:masterClrMapping/>
-  </p:clrMapOvr>
-  <p:timing>
-    <p:tnLst>
-      <p:par>
-        <p:cTn id="1" dur="indefinite" restart="never" nodeType="tmRoot"/>
-      </p:par>
-    </p:tnLst>
-  </p:timing>
-</p:sld>
-</file>
-
-<file path=ppt/slides/slide4.xml><?xml version="1.0" encoding="utf-8"?>
-<p:sld xmlns:a="http://schemas.openxmlformats.org/drawingml/2006/main" xmlns:r="http://schemas.openxmlformats.org/officeDocument/2006/relationships" xmlns:p="http://schemas.openxmlformats.org/presentationml/2006/main">
-  <p:cSld>
-    <p:spTree>
-      <p:nvGrpSpPr>
-        <p:cNvPr id="1" name=""/>
-        <p:cNvGrpSpPr/>
-        <p:nvPr/>
-      </p:nvGrpSpPr>
-      <p:grpSpPr>
-        <a:xfrm>
-          <a:off x="0" y="0"/>
-          <a:ext cx="0" cy="0"/>
-          <a:chOff x="0" y="0"/>
-          <a:chExt cx="0" cy="0"/>
-        </a:xfrm>
-      </p:grpSpPr>
-      <p:sp>
-        <p:nvSpPr>
-          <p:cNvPr id="2" name="TextBox 1"/>
-          <p:cNvSpPr txBox="1"/>
-          <p:nvPr/>
-        </p:nvSpPr>
-        <p:spPr>
-          <a:xfrm>
             <a:off x="604912" y="1905505"/>
             <a:ext cx="7104184" cy="4154984"/>
           </a:xfrm>
@@ -3831,7 +6647,6 @@
               <a:rPr lang="en-US" sz="2400" dirty="0" smtClean="0"/>
               <a:t>.</a:t>
             </a:r>
-            <a:endParaRPr lang="en-US" sz="2400" dirty="0" smtClean="0"/>
           </a:p>
           <a:p>
             <a:pPr marL="342900" indent="-342900" algn="just">
@@ -3938,7 +6753,6 @@
               <a:rPr lang="en-US" sz="2400" dirty="0" smtClean="0"/>
               <a:t>”.</a:t>
             </a:r>
-            <a:endParaRPr lang="en-US" sz="2400" dirty="0" smtClean="0"/>
           </a:p>
         </p:txBody>
       </p:sp>
@@ -4036,7 +6850,7 @@
           <a:p>
             <a:fld id="{17AF8967-FE9A-4707-8B19-D7BDA74EDCF9}" type="slidenum">
               <a:rPr lang="en-SG" smtClean="0"/>
-              <a:t>4</a:t>
+              <a:t>3</a:t>
             </a:fld>
             <a:endParaRPr lang="en-SG"/>
           </a:p>
@@ -4062,7 +6876,7 @@
 </p:sld>
 </file>
 
-<file path=ppt/slides/slide5.xml><?xml version="1.0" encoding="utf-8"?>
+<file path=ppt/slides/slide4.xml><?xml version="1.0" encoding="utf-8"?>
 <p:sld xmlns:a="http://schemas.openxmlformats.org/drawingml/2006/main" xmlns:r="http://schemas.openxmlformats.org/officeDocument/2006/relationships" xmlns:p="http://schemas.openxmlformats.org/presentationml/2006/main">
   <p:cSld>
     <p:spTree>
@@ -4088,126 +6902,6 @@
         <p:spPr>
           <a:xfrm>
             <a:off x="604911" y="422030"/>
-            <a:ext cx="9734843" cy="1446550"/>
-          </a:xfrm>
-          <a:prstGeom prst="rect">
-            <a:avLst/>
-          </a:prstGeom>
-          <a:noFill/>
-        </p:spPr>
-        <p:txBody>
-          <a:bodyPr wrap="square" rtlCol="0">
-            <a:spAutoFit/>
-          </a:bodyPr>
-          <a:lstStyle/>
-          <a:p>
-            <a:r>
-              <a:rPr lang="en-SG" sz="4400" dirty="0"/>
-              <a:t>Jellyfish Search (JS) </a:t>
-            </a:r>
-            <a:r>
-              <a:rPr lang="en-SG" sz="4400" dirty="0" smtClean="0"/>
-              <a:t>optimizer</a:t>
-            </a:r>
-          </a:p>
-          <a:p>
-            <a:endParaRPr lang="en-SG" sz="4400" dirty="0"/>
-          </a:p>
-        </p:txBody>
-      </p:sp>
-      <p:pic>
-        <p:nvPicPr>
-          <p:cNvPr id="3" name="Picture 2"/>
-          <p:cNvPicPr>
-            <a:picLocks noChangeAspect="1"/>
-          </p:cNvPicPr>
-          <p:nvPr/>
-        </p:nvPicPr>
-        <p:blipFill>
-          <a:blip r:embed="rId2"/>
-          <a:stretch>
-            <a:fillRect/>
-          </a:stretch>
-        </p:blipFill>
-        <p:spPr>
-          <a:xfrm>
-            <a:off x="2268979" y="1145305"/>
-            <a:ext cx="8070775" cy="5462386"/>
-          </a:xfrm>
-          <a:prstGeom prst="rect">
-            <a:avLst/>
-          </a:prstGeom>
-        </p:spPr>
-      </p:pic>
-      <p:sp>
-        <p:nvSpPr>
-          <p:cNvPr id="5" name="Slide Number Placeholder 4"/>
-          <p:cNvSpPr>
-            <a:spLocks noGrp="1"/>
-          </p:cNvSpPr>
-          <p:nvPr>
-            <p:ph type="sldNum" sz="quarter" idx="12"/>
-          </p:nvPr>
-        </p:nvSpPr>
-        <p:spPr/>
-        <p:txBody>
-          <a:bodyPr/>
-          <a:lstStyle/>
-          <a:p>
-            <a:fld id="{17AF8967-FE9A-4707-8B19-D7BDA74EDCF9}" type="slidenum">
-              <a:rPr lang="en-SG" smtClean="0"/>
-              <a:t>5</a:t>
-            </a:fld>
-            <a:endParaRPr lang="en-SG"/>
-          </a:p>
-        </p:txBody>
-      </p:sp>
-    </p:spTree>
-    <p:extLst>
-      <p:ext uri="{BB962C8B-B14F-4D97-AF65-F5344CB8AC3E}">
-        <p14:creationId xmlns:p14="http://schemas.microsoft.com/office/powerpoint/2010/main" val="24237947"/>
-      </p:ext>
-    </p:extLst>
-  </p:cSld>
-  <p:clrMapOvr>
-    <a:masterClrMapping/>
-  </p:clrMapOvr>
-  <p:timing>
-    <p:tnLst>
-      <p:par>
-        <p:cTn id="1" dur="indefinite" restart="never" nodeType="tmRoot"/>
-      </p:par>
-    </p:tnLst>
-  </p:timing>
-</p:sld>
-</file>
-
-<file path=ppt/slides/slide6.xml><?xml version="1.0" encoding="utf-8"?>
-<p:sld xmlns:a="http://schemas.openxmlformats.org/drawingml/2006/main" xmlns:r="http://schemas.openxmlformats.org/officeDocument/2006/relationships" xmlns:p="http://schemas.openxmlformats.org/presentationml/2006/main">
-  <p:cSld>
-    <p:spTree>
-      <p:nvGrpSpPr>
-        <p:cNvPr id="1" name=""/>
-        <p:cNvGrpSpPr/>
-        <p:nvPr/>
-      </p:nvGrpSpPr>
-      <p:grpSpPr>
-        <a:xfrm>
-          <a:off x="0" y="0"/>
-          <a:ext cx="0" cy="0"/>
-          <a:chOff x="0" y="0"/>
-          <a:chExt cx="0" cy="0"/>
-        </a:xfrm>
-      </p:grpSpPr>
-      <p:sp>
-        <p:nvSpPr>
-          <p:cNvPr id="4" name="TextBox 3"/>
-          <p:cNvSpPr txBox="1"/>
-          <p:nvPr/>
-        </p:nvSpPr>
-        <p:spPr>
-          <a:xfrm>
-            <a:off x="604911" y="422030"/>
             <a:ext cx="9734843" cy="1261884"/>
           </a:xfrm>
           <a:prstGeom prst="rect">
@@ -4243,8 +6937,8 @@
           </a:p>
         </p:txBody>
       </p:sp>
-      <mc:AlternateContent xmlns:mc="http://schemas.openxmlformats.org/markup-compatibility/2006">
-        <mc:Choice xmlns:a14="http://schemas.microsoft.com/office/drawing/2010/main" Requires="a14">
+      <mc:AlternateContent xmlns:mc="http://schemas.openxmlformats.org/markup-compatibility/2006" xmlns:a14="http://schemas.microsoft.com/office/drawing/2010/main">
+        <mc:Choice Requires="a14">
           <p:sp>
             <p:nvSpPr>
               <p:cNvPr id="5" name="TextBox 4"/>
@@ -4317,11 +7011,7 @@
                 </a14:m>
                 <a:r>
                   <a:rPr lang="en-SG" dirty="0"/>
-                  <a:t> Mean locationof</a:t>
-                </a:r>
-                <a:r>
-                  <a:rPr lang="en-SG" dirty="0"/>
-                  <a:t> all </a:t>
+                  <a:t> Mean locationof all </a:t>
                 </a:r>
                 <a:r>
                   <a:rPr lang="en-SG" dirty="0" smtClean="0"/>
@@ -4346,7 +7036,7 @@
             </p:txBody>
           </p:sp>
         </mc:Choice>
-        <mc:Fallback>
+        <mc:Fallback xmlns="">
           <p:sp>
             <p:nvSpPr>
               <p:cNvPr id="5" name="TextBox 4"/>
@@ -4385,8 +7075,8 @@
           </p:sp>
         </mc:Fallback>
       </mc:AlternateContent>
-      <mc:AlternateContent xmlns:mc="http://schemas.openxmlformats.org/markup-compatibility/2006">
-        <mc:Choice xmlns:a14="http://schemas.microsoft.com/office/drawing/2010/main" Requires="a14">
+      <mc:AlternateContent xmlns:mc="http://schemas.openxmlformats.org/markup-compatibility/2006" xmlns:a14="http://schemas.microsoft.com/office/drawing/2010/main">
+        <mc:Choice Requires="a14">
           <p:sp>
             <p:nvSpPr>
               <p:cNvPr id="6" name="TextBox 5"/>
@@ -4448,7 +7138,7 @@
             </p:txBody>
           </p:sp>
         </mc:Choice>
-        <mc:Fallback>
+        <mc:Fallback xmlns="">
           <p:sp>
             <p:nvSpPr>
               <p:cNvPr id="6" name="TextBox 5"/>
@@ -4559,8 +7249,8 @@
           </a:prstGeom>
         </p:spPr>
       </p:pic>
-      <mc:AlternateContent xmlns:mc="http://schemas.openxmlformats.org/markup-compatibility/2006">
-        <mc:Choice xmlns:a14="http://schemas.microsoft.com/office/drawing/2010/main" Requires="a14">
+      <mc:AlternateContent xmlns:mc="http://schemas.openxmlformats.org/markup-compatibility/2006" xmlns:a14="http://schemas.microsoft.com/office/drawing/2010/main">
+        <mc:Choice Requires="a14">
           <p:sp>
             <p:nvSpPr>
               <p:cNvPr id="13" name="Rectangle 12"/>
@@ -4612,7 +7302,7 @@
             </p:txBody>
           </p:sp>
         </mc:Choice>
-        <mc:Fallback>
+        <mc:Fallback xmlns="">
           <p:sp>
             <p:nvSpPr>
               <p:cNvPr id="13" name="Rectangle 12"/>
@@ -4668,7 +7358,7 @@
           <a:p>
             <a:fld id="{17AF8967-FE9A-4707-8B19-D7BDA74EDCF9}" type="slidenum">
               <a:rPr lang="en-SG" smtClean="0"/>
-              <a:t>6</a:t>
+              <a:t>4</a:t>
             </a:fld>
             <a:endParaRPr lang="en-SG"/>
           </a:p>
@@ -4694,7 +7384,7 @@
 </p:sld>
 </file>
 
-<file path=ppt/slides/slide7.xml><?xml version="1.0" encoding="utf-8"?>
+<file path=ppt/slides/slide5.xml><?xml version="1.0" encoding="utf-8"?>
 <p:sld xmlns:a="http://schemas.openxmlformats.org/drawingml/2006/main" xmlns:r="http://schemas.openxmlformats.org/officeDocument/2006/relationships" xmlns:p="http://schemas.openxmlformats.org/presentationml/2006/main">
   <p:cSld>
     <p:spTree>
@@ -4822,7 +7512,7 @@
           <a:p>
             <a:fld id="{17AF8967-FE9A-4707-8B19-D7BDA74EDCF9}" type="slidenum">
               <a:rPr lang="en-SG" smtClean="0"/>
-              <a:t>7</a:t>
+              <a:t>5</a:t>
             </a:fld>
             <a:endParaRPr lang="en-SG"/>
           </a:p>
@@ -4852,8 +7542,8 @@
           </a:prstGeom>
         </p:spPr>
       </p:pic>
-      <mc:AlternateContent xmlns:mc="http://schemas.openxmlformats.org/markup-compatibility/2006">
-        <mc:Choice xmlns:a14="http://schemas.microsoft.com/office/drawing/2010/main" Requires="a14">
+      <mc:AlternateContent xmlns:mc="http://schemas.openxmlformats.org/markup-compatibility/2006" xmlns:a14="http://schemas.microsoft.com/office/drawing/2010/main">
+        <mc:Choice Requires="a14">
           <p:sp>
             <p:nvSpPr>
               <p:cNvPr id="3" name="Rectangle 2"/>
@@ -4993,7 +7683,7 @@
             </p:txBody>
           </p:sp>
         </mc:Choice>
-        <mc:Fallback>
+        <mc:Fallback xmlns="">
           <p:sp>
             <p:nvSpPr>
               <p:cNvPr id="3" name="Rectangle 2"/>
@@ -5102,7 +7792,7 @@
       </p:pic>
       <p:pic>
         <p:nvPicPr>
-          <p:cNvPr id="8" name="Picture 7"/>
+          <p:cNvPr id="16" name="Picture 15"/>
           <p:cNvPicPr>
             <a:picLocks noChangeAspect="1"/>
           </p:cNvPicPr>
@@ -5110,30 +7800,6 @@
         </p:nvPicPr>
         <p:blipFill>
           <a:blip r:embed="rId5"/>
-          <a:stretch>
-            <a:fillRect/>
-          </a:stretch>
-        </p:blipFill>
-        <p:spPr>
-          <a:xfrm>
-            <a:off x="787426" y="3761824"/>
-            <a:ext cx="7226470" cy="2716718"/>
-          </a:xfrm>
-          <a:prstGeom prst="rect">
-            <a:avLst/>
-          </a:prstGeom>
-        </p:spPr>
-      </p:pic>
-      <p:pic>
-        <p:nvPicPr>
-          <p:cNvPr id="16" name="Picture 15"/>
-          <p:cNvPicPr>
-            <a:picLocks noChangeAspect="1"/>
-          </p:cNvPicPr>
-          <p:nvPr/>
-        </p:nvPicPr>
-        <p:blipFill>
-          <a:blip r:embed="rId6"/>
           <a:stretch>
             <a:fillRect/>
           </a:stretch>
@@ -5157,7 +7823,7 @@
           <p:nvPr/>
         </p:nvPicPr>
         <p:blipFill>
-          <a:blip r:embed="rId7"/>
+          <a:blip r:embed="rId6"/>
           <a:stretch>
             <a:fillRect/>
           </a:stretch>
@@ -5166,6 +7832,30 @@
           <a:xfrm>
             <a:off x="1256350" y="5485182"/>
             <a:ext cx="2799355" cy="507655"/>
+          </a:xfrm>
+          <a:prstGeom prst="rect">
+            <a:avLst/>
+          </a:prstGeom>
+        </p:spPr>
+      </p:pic>
+      <p:pic>
+        <p:nvPicPr>
+          <p:cNvPr id="8" name="Picture 7"/>
+          <p:cNvPicPr>
+            <a:picLocks noChangeAspect="1"/>
+          </p:cNvPicPr>
+          <p:nvPr/>
+        </p:nvPicPr>
+        <p:blipFill>
+          <a:blip r:embed="rId7"/>
+          <a:stretch>
+            <a:fillRect/>
+          </a:stretch>
+        </p:blipFill>
+        <p:spPr>
+          <a:xfrm>
+            <a:off x="787426" y="3761824"/>
+            <a:ext cx="7226470" cy="2716718"/>
           </a:xfrm>
           <a:prstGeom prst="rect">
             <a:avLst/>
@@ -5268,6 +7958,349 @@
 </p:sld>
 </file>
 
+<file path=ppt/slides/slide6.xml><?xml version="1.0" encoding="utf-8"?>
+<p:sld xmlns:a="http://schemas.openxmlformats.org/drawingml/2006/main" xmlns:r="http://schemas.openxmlformats.org/officeDocument/2006/relationships" xmlns:p="http://schemas.openxmlformats.org/presentationml/2006/main">
+  <p:cSld>
+    <p:spTree>
+      <p:nvGrpSpPr>
+        <p:cNvPr id="1" name=""/>
+        <p:cNvGrpSpPr/>
+        <p:nvPr/>
+      </p:nvGrpSpPr>
+      <p:grpSpPr>
+        <a:xfrm>
+          <a:off x="0" y="0"/>
+          <a:ext cx="0" cy="0"/>
+          <a:chOff x="0" y="0"/>
+          <a:chExt cx="0" cy="0"/>
+        </a:xfrm>
+      </p:grpSpPr>
+      <p:sp>
+        <p:nvSpPr>
+          <p:cNvPr id="4" name="TextBox 3"/>
+          <p:cNvSpPr txBox="1"/>
+          <p:nvPr/>
+        </p:nvSpPr>
+        <p:spPr>
+          <a:xfrm>
+            <a:off x="604911" y="422030"/>
+            <a:ext cx="9734843" cy="1261884"/>
+          </a:xfrm>
+          <a:prstGeom prst="rect">
+            <a:avLst/>
+          </a:prstGeom>
+          <a:noFill/>
+        </p:spPr>
+        <p:txBody>
+          <a:bodyPr wrap="square" rtlCol="0">
+            <a:spAutoFit/>
+          </a:bodyPr>
+          <a:lstStyle/>
+          <a:p>
+            <a:r>
+              <a:rPr lang="en-SG" sz="4400" dirty="0"/>
+              <a:t>Jellyfish Search (JS) </a:t>
+            </a:r>
+            <a:r>
+              <a:rPr lang="en-SG" sz="4400" dirty="0" smtClean="0"/>
+              <a:t>optimizer</a:t>
+            </a:r>
+          </a:p>
+          <a:p>
+            <a:r>
+              <a:rPr lang="en-US" sz="3200" dirty="0">
+                <a:latin typeface="+mj-lt"/>
+              </a:rPr>
+              <a:t>Time control mechanism</a:t>
+            </a:r>
+            <a:endParaRPr lang="en-SG" sz="3200" dirty="0" smtClean="0">
+              <a:latin typeface="+mj-lt"/>
+            </a:endParaRPr>
+          </a:p>
+        </p:txBody>
+      </p:sp>
+      <p:sp>
+        <p:nvSpPr>
+          <p:cNvPr id="6" name="TextBox 5"/>
+          <p:cNvSpPr txBox="1"/>
+          <p:nvPr/>
+        </p:nvSpPr>
+        <p:spPr>
+          <a:xfrm>
+            <a:off x="6260123" y="1683914"/>
+            <a:ext cx="5317589" cy="2308324"/>
+          </a:xfrm>
+          <a:prstGeom prst="rect">
+            <a:avLst/>
+          </a:prstGeom>
+          <a:noFill/>
+        </p:spPr>
+        <p:txBody>
+          <a:bodyPr wrap="square" rtlCol="0">
+            <a:spAutoFit/>
+          </a:bodyPr>
+          <a:lstStyle/>
+          <a:p>
+            <a:pPr marL="342900" indent="-342900">
+              <a:buFont typeface="Arial" panose="020B0604020202020204" pitchFamily="34" charset="0"/>
+              <a:buChar char="•"/>
+            </a:pPr>
+            <a:r>
+              <a:rPr lang="en-US" sz="2400" dirty="0" smtClean="0"/>
+              <a:t>To regulate the movement </a:t>
+            </a:r>
+            <a:r>
+              <a:rPr lang="en-US" sz="2400" dirty="0"/>
+              <a:t>between following the ocean current and moving inside the jellyfish </a:t>
+            </a:r>
+            <a:r>
+              <a:rPr lang="en-US" sz="2400" dirty="0" smtClean="0"/>
+              <a:t>swarm.</a:t>
+            </a:r>
+          </a:p>
+          <a:p>
+            <a:endParaRPr lang="en-US" sz="2400" dirty="0" smtClean="0"/>
+          </a:p>
+          <a:p>
+            <a:pPr marL="342900" indent="-342900">
+              <a:buFont typeface="Arial" panose="020B0604020202020204" pitchFamily="34" charset="0"/>
+              <a:buChar char="•"/>
+            </a:pPr>
+            <a:r>
+              <a:rPr lang="en-US" sz="2400" dirty="0" smtClean="0"/>
+              <a:t>It </a:t>
+            </a:r>
+            <a:r>
+              <a:rPr lang="en-US" sz="2400" dirty="0"/>
+              <a:t>includes a time </a:t>
+            </a:r>
+            <a:r>
+              <a:rPr lang="en-US" sz="2400" dirty="0" smtClean="0"/>
+              <a:t>control </a:t>
+            </a:r>
+            <a:r>
+              <a:rPr lang="en-US" sz="2400" dirty="0"/>
+              <a:t>function c(t) and a constant </a:t>
+            </a:r>
+            <a:r>
+              <a:rPr lang="en-US" sz="2400" dirty="0" smtClean="0"/>
+              <a:t>Co. </a:t>
+            </a:r>
+            <a:endParaRPr lang="en-US" sz="2400" dirty="0" smtClean="0"/>
+          </a:p>
+        </p:txBody>
+      </p:sp>
+      <p:sp>
+        <p:nvSpPr>
+          <p:cNvPr id="14" name="Slide Number Placeholder 13"/>
+          <p:cNvSpPr>
+            <a:spLocks noGrp="1"/>
+          </p:cNvSpPr>
+          <p:nvPr>
+            <p:ph type="sldNum" sz="quarter" idx="12"/>
+          </p:nvPr>
+        </p:nvSpPr>
+        <p:spPr/>
+        <p:txBody>
+          <a:bodyPr/>
+          <a:lstStyle/>
+          <a:p>
+            <a:fld id="{17AF8967-FE9A-4707-8B19-D7BDA74EDCF9}" type="slidenum">
+              <a:rPr lang="en-SG" smtClean="0"/>
+              <a:t>6</a:t>
+            </a:fld>
+            <a:endParaRPr lang="en-SG"/>
+          </a:p>
+        </p:txBody>
+      </p:sp>
+      <p:pic>
+        <p:nvPicPr>
+          <p:cNvPr id="5" name="Picture 4"/>
+          <p:cNvPicPr>
+            <a:picLocks noChangeAspect="1"/>
+          </p:cNvPicPr>
+          <p:nvPr/>
+        </p:nvPicPr>
+        <p:blipFill>
+          <a:blip r:embed="rId2"/>
+          <a:stretch>
+            <a:fillRect/>
+          </a:stretch>
+        </p:blipFill>
+        <p:spPr>
+          <a:xfrm>
+            <a:off x="604911" y="1683914"/>
+            <a:ext cx="5373858" cy="4953384"/>
+          </a:xfrm>
+          <a:prstGeom prst="rect">
+            <a:avLst/>
+          </a:prstGeom>
+        </p:spPr>
+      </p:pic>
+      <p:pic>
+        <p:nvPicPr>
+          <p:cNvPr id="7" name="Picture 6"/>
+          <p:cNvPicPr>
+            <a:picLocks noChangeAspect="1"/>
+          </p:cNvPicPr>
+          <p:nvPr/>
+        </p:nvPicPr>
+        <p:blipFill>
+          <a:blip r:embed="rId3"/>
+          <a:stretch>
+            <a:fillRect/>
+          </a:stretch>
+        </p:blipFill>
+        <p:spPr>
+          <a:xfrm>
+            <a:off x="6863198" y="4048026"/>
+            <a:ext cx="4714514" cy="664651"/>
+          </a:xfrm>
+          <a:prstGeom prst="rect">
+            <a:avLst/>
+          </a:prstGeom>
+        </p:spPr>
+      </p:pic>
+    </p:spTree>
+    <p:extLst>
+      <p:ext uri="{BB962C8B-B14F-4D97-AF65-F5344CB8AC3E}">
+        <p14:creationId xmlns:p14="http://schemas.microsoft.com/office/powerpoint/2010/main" val="1827265461"/>
+      </p:ext>
+    </p:extLst>
+  </p:cSld>
+  <p:clrMapOvr>
+    <a:masterClrMapping/>
+  </p:clrMapOvr>
+  <p:timing>
+    <p:tnLst>
+      <p:par>
+        <p:cTn id="1" dur="indefinite" restart="never" nodeType="tmRoot"/>
+      </p:par>
+    </p:tnLst>
+  </p:timing>
+</p:sld>
+</file>
+
+<file path=ppt/slides/slide7.xml><?xml version="1.0" encoding="utf-8"?>
+<p:sld xmlns:a="http://schemas.openxmlformats.org/drawingml/2006/main" xmlns:r="http://schemas.openxmlformats.org/officeDocument/2006/relationships" xmlns:p="http://schemas.openxmlformats.org/presentationml/2006/main">
+  <p:cSld>
+    <p:spTree>
+      <p:nvGrpSpPr>
+        <p:cNvPr id="1" name=""/>
+        <p:cNvGrpSpPr/>
+        <p:nvPr/>
+      </p:nvGrpSpPr>
+      <p:grpSpPr>
+        <a:xfrm>
+          <a:off x="0" y="0"/>
+          <a:ext cx="0" cy="0"/>
+          <a:chOff x="0" y="0"/>
+          <a:chExt cx="0" cy="0"/>
+        </a:xfrm>
+      </p:grpSpPr>
+      <p:sp>
+        <p:nvSpPr>
+          <p:cNvPr id="4" name="TextBox 3"/>
+          <p:cNvSpPr txBox="1"/>
+          <p:nvPr/>
+        </p:nvSpPr>
+        <p:spPr>
+          <a:xfrm>
+            <a:off x="604911" y="422030"/>
+            <a:ext cx="9734843" cy="1446550"/>
+          </a:xfrm>
+          <a:prstGeom prst="rect">
+            <a:avLst/>
+          </a:prstGeom>
+          <a:noFill/>
+        </p:spPr>
+        <p:txBody>
+          <a:bodyPr wrap="square" rtlCol="0">
+            <a:spAutoFit/>
+          </a:bodyPr>
+          <a:lstStyle/>
+          <a:p>
+            <a:r>
+              <a:rPr lang="en-SG" sz="4400" dirty="0"/>
+              <a:t>Jellyfish Search (JS) </a:t>
+            </a:r>
+            <a:r>
+              <a:rPr lang="en-SG" sz="4400" dirty="0" smtClean="0"/>
+              <a:t>optimizer</a:t>
+            </a:r>
+          </a:p>
+          <a:p>
+            <a:endParaRPr lang="en-SG" sz="4400" dirty="0"/>
+          </a:p>
+        </p:txBody>
+      </p:sp>
+      <p:pic>
+        <p:nvPicPr>
+          <p:cNvPr id="3" name="Picture 2"/>
+          <p:cNvPicPr>
+            <a:picLocks noChangeAspect="1"/>
+          </p:cNvPicPr>
+          <p:nvPr/>
+        </p:nvPicPr>
+        <p:blipFill>
+          <a:blip r:embed="rId2"/>
+          <a:stretch>
+            <a:fillRect/>
+          </a:stretch>
+        </p:blipFill>
+        <p:spPr>
+          <a:xfrm>
+            <a:off x="2268979" y="1145305"/>
+            <a:ext cx="8070775" cy="5462386"/>
+          </a:xfrm>
+          <a:prstGeom prst="rect">
+            <a:avLst/>
+          </a:prstGeom>
+        </p:spPr>
+      </p:pic>
+      <p:sp>
+        <p:nvSpPr>
+          <p:cNvPr id="5" name="Slide Number Placeholder 4"/>
+          <p:cNvSpPr>
+            <a:spLocks noGrp="1"/>
+          </p:cNvSpPr>
+          <p:nvPr>
+            <p:ph type="sldNum" sz="quarter" idx="12"/>
+          </p:nvPr>
+        </p:nvSpPr>
+        <p:spPr/>
+        <p:txBody>
+          <a:bodyPr/>
+          <a:lstStyle/>
+          <a:p>
+            <a:fld id="{17AF8967-FE9A-4707-8B19-D7BDA74EDCF9}" type="slidenum">
+              <a:rPr lang="en-SG" smtClean="0"/>
+              <a:t>7</a:t>
+            </a:fld>
+            <a:endParaRPr lang="en-SG"/>
+          </a:p>
+        </p:txBody>
+      </p:sp>
+    </p:spTree>
+    <p:extLst>
+      <p:ext uri="{BB962C8B-B14F-4D97-AF65-F5344CB8AC3E}">
+        <p14:creationId xmlns:p14="http://schemas.microsoft.com/office/powerpoint/2010/main" val="24237947"/>
+      </p:ext>
+    </p:extLst>
+  </p:cSld>
+  <p:clrMapOvr>
+    <a:masterClrMapping/>
+  </p:clrMapOvr>
+  <p:timing>
+    <p:tnLst>
+      <p:par>
+        <p:cTn id="1" dur="indefinite" restart="never" nodeType="tmRoot"/>
+      </p:par>
+    </p:tnLst>
+  </p:timing>
+</p:sld>
+</file>
+
 <file path=ppt/slides/slide8.xml><?xml version="1.0" encoding="utf-8"?>
 <p:sld xmlns:a="http://schemas.openxmlformats.org/drawingml/2006/main" xmlns:r="http://schemas.openxmlformats.org/officeDocument/2006/relationships" xmlns:p="http://schemas.openxmlformats.org/presentationml/2006/main">
   <p:cSld>
@@ -5294,6 +8327,132 @@
         <p:spPr>
           <a:xfrm>
             <a:off x="604911" y="422030"/>
+            <a:ext cx="9734843" cy="1446550"/>
+          </a:xfrm>
+          <a:prstGeom prst="rect">
+            <a:avLst/>
+          </a:prstGeom>
+          <a:noFill/>
+        </p:spPr>
+        <p:txBody>
+          <a:bodyPr wrap="square" rtlCol="0">
+            <a:spAutoFit/>
+          </a:bodyPr>
+          <a:lstStyle/>
+          <a:p>
+            <a:r>
+              <a:rPr lang="en-SG" sz="4400" dirty="0"/>
+              <a:t>Jellyfish Search (JS) </a:t>
+            </a:r>
+            <a:r>
+              <a:rPr lang="en-SG" sz="4400" dirty="0" smtClean="0"/>
+              <a:t>optimizer</a:t>
+            </a:r>
+          </a:p>
+          <a:p>
+            <a:endParaRPr lang="en-SG" sz="4400" dirty="0"/>
+          </a:p>
+        </p:txBody>
+      </p:sp>
+      <p:sp>
+        <p:nvSpPr>
+          <p:cNvPr id="5" name="Slide Number Placeholder 4"/>
+          <p:cNvSpPr>
+            <a:spLocks noGrp="1"/>
+          </p:cNvSpPr>
+          <p:nvPr>
+            <p:ph type="sldNum" sz="quarter" idx="12"/>
+          </p:nvPr>
+        </p:nvSpPr>
+        <p:spPr/>
+        <p:txBody>
+          <a:bodyPr/>
+          <a:lstStyle/>
+          <a:p>
+            <a:fld id="{17AF8967-FE9A-4707-8B19-D7BDA74EDCF9}" type="slidenum">
+              <a:rPr lang="en-SG" smtClean="0"/>
+              <a:t>8</a:t>
+            </a:fld>
+            <a:endParaRPr lang="en-SG"/>
+          </a:p>
+        </p:txBody>
+      </p:sp>
+      <p:pic>
+        <p:nvPicPr>
+          <p:cNvPr id="7" name="Picture 6"/>
+          <p:cNvPicPr>
+            <a:picLocks noChangeAspect="1"/>
+          </p:cNvPicPr>
+          <p:nvPr/>
+        </p:nvPicPr>
+        <p:blipFill>
+          <a:blip r:embed="rId2" cstate="print">
+            <a:extLst>
+              <a:ext uri="{28A0092B-C50C-407E-A947-70E740481C1C}">
+                <a14:useLocalDpi xmlns:a14="http://schemas.microsoft.com/office/drawing/2010/main" val="0"/>
+              </a:ext>
+            </a:extLst>
+          </a:blip>
+          <a:stretch>
+            <a:fillRect/>
+          </a:stretch>
+        </p:blipFill>
+        <p:spPr>
+          <a:xfrm>
+            <a:off x="1899581" y="1273824"/>
+            <a:ext cx="7145502" cy="5447651"/>
+          </a:xfrm>
+          <a:prstGeom prst="rect">
+            <a:avLst/>
+          </a:prstGeom>
+        </p:spPr>
+      </p:pic>
+    </p:spTree>
+    <p:extLst>
+      <p:ext uri="{BB962C8B-B14F-4D97-AF65-F5344CB8AC3E}">
+        <p14:creationId xmlns:p14="http://schemas.microsoft.com/office/powerpoint/2010/main" val="613568934"/>
+      </p:ext>
+    </p:extLst>
+  </p:cSld>
+  <p:clrMapOvr>
+    <a:masterClrMapping/>
+  </p:clrMapOvr>
+  <p:timing>
+    <p:tnLst>
+      <p:par>
+        <p:cTn id="1" dur="indefinite" restart="never" nodeType="tmRoot"/>
+      </p:par>
+    </p:tnLst>
+  </p:timing>
+</p:sld>
+</file>
+
+<file path=ppt/slides/slide9.xml><?xml version="1.0" encoding="utf-8"?>
+<p:sld xmlns:a="http://schemas.openxmlformats.org/drawingml/2006/main" xmlns:r="http://schemas.openxmlformats.org/officeDocument/2006/relationships" xmlns:p="http://schemas.openxmlformats.org/presentationml/2006/main">
+  <p:cSld>
+    <p:spTree>
+      <p:nvGrpSpPr>
+        <p:cNvPr id="1" name=""/>
+        <p:cNvGrpSpPr/>
+        <p:nvPr/>
+      </p:nvGrpSpPr>
+      <p:grpSpPr>
+        <a:xfrm>
+          <a:off x="0" y="0"/>
+          <a:ext cx="0" cy="0"/>
+          <a:chOff x="0" y="0"/>
+          <a:chExt cx="0" cy="0"/>
+        </a:xfrm>
+      </p:grpSpPr>
+      <p:sp>
+        <p:nvSpPr>
+          <p:cNvPr id="4" name="TextBox 3"/>
+          <p:cNvSpPr txBox="1"/>
+          <p:nvPr/>
+        </p:nvSpPr>
+        <p:spPr>
+          <a:xfrm>
+            <a:off x="604911" y="422030"/>
             <a:ext cx="9734843" cy="1261884"/>
           </a:xfrm>
           <a:prstGeom prst="rect">
@@ -5321,7 +8480,7 @@
               <a:rPr lang="en-US" sz="3200" dirty="0">
                 <a:latin typeface="+mj-lt"/>
               </a:rPr>
-              <a:t>Time control mechanism</a:t>
+              <a:t>Schematic representation of artificial JS optimizer</a:t>
             </a:r>
             <a:endParaRPr lang="en-SG" sz="3200" dirty="0" smtClean="0">
               <a:latin typeface="+mj-lt"/>
@@ -5329,40 +8488,28 @@
           </a:p>
         </p:txBody>
       </p:sp>
-      <p:sp>
-        <p:nvSpPr>
-          <p:cNvPr id="6" name="TextBox 5"/>
-          <p:cNvSpPr txBox="1"/>
-          <p:nvPr/>
-        </p:nvSpPr>
-        <p:spPr>
-          <a:xfrm>
-            <a:off x="604910" y="2011679"/>
-            <a:ext cx="10972801" cy="830997"/>
-          </a:xfrm>
-          <a:prstGeom prst="rect">
-            <a:avLst/>
-          </a:prstGeom>
-          <a:noFill/>
-        </p:spPr>
-        <p:txBody>
-          <a:bodyPr wrap="square" rtlCol="0">
-            <a:spAutoFit/>
-          </a:bodyPr>
-          <a:lstStyle/>
-          <a:p>
-            <a:r>
-              <a:rPr lang="en-US" sz="2400" dirty="0" smtClean="0"/>
-              <a:t>To regulate the movement </a:t>
-            </a:r>
-            <a:r>
-              <a:rPr lang="en-US" sz="2400" dirty="0"/>
-              <a:t>between following the ocean current and moving inside the jellyfish swarm</a:t>
-            </a:r>
-            <a:endParaRPr lang="en-US" sz="2400" dirty="0" smtClean="0"/>
-          </a:p>
-        </p:txBody>
-      </p:sp>
+      <p:graphicFrame>
+        <p:nvGraphicFramePr>
+          <p:cNvPr id="3" name="Diagram 2"/>
+          <p:cNvGraphicFramePr/>
+          <p:nvPr>
+            <p:extLst>
+              <p:ext uri="{D42A27DB-BD31-4B8C-83A1-F6EECF244321}">
+                <p14:modId xmlns:p14="http://schemas.microsoft.com/office/powerpoint/2010/main" val="1494718284"/>
+              </p:ext>
+            </p:extLst>
+          </p:nvPr>
+        </p:nvGraphicFramePr>
+        <p:xfrm>
+          <a:off x="746759" y="2134082"/>
+          <a:ext cx="10607041" cy="3746213"/>
+        </p:xfrm>
+        <a:graphic>
+          <a:graphicData uri="http://schemas.openxmlformats.org/drawingml/2006/diagram">
+            <dgm:relIds xmlns:dgm="http://schemas.openxmlformats.org/drawingml/2006/diagram" xmlns:r="http://schemas.openxmlformats.org/officeDocument/2006/relationships" r:dm="rId2" r:lo="rId3" r:qs="rId4" r:cs="rId5"/>
+          </a:graphicData>
+        </a:graphic>
+      </p:graphicFrame>
       <p:sp>
         <p:nvSpPr>
           <p:cNvPr id="14" name="Slide Number Placeholder 13"/>
@@ -5380,7 +8527,7 @@
           <a:p>
             <a:fld id="{17AF8967-FE9A-4707-8B19-D7BDA74EDCF9}" type="slidenum">
               <a:rPr lang="en-SG" smtClean="0"/>
-              <a:t>8</a:t>
+              <a:t>9</a:t>
             </a:fld>
             <a:endParaRPr lang="en-SG"/>
           </a:p>
@@ -5389,7 +8536,7 @@
     </p:spTree>
     <p:extLst>
       <p:ext uri="{BB962C8B-B14F-4D97-AF65-F5344CB8AC3E}">
-        <p14:creationId xmlns:p14="http://schemas.microsoft.com/office/powerpoint/2010/main" val="1827265461"/>
+        <p14:creationId xmlns:p14="http://schemas.microsoft.com/office/powerpoint/2010/main" val="1203712095"/>
       </p:ext>
     </p:extLst>
   </p:cSld>

--- a/Jellyfish.pptx
+++ b/Jellyfish.pptx
@@ -1126,6 +1126,13 @@
         </dgm:presLayoutVars>
       </dgm:prSet>
       <dgm:spPr/>
+      <dgm:t>
+        <a:bodyPr/>
+        <a:lstStyle/>
+        <a:p>
+          <a:endParaRPr lang="en-US"/>
+        </a:p>
+      </dgm:t>
     </dgm:pt>
     <dgm:pt modelId="{F2BCC6B5-8011-472E-B3DE-AA00F639146D}" type="pres">
       <dgm:prSet presAssocID="{6C722240-84A9-4010-A01B-E5287200BA04}" presName="horFlow" presStyleCnt="0"/>
@@ -1153,6 +1160,13 @@
         </dgm:presLayoutVars>
       </dgm:prSet>
       <dgm:spPr/>
+      <dgm:t>
+        <a:bodyPr/>
+        <a:lstStyle/>
+        <a:p>
+          <a:endParaRPr lang="en-US"/>
+        </a:p>
+      </dgm:t>
     </dgm:pt>
     <dgm:pt modelId="{3A9F264B-D83F-4973-807A-61C561812DF9}" type="pres">
       <dgm:prSet presAssocID="{6C722240-84A9-4010-A01B-E5287200BA04}" presName="vSp" presStyleCnt="0"/>
@@ -1184,6 +1198,13 @@
         </dgm:presLayoutVars>
       </dgm:prSet>
       <dgm:spPr/>
+      <dgm:t>
+        <a:bodyPr/>
+        <a:lstStyle/>
+        <a:p>
+          <a:endParaRPr lang="en-US"/>
+        </a:p>
+      </dgm:t>
     </dgm:pt>
     <dgm:pt modelId="{EA8B5237-4FF1-4F95-A490-FFF82248DAB3}" type="pres">
       <dgm:prSet presAssocID="{02A8E1A6-693A-42C1-95FD-23E802DE28FF}" presName="vSp" presStyleCnt="0"/>
@@ -1215,22 +1236,29 @@
         </dgm:presLayoutVars>
       </dgm:prSet>
       <dgm:spPr/>
+      <dgm:t>
+        <a:bodyPr/>
+        <a:lstStyle/>
+        <a:p>
+          <a:endParaRPr lang="en-US"/>
+        </a:p>
+      </dgm:t>
     </dgm:pt>
   </dgm:ptLst>
   <dgm:cxnLst>
+    <dgm:cxn modelId="{198A0788-1FD0-48D0-B6E7-A02582A76450}" srcId="{D555CBB9-D7D3-4F6D-8C19-3D2342A87836}" destId="{02A8E1A6-693A-42C1-95FD-23E802DE28FF}" srcOrd="1" destOrd="0" parTransId="{06E6412A-38C8-42BB-837B-1244422715EA}" sibTransId="{96BE12D9-F194-4427-AE81-B6A5C4DBC295}"/>
+    <dgm:cxn modelId="{078EB921-9487-45D6-8DF7-C6D923E0A267}" type="presOf" srcId="{3FA32A64-9A61-48FA-B22F-BFF4DBAC1934}" destId="{833D1511-375D-42E3-9770-BD101E9A877C}" srcOrd="0" destOrd="0" presId="urn:microsoft.com/office/officeart/2005/8/layout/lProcess3"/>
+    <dgm:cxn modelId="{4E95E261-999A-40AF-B89F-907CC3539B45}" srcId="{D555CBB9-D7D3-4F6D-8C19-3D2342A87836}" destId="{6C722240-84A9-4010-A01B-E5287200BA04}" srcOrd="0" destOrd="0" parTransId="{7BE2BCF8-1FD3-4254-8726-999BFEC10178}" sibTransId="{D158A640-7EED-4BCE-9A9F-5DE536A7E41B}"/>
+    <dgm:cxn modelId="{4845AFB6-5036-4993-8935-9979EC40A822}" type="presOf" srcId="{392D7639-9100-4F2C-86B0-027C1452E3FD}" destId="{A24BBA15-4A93-46F9-9D30-310A6FF5A2EE}" srcOrd="0" destOrd="0" presId="urn:microsoft.com/office/officeart/2005/8/layout/lProcess3"/>
+    <dgm:cxn modelId="{E695609A-7125-4D2C-95DC-0BB3B5562A86}" type="presOf" srcId="{AB3C9B49-F361-4DB2-A6F0-3B0D7110D4A9}" destId="{7968FF7C-B889-4521-9C6A-AD8C55609B9C}" srcOrd="0" destOrd="0" presId="urn:microsoft.com/office/officeart/2005/8/layout/lProcess3"/>
     <dgm:cxn modelId="{194C455B-CD1E-4909-B819-658E5A402722}" type="presOf" srcId="{6C722240-84A9-4010-A01B-E5287200BA04}" destId="{AB4BB7F7-8D6C-4CCA-8503-B4F18F0246CC}" srcOrd="0" destOrd="0" presId="urn:microsoft.com/office/officeart/2005/8/layout/lProcess3"/>
-    <dgm:cxn modelId="{078EB921-9487-45D6-8DF7-C6D923E0A267}" type="presOf" srcId="{3FA32A64-9A61-48FA-B22F-BFF4DBAC1934}" destId="{833D1511-375D-42E3-9770-BD101E9A877C}" srcOrd="0" destOrd="0" presId="urn:microsoft.com/office/officeart/2005/8/layout/lProcess3"/>
+    <dgm:cxn modelId="{AE379E01-4869-4111-9489-0242405FCFF9}" srcId="{02A8E1A6-693A-42C1-95FD-23E802DE28FF}" destId="{EFEF2A8E-72D3-4EC8-A283-591D753ADFA0}" srcOrd="0" destOrd="0" parTransId="{3EB5AA7A-70C3-48AD-9139-C0C9ED15140B}" sibTransId="{1A5C7087-E00E-44C5-BB0E-43A3D57EE7DB}"/>
+    <dgm:cxn modelId="{C7AF713D-EA1B-4710-BEC4-A30517AE2526}" type="presOf" srcId="{02A8E1A6-693A-42C1-95FD-23E802DE28FF}" destId="{F9A3CC8C-B46B-42B7-81F3-0827C805D5DA}" srcOrd="0" destOrd="0" presId="urn:microsoft.com/office/officeart/2005/8/layout/lProcess3"/>
+    <dgm:cxn modelId="{62409F35-F67F-4BFA-8188-83B8D4EAF7D3}" srcId="{D555CBB9-D7D3-4F6D-8C19-3D2342A87836}" destId="{3FA32A64-9A61-48FA-B22F-BFF4DBAC1934}" srcOrd="2" destOrd="0" parTransId="{1D076420-37F0-41C6-ABFB-5FF67FADE830}" sibTransId="{95985F65-8894-4B50-A1B1-901823415880}"/>
+    <dgm:cxn modelId="{EB45CFC8-DC0A-4928-98BE-06382EC132FB}" srcId="{6C722240-84A9-4010-A01B-E5287200BA04}" destId="{392D7639-9100-4F2C-86B0-027C1452E3FD}" srcOrd="0" destOrd="0" parTransId="{217D3F4F-BD4E-4ABD-9ECE-2F8770C3CC81}" sibTransId="{ED6A2091-B167-4E07-A708-9AF0310C0773}"/>
     <dgm:cxn modelId="{6F9AC898-C7B6-4667-A982-CE65E6B63730}" type="presOf" srcId="{D555CBB9-D7D3-4F6D-8C19-3D2342A87836}" destId="{0FA3DAA9-3D14-45D8-A12A-665FBB16CBA0}" srcOrd="0" destOrd="0" presId="urn:microsoft.com/office/officeart/2005/8/layout/lProcess3"/>
-    <dgm:cxn modelId="{198A0788-1FD0-48D0-B6E7-A02582A76450}" srcId="{D555CBB9-D7D3-4F6D-8C19-3D2342A87836}" destId="{02A8E1A6-693A-42C1-95FD-23E802DE28FF}" srcOrd="1" destOrd="0" parTransId="{06E6412A-38C8-42BB-837B-1244422715EA}" sibTransId="{96BE12D9-F194-4427-AE81-B6A5C4DBC295}"/>
-    <dgm:cxn modelId="{62409F35-F67F-4BFA-8188-83B8D4EAF7D3}" srcId="{D555CBB9-D7D3-4F6D-8C19-3D2342A87836}" destId="{3FA32A64-9A61-48FA-B22F-BFF4DBAC1934}" srcOrd="2" destOrd="0" parTransId="{1D076420-37F0-41C6-ABFB-5FF67FADE830}" sibTransId="{95985F65-8894-4B50-A1B1-901823415880}"/>
-    <dgm:cxn modelId="{AE379E01-4869-4111-9489-0242405FCFF9}" srcId="{02A8E1A6-693A-42C1-95FD-23E802DE28FF}" destId="{EFEF2A8E-72D3-4EC8-A283-591D753ADFA0}" srcOrd="0" destOrd="0" parTransId="{3EB5AA7A-70C3-48AD-9139-C0C9ED15140B}" sibTransId="{1A5C7087-E00E-44C5-BB0E-43A3D57EE7DB}"/>
-    <dgm:cxn modelId="{4E95E261-999A-40AF-B89F-907CC3539B45}" srcId="{D555CBB9-D7D3-4F6D-8C19-3D2342A87836}" destId="{6C722240-84A9-4010-A01B-E5287200BA04}" srcOrd="0" destOrd="0" parTransId="{7BE2BCF8-1FD3-4254-8726-999BFEC10178}" sibTransId="{D158A640-7EED-4BCE-9A9F-5DE536A7E41B}"/>
-    <dgm:cxn modelId="{E695609A-7125-4D2C-95DC-0BB3B5562A86}" type="presOf" srcId="{AB3C9B49-F361-4DB2-A6F0-3B0D7110D4A9}" destId="{7968FF7C-B889-4521-9C6A-AD8C55609B9C}" srcOrd="0" destOrd="0" presId="urn:microsoft.com/office/officeart/2005/8/layout/lProcess3"/>
-    <dgm:cxn modelId="{C7AF713D-EA1B-4710-BEC4-A30517AE2526}" type="presOf" srcId="{02A8E1A6-693A-42C1-95FD-23E802DE28FF}" destId="{F9A3CC8C-B46B-42B7-81F3-0827C805D5DA}" srcOrd="0" destOrd="0" presId="urn:microsoft.com/office/officeart/2005/8/layout/lProcess3"/>
-    <dgm:cxn modelId="{EB45CFC8-DC0A-4928-98BE-06382EC132FB}" srcId="{6C722240-84A9-4010-A01B-E5287200BA04}" destId="{392D7639-9100-4F2C-86B0-027C1452E3FD}" srcOrd="0" destOrd="0" parTransId="{217D3F4F-BD4E-4ABD-9ECE-2F8770C3CC81}" sibTransId="{ED6A2091-B167-4E07-A708-9AF0310C0773}"/>
     <dgm:cxn modelId="{5431EE85-2430-4848-B551-7458C84BB135}" srcId="{3FA32A64-9A61-48FA-B22F-BFF4DBAC1934}" destId="{AB3C9B49-F361-4DB2-A6F0-3B0D7110D4A9}" srcOrd="0" destOrd="0" parTransId="{45E1173E-6038-4EB4-B416-6DC363FF1BFF}" sibTransId="{E4D3F87B-CC28-4F73-9848-2F9B40206DCD}"/>
     <dgm:cxn modelId="{80DF7A4A-8D73-4C04-9B13-3A224441652F}" type="presOf" srcId="{EFEF2A8E-72D3-4EC8-A283-591D753ADFA0}" destId="{F9674DFA-B579-4DE6-88E0-EF96253DBE43}" srcOrd="0" destOrd="0" presId="urn:microsoft.com/office/officeart/2005/8/layout/lProcess3"/>
-    <dgm:cxn modelId="{4845AFB6-5036-4993-8935-9979EC40A822}" type="presOf" srcId="{392D7639-9100-4F2C-86B0-027C1452E3FD}" destId="{A24BBA15-4A93-46F9-9D30-310A6FF5A2EE}" srcOrd="0" destOrd="0" presId="urn:microsoft.com/office/officeart/2005/8/layout/lProcess3"/>
     <dgm:cxn modelId="{628DBF24-A66A-4AE9-AA59-05A7F77D9659}" type="presParOf" srcId="{0FA3DAA9-3D14-45D8-A12A-665FBB16CBA0}" destId="{F2BCC6B5-8011-472E-B3DE-AA00F639146D}" srcOrd="0" destOrd="0" presId="urn:microsoft.com/office/officeart/2005/8/layout/lProcess3"/>
     <dgm:cxn modelId="{5FBD1967-653A-4793-A855-33DC87B4B066}" type="presParOf" srcId="{F2BCC6B5-8011-472E-B3DE-AA00F639146D}" destId="{AB4BB7F7-8D6C-4CCA-8503-B4F18F0246CC}" srcOrd="0" destOrd="0" presId="urn:microsoft.com/office/officeart/2005/8/layout/lProcess3"/>
     <dgm:cxn modelId="{894AE36F-096D-4655-BB7F-5CE089956CCD}" type="presParOf" srcId="{F2BCC6B5-8011-472E-B3DE-AA00F639146D}" destId="{173A78D6-9465-4FAE-9AC8-A151C5BCE546}" srcOrd="1" destOrd="0" presId="urn:microsoft.com/office/officeart/2005/8/layout/lProcess3"/>
@@ -6317,11 +6345,7 @@
           <a:p>
             <a:r>
               <a:rPr lang="en-US" smtClean="0"/>
-              <a:t>Meta </a:t>
-            </a:r>
-            <a:r>
-              <a:rPr lang="en-US" smtClean="0"/>
-              <a:t>Heuristic </a:t>
+              <a:t>Meta Heuristic </a:t>
             </a:r>
             <a:r>
               <a:rPr lang="en-US" dirty="0" smtClean="0"/>
@@ -6468,13 +6492,14 @@
               <a:buChar char="§"/>
             </a:pPr>
             <a:r>
+              <a:rPr lang="en-US" sz="2400" dirty="0" smtClean="0"/>
+              <a:t>Self-organization </a:t>
+            </a:r>
+            <a:r>
               <a:rPr lang="en-US" sz="2400" dirty="0"/>
-              <a:t>SI systems are typically made up of a population of simple agents interacting locally with one another and with their environment</a:t>
-            </a:r>
-            <a:r>
-              <a:rPr lang="en-US" sz="2400" dirty="0" smtClean="0"/>
-              <a:t>.</a:t>
-            </a:r>
+              <a:t>strategies and independent work of each individual for solving the problems are two important characteristics of the SI methods.</a:t>
+            </a:r>
+            <a:endParaRPr lang="en-US" sz="2400" dirty="0" smtClean="0"/>
           </a:p>
         </p:txBody>
       </p:sp>
@@ -6576,7 +6601,7 @@
         <p:spPr>
           <a:xfrm>
             <a:off x="604912" y="1905505"/>
-            <a:ext cx="7104184" cy="4154984"/>
+            <a:ext cx="7104184" cy="3785652"/>
           </a:xfrm>
           <a:prstGeom prst="rect">
             <a:avLst/>
@@ -6727,32 +6752,13 @@
             </a:r>
             <a:r>
               <a:rPr lang="en-US" sz="2400" dirty="0" smtClean="0"/>
-              <a:t>” use to switch between types of movement and </a:t>
-            </a:r>
-            <a:r>
-              <a:rPr lang="en-US" sz="2400" dirty="0"/>
-              <a:t>ensure </a:t>
+              <a:t>” use to switch between types of </a:t>
             </a:r>
             <a:r>
               <a:rPr lang="en-US" sz="2400" dirty="0" smtClean="0"/>
-              <a:t>to not </a:t>
-            </a:r>
-            <a:r>
-              <a:rPr lang="en-US" sz="2400" dirty="0"/>
-              <a:t>become </a:t>
-            </a:r>
-            <a:r>
-              <a:rPr lang="en-US" sz="2400" dirty="0" smtClean="0"/>
-              <a:t>stranded inside the “</a:t>
-            </a:r>
-            <a:r>
-              <a:rPr lang="en-US" sz="2400" b="1" dirty="0" smtClean="0"/>
-              <a:t>Bloom</a:t>
-            </a:r>
-            <a:r>
-              <a:rPr lang="en-US" sz="2400" dirty="0" smtClean="0"/>
-              <a:t>”.</a:t>
-            </a:r>
+              <a:t>movement.</a:t>
+            </a:r>
+            <a:endParaRPr lang="en-US" sz="2400" dirty="0" smtClean="0"/>
           </a:p>
         </p:txBody>
       </p:sp>
@@ -6937,8 +6943,8 @@
           </a:p>
         </p:txBody>
       </p:sp>
-      <mc:AlternateContent xmlns:mc="http://schemas.openxmlformats.org/markup-compatibility/2006" xmlns:a14="http://schemas.microsoft.com/office/drawing/2010/main">
-        <mc:Choice Requires="a14">
+      <mc:AlternateContent xmlns:mc="http://schemas.openxmlformats.org/markup-compatibility/2006">
+        <mc:Choice xmlns:a14="http://schemas.microsoft.com/office/drawing/2010/main" Requires="a14">
           <p:sp>
             <p:nvSpPr>
               <p:cNvPr id="5" name="TextBox 4"/>
@@ -6947,8 +6953,8 @@
             </p:nvSpPr>
             <p:spPr>
               <a:xfrm>
-                <a:off x="7863840" y="3325542"/>
-                <a:ext cx="3713871" cy="1200329"/>
+                <a:off x="7976382" y="3178632"/>
+                <a:ext cx="3601329" cy="1200329"/>
               </a:xfrm>
               <a:prstGeom prst="rect">
                 <a:avLst/>
@@ -7036,7 +7042,7 @@
             </p:txBody>
           </p:sp>
         </mc:Choice>
-        <mc:Fallback xmlns="">
+        <mc:Fallback>
           <p:sp>
             <p:nvSpPr>
               <p:cNvPr id="5" name="TextBox 4"/>
@@ -7047,8 +7053,8 @@
             </p:nvSpPr>
             <p:spPr>
               <a:xfrm>
-                <a:off x="7863840" y="3325542"/>
-                <a:ext cx="3713871" cy="1200329"/>
+                <a:off x="7976382" y="3178632"/>
+                <a:ext cx="3601329" cy="1200329"/>
               </a:xfrm>
               <a:prstGeom prst="rect">
                 <a:avLst/>
@@ -7056,7 +7062,7 @@
               <a:blipFill>
                 <a:blip r:embed="rId2"/>
                 <a:stretch>
-                  <a:fillRect l="-1314" t="-3061" b="-7653"/>
+                  <a:fillRect l="-1354" t="-2538" r="-338" b="-7107"/>
                 </a:stretch>
               </a:blipFill>
             </p:spPr>
@@ -7364,6 +7370,96 @@
           </a:p>
         </p:txBody>
       </p:sp>
+      <p:sp>
+        <p:nvSpPr>
+          <p:cNvPr id="2" name="TextBox 1"/>
+          <p:cNvSpPr txBox="1"/>
+          <p:nvPr/>
+        </p:nvSpPr>
+        <p:spPr>
+          <a:xfrm>
+            <a:off x="4695458" y="3171083"/>
+            <a:ext cx="1553748" cy="369332"/>
+          </a:xfrm>
+          <a:prstGeom prst="rect">
+            <a:avLst/>
+          </a:prstGeom>
+          <a:noFill/>
+        </p:spPr>
+        <p:txBody>
+          <a:bodyPr wrap="square" rtlCol="0">
+            <a:spAutoFit/>
+          </a:bodyPr>
+          <a:lstStyle/>
+          <a:p>
+            <a:r>
+              <a:rPr lang="en-US" dirty="0" smtClean="0"/>
+              <a:t>………1</a:t>
+            </a:r>
+            <a:endParaRPr lang="en-SG" dirty="0"/>
+          </a:p>
+        </p:txBody>
+      </p:sp>
+      <p:sp>
+        <p:nvSpPr>
+          <p:cNvPr id="15" name="TextBox 14"/>
+          <p:cNvSpPr txBox="1"/>
+          <p:nvPr/>
+        </p:nvSpPr>
+        <p:spPr>
+          <a:xfrm>
+            <a:off x="5072135" y="3672264"/>
+            <a:ext cx="1553748" cy="369332"/>
+          </a:xfrm>
+          <a:prstGeom prst="rect">
+            <a:avLst/>
+          </a:prstGeom>
+          <a:noFill/>
+        </p:spPr>
+        <p:txBody>
+          <a:bodyPr wrap="square" rtlCol="0">
+            <a:spAutoFit/>
+          </a:bodyPr>
+          <a:lstStyle/>
+          <a:p>
+            <a:r>
+              <a:rPr lang="en-US" dirty="0" smtClean="0"/>
+              <a:t>………2</a:t>
+            </a:r>
+            <a:endParaRPr lang="en-SG" dirty="0"/>
+          </a:p>
+        </p:txBody>
+      </p:sp>
+      <p:sp>
+        <p:nvSpPr>
+          <p:cNvPr id="16" name="TextBox 15"/>
+          <p:cNvSpPr txBox="1"/>
+          <p:nvPr/>
+        </p:nvSpPr>
+        <p:spPr>
+          <a:xfrm>
+            <a:off x="7234310" y="4187450"/>
+            <a:ext cx="1553748" cy="369332"/>
+          </a:xfrm>
+          <a:prstGeom prst="rect">
+            <a:avLst/>
+          </a:prstGeom>
+          <a:noFill/>
+        </p:spPr>
+        <p:txBody>
+          <a:bodyPr wrap="square" rtlCol="0">
+            <a:spAutoFit/>
+          </a:bodyPr>
+          <a:lstStyle/>
+          <a:p>
+            <a:r>
+              <a:rPr lang="en-US" dirty="0" smtClean="0"/>
+              <a:t>….3</a:t>
+            </a:r>
+            <a:endParaRPr lang="en-SG" dirty="0"/>
+          </a:p>
+        </p:txBody>
+      </p:sp>
     </p:spTree>
     <p:extLst>
       <p:ext uri="{BB962C8B-B14F-4D97-AF65-F5344CB8AC3E}">
@@ -7862,6 +7958,35 @@
           </a:prstGeom>
         </p:spPr>
       </p:pic>
+      <p:sp>
+        <p:nvSpPr>
+          <p:cNvPr id="5" name="Rectangle 4"/>
+          <p:cNvSpPr/>
+          <p:nvPr/>
+        </p:nvSpPr>
+        <p:spPr>
+          <a:xfrm>
+            <a:off x="6331432" y="2667200"/>
+            <a:ext cx="777777" cy="369332"/>
+          </a:xfrm>
+          <a:prstGeom prst="rect">
+            <a:avLst/>
+          </a:prstGeom>
+        </p:spPr>
+        <p:txBody>
+          <a:bodyPr wrap="none">
+            <a:spAutoFit/>
+          </a:bodyPr>
+          <a:lstStyle/>
+          <a:p>
+            <a:r>
+              <a:rPr lang="en-US" dirty="0" smtClean="0"/>
+              <a:t>………4</a:t>
+            </a:r>
+            <a:endParaRPr lang="en-SG" dirty="0"/>
+          </a:p>
+        </p:txBody>
+      </p:sp>
     </p:spTree>
     <p:extLst>
       <p:ext uri="{BB962C8B-B14F-4D97-AF65-F5344CB8AC3E}">
@@ -8034,6 +8159,9 @@
             <a:avLst/>
           </a:prstGeom>
           <a:noFill/>
+          <a:ln>
+            <a:noFill/>
+          </a:ln>
         </p:spPr>
         <p:txBody>
           <a:bodyPr wrap="square" rtlCol="0">
@@ -8086,7 +8214,6 @@
               <a:rPr lang="en-US" sz="2400" dirty="0" smtClean="0"/>
               <a:t>Co. </a:t>
             </a:r>
-            <a:endParaRPr lang="en-US" sz="2400" dirty="0" smtClean="0"/>
           </a:p>
         </p:txBody>
       </p:sp>
@@ -8153,7 +8280,7 @@
         </p:blipFill>
         <p:spPr>
           <a:xfrm>
-            <a:off x="6863198" y="4048026"/>
+            <a:off x="6639286" y="4048026"/>
             <a:ext cx="4714514" cy="664651"/>
           </a:xfrm>
           <a:prstGeom prst="rect">
@@ -8161,6 +8288,81 @@
           </a:prstGeom>
         </p:spPr>
       </p:pic>
+      <p:sp>
+        <p:nvSpPr>
+          <p:cNvPr id="2" name="Rectangle 1"/>
+          <p:cNvSpPr/>
+          <p:nvPr/>
+        </p:nvSpPr>
+        <p:spPr>
+          <a:xfrm>
+            <a:off x="10367889" y="4768465"/>
+            <a:ext cx="777777" cy="369332"/>
+          </a:xfrm>
+          <a:prstGeom prst="rect">
+            <a:avLst/>
+          </a:prstGeom>
+        </p:spPr>
+        <p:txBody>
+          <a:bodyPr wrap="none">
+            <a:spAutoFit/>
+          </a:bodyPr>
+          <a:lstStyle/>
+          <a:p>
+            <a:r>
+              <a:rPr lang="en-US" dirty="0" smtClean="0"/>
+              <a:t>………5</a:t>
+            </a:r>
+            <a:endParaRPr lang="en-SG" dirty="0"/>
+          </a:p>
+        </p:txBody>
+      </p:sp>
+      <p:sp>
+        <p:nvSpPr>
+          <p:cNvPr id="3" name="Rectangle 2"/>
+          <p:cNvSpPr/>
+          <p:nvPr/>
+        </p:nvSpPr>
+        <p:spPr>
+          <a:xfrm>
+            <a:off x="4693133" y="2284078"/>
+            <a:ext cx="301686" cy="369332"/>
+          </a:xfrm>
+          <a:prstGeom prst="rect">
+            <a:avLst/>
+          </a:prstGeom>
+          <a:ln>
+            <a:noFill/>
+          </a:ln>
+        </p:spPr>
+        <p:style>
+          <a:lnRef idx="2">
+            <a:schemeClr val="dk1"/>
+          </a:lnRef>
+          <a:fillRef idx="1">
+            <a:schemeClr val="lt1"/>
+          </a:fillRef>
+          <a:effectRef idx="0">
+            <a:schemeClr val="dk1"/>
+          </a:effectRef>
+          <a:fontRef idx="minor">
+            <a:schemeClr val="dk1"/>
+          </a:fontRef>
+        </p:style>
+        <p:txBody>
+          <a:bodyPr wrap="none">
+            <a:spAutoFit/>
+          </a:bodyPr>
+          <a:lstStyle/>
+          <a:p>
+            <a:r>
+              <a:rPr lang="en-US" dirty="0"/>
+              <a:t>5</a:t>
+            </a:r>
+            <a:endParaRPr lang="en-SG" dirty="0"/>
+          </a:p>
+        </p:txBody>
+      </p:sp>
     </p:spTree>
     <p:extLst>
       <p:ext uri="{BB962C8B-B14F-4D97-AF65-F5344CB8AC3E}">

--- a/Jellyfish.pptx
+++ b/Jellyfish.pptx
@@ -3171,7 +3171,7 @@
           <a:p>
             <a:fld id="{1AD2FB5A-A9A1-4728-BE5E-4ACB9D6B1424}" type="datetimeFigureOut">
               <a:rPr lang="en-SG" smtClean="0"/>
-              <a:t>18/2/2022</a:t>
+              <a:t>19/2/2022</a:t>
             </a:fld>
             <a:endParaRPr lang="en-SG"/>
           </a:p>
@@ -3570,7 +3570,7 @@
           <a:p>
             <a:fld id="{A594AEAC-7519-425F-B01A-BD06A0722592}" type="datetime1">
               <a:rPr lang="en-SG" smtClean="0"/>
-              <a:t>18/2/2022</a:t>
+              <a:t>19/2/2022</a:t>
             </a:fld>
             <a:endParaRPr lang="en-SG"/>
           </a:p>
@@ -3740,7 +3740,7 @@
           <a:p>
             <a:fld id="{BCBA97FE-B708-4C55-B8D3-E5F011A8B821}" type="datetime1">
               <a:rPr lang="en-SG" smtClean="0"/>
-              <a:t>18/2/2022</a:t>
+              <a:t>19/2/2022</a:t>
             </a:fld>
             <a:endParaRPr lang="en-SG"/>
           </a:p>
@@ -3920,7 +3920,7 @@
           <a:p>
             <a:fld id="{794A7F27-6CE3-413F-B79F-E0649B00126B}" type="datetime1">
               <a:rPr lang="en-SG" smtClean="0"/>
-              <a:t>18/2/2022</a:t>
+              <a:t>19/2/2022</a:t>
             </a:fld>
             <a:endParaRPr lang="en-SG"/>
           </a:p>
@@ -4090,7 +4090,7 @@
           <a:p>
             <a:fld id="{AEDDCED1-A06B-4D95-BF55-0155BD777723}" type="datetime1">
               <a:rPr lang="en-SG" smtClean="0"/>
-              <a:t>18/2/2022</a:t>
+              <a:t>19/2/2022</a:t>
             </a:fld>
             <a:endParaRPr lang="en-SG"/>
           </a:p>
@@ -4336,7 +4336,7 @@
           <a:p>
             <a:fld id="{12A7B465-A441-4B23-A855-3A966B6A4F46}" type="datetime1">
               <a:rPr lang="en-SG" smtClean="0"/>
-              <a:t>18/2/2022</a:t>
+              <a:t>19/2/2022</a:t>
             </a:fld>
             <a:endParaRPr lang="en-SG"/>
           </a:p>
@@ -4568,7 +4568,7 @@
           <a:p>
             <a:fld id="{6C69C227-200D-43B0-92AB-AAA5D31C09E4}" type="datetime1">
               <a:rPr lang="en-SG" smtClean="0"/>
-              <a:t>18/2/2022</a:t>
+              <a:t>19/2/2022</a:t>
             </a:fld>
             <a:endParaRPr lang="en-SG"/>
           </a:p>
@@ -4935,7 +4935,7 @@
           <a:p>
             <a:fld id="{F14B0DBB-33E6-4B90-905E-D7DC4EF13CF5}" type="datetime1">
               <a:rPr lang="en-SG" smtClean="0"/>
-              <a:t>18/2/2022</a:t>
+              <a:t>19/2/2022</a:t>
             </a:fld>
             <a:endParaRPr lang="en-SG"/>
           </a:p>
@@ -5053,7 +5053,7 @@
           <a:p>
             <a:fld id="{C969065B-FFBD-4B92-BA0A-D58391500E03}" type="datetime1">
               <a:rPr lang="en-SG" smtClean="0"/>
-              <a:t>18/2/2022</a:t>
+              <a:t>19/2/2022</a:t>
             </a:fld>
             <a:endParaRPr lang="en-SG"/>
           </a:p>
@@ -5148,7 +5148,7 @@
           <a:p>
             <a:fld id="{CC069BB5-D6A2-4AB2-BC6E-DD95BF389837}" type="datetime1">
               <a:rPr lang="en-SG" smtClean="0"/>
-              <a:t>18/2/2022</a:t>
+              <a:t>19/2/2022</a:t>
             </a:fld>
             <a:endParaRPr lang="en-SG"/>
           </a:p>
@@ -5425,7 +5425,7 @@
           <a:p>
             <a:fld id="{87E34FA4-08D7-497D-8A91-C7F653EEB986}" type="datetime1">
               <a:rPr lang="en-SG" smtClean="0"/>
-              <a:t>18/2/2022</a:t>
+              <a:t>19/2/2022</a:t>
             </a:fld>
             <a:endParaRPr lang="en-SG"/>
           </a:p>
@@ -5678,7 +5678,7 @@
           <a:p>
             <a:fld id="{8C7CF39E-2E01-42DF-8E14-FFAEB5AED21A}" type="datetime1">
               <a:rPr lang="en-SG" smtClean="0"/>
-              <a:t>18/2/2022</a:t>
+              <a:t>19/2/2022</a:t>
             </a:fld>
             <a:endParaRPr lang="en-SG"/>
           </a:p>
@@ -5891,7 +5891,7 @@
           <a:p>
             <a:fld id="{850BB47F-3E15-4801-B75B-D3F6822BE964}" type="datetime1">
               <a:rPr lang="en-SG" smtClean="0"/>
-              <a:t>18/2/2022</a:t>
+              <a:t>19/2/2022</a:t>
             </a:fld>
             <a:endParaRPr lang="en-SG"/>
           </a:p>
@@ -6752,13 +6752,8 @@
             </a:r>
             <a:r>
               <a:rPr lang="en-US" sz="2400" dirty="0" smtClean="0"/>
-              <a:t>” use to switch between types of </a:t>
-            </a:r>
-            <a:r>
-              <a:rPr lang="en-US" sz="2400" dirty="0" smtClean="0"/>
-              <a:t>movement.</a:t>
-            </a:r>
-            <a:endParaRPr lang="en-US" sz="2400" dirty="0" smtClean="0"/>
+              <a:t>” use to switch between types of movement.</a:t>
+            </a:r>
           </a:p>
         </p:txBody>
       </p:sp>
@@ -6943,8 +6938,8 @@
           </a:p>
         </p:txBody>
       </p:sp>
-      <mc:AlternateContent xmlns:mc="http://schemas.openxmlformats.org/markup-compatibility/2006">
-        <mc:Choice xmlns:a14="http://schemas.microsoft.com/office/drawing/2010/main" Requires="a14">
+      <mc:AlternateContent xmlns:mc="http://schemas.openxmlformats.org/markup-compatibility/2006" xmlns:a14="http://schemas.microsoft.com/office/drawing/2010/main">
+        <mc:Choice Requires="a14">
           <p:sp>
             <p:nvSpPr>
               <p:cNvPr id="5" name="TextBox 4"/>
@@ -7042,7 +7037,7 @@
             </p:txBody>
           </p:sp>
         </mc:Choice>
-        <mc:Fallback>
+        <mc:Fallback xmlns="">
           <p:sp>
             <p:nvSpPr>
               <p:cNvPr id="5" name="TextBox 4"/>
@@ -7934,6 +7929,122 @@
           </a:prstGeom>
         </p:spPr>
       </p:pic>
+      <p:sp>
+        <p:nvSpPr>
+          <p:cNvPr id="5" name="Rectangle 4"/>
+          <p:cNvSpPr/>
+          <p:nvPr/>
+        </p:nvSpPr>
+        <p:spPr>
+          <a:xfrm>
+            <a:off x="6331432" y="2667200"/>
+            <a:ext cx="777777" cy="369332"/>
+          </a:xfrm>
+          <a:prstGeom prst="rect">
+            <a:avLst/>
+          </a:prstGeom>
+        </p:spPr>
+        <p:txBody>
+          <a:bodyPr wrap="none">
+            <a:spAutoFit/>
+          </a:bodyPr>
+          <a:lstStyle/>
+          <a:p>
+            <a:r>
+              <a:rPr lang="en-US" dirty="0" smtClean="0"/>
+              <a:t>………4</a:t>
+            </a:r>
+            <a:endParaRPr lang="en-SG" dirty="0"/>
+          </a:p>
+        </p:txBody>
+      </p:sp>
+      <p:sp>
+        <p:nvSpPr>
+          <p:cNvPr id="10" name="Rectangle 9"/>
+          <p:cNvSpPr/>
+          <p:nvPr/>
+        </p:nvSpPr>
+        <p:spPr>
+          <a:xfrm>
+            <a:off x="5610896" y="4177323"/>
+            <a:ext cx="777777" cy="369332"/>
+          </a:xfrm>
+          <a:prstGeom prst="rect">
+            <a:avLst/>
+          </a:prstGeom>
+        </p:spPr>
+        <p:txBody>
+          <a:bodyPr wrap="none">
+            <a:spAutoFit/>
+          </a:bodyPr>
+          <a:lstStyle/>
+          <a:p>
+            <a:r>
+              <a:rPr lang="en-US" dirty="0" smtClean="0"/>
+              <a:t>………5</a:t>
+            </a:r>
+            <a:endParaRPr lang="en-SG" dirty="0"/>
+          </a:p>
+        </p:txBody>
+      </p:sp>
+      <p:sp>
+        <p:nvSpPr>
+          <p:cNvPr id="11" name="Rectangle 10"/>
+          <p:cNvSpPr/>
+          <p:nvPr/>
+        </p:nvSpPr>
+        <p:spPr>
+          <a:xfrm>
+            <a:off x="4694555" y="4900070"/>
+            <a:ext cx="777777" cy="369332"/>
+          </a:xfrm>
+          <a:prstGeom prst="rect">
+            <a:avLst/>
+          </a:prstGeom>
+        </p:spPr>
+        <p:txBody>
+          <a:bodyPr wrap="none">
+            <a:spAutoFit/>
+          </a:bodyPr>
+          <a:lstStyle/>
+          <a:p>
+            <a:r>
+              <a:rPr lang="en-US" dirty="0" smtClean="0"/>
+              <a:t>………6</a:t>
+            </a:r>
+            <a:endParaRPr lang="en-SG" dirty="0"/>
+          </a:p>
+        </p:txBody>
+      </p:sp>
+      <p:sp>
+        <p:nvSpPr>
+          <p:cNvPr id="12" name="Rectangle 11"/>
+          <p:cNvSpPr/>
+          <p:nvPr/>
+        </p:nvSpPr>
+        <p:spPr>
+          <a:xfrm>
+            <a:off x="4278501" y="5554343"/>
+            <a:ext cx="777777" cy="369332"/>
+          </a:xfrm>
+          <a:prstGeom prst="rect">
+            <a:avLst/>
+          </a:prstGeom>
+        </p:spPr>
+        <p:txBody>
+          <a:bodyPr wrap="none">
+            <a:spAutoFit/>
+          </a:bodyPr>
+          <a:lstStyle/>
+          <a:p>
+            <a:r>
+              <a:rPr lang="en-US" dirty="0" smtClean="0"/>
+              <a:t>………7</a:t>
+            </a:r>
+            <a:endParaRPr lang="en-SG" dirty="0"/>
+          </a:p>
+        </p:txBody>
+      </p:sp>
       <p:pic>
         <p:nvPicPr>
           <p:cNvPr id="8" name="Picture 7"/>
@@ -7950,7 +8061,7 @@
         </p:blipFill>
         <p:spPr>
           <a:xfrm>
-            <a:off x="787426" y="3761824"/>
+            <a:off x="787426" y="3908478"/>
             <a:ext cx="7226470" cy="2716718"/>
           </a:xfrm>
           <a:prstGeom prst="rect">
@@ -7958,35 +8069,6 @@
           </a:prstGeom>
         </p:spPr>
       </p:pic>
-      <p:sp>
-        <p:nvSpPr>
-          <p:cNvPr id="5" name="Rectangle 4"/>
-          <p:cNvSpPr/>
-          <p:nvPr/>
-        </p:nvSpPr>
-        <p:spPr>
-          <a:xfrm>
-            <a:off x="6331432" y="2667200"/>
-            <a:ext cx="777777" cy="369332"/>
-          </a:xfrm>
-          <a:prstGeom prst="rect">
-            <a:avLst/>
-          </a:prstGeom>
-        </p:spPr>
-        <p:txBody>
-          <a:bodyPr wrap="none">
-            <a:spAutoFit/>
-          </a:bodyPr>
-          <a:lstStyle/>
-          <a:p>
-            <a:r>
-              <a:rPr lang="en-US" dirty="0" smtClean="0"/>
-              <a:t>………4</a:t>
-            </a:r>
-            <a:endParaRPr lang="en-SG" dirty="0"/>
-          </a:p>
-        </p:txBody>
-      </p:sp>
     </p:spTree>
     <p:extLst>
       <p:ext uri="{BB962C8B-B14F-4D97-AF65-F5344CB8AC3E}">
@@ -8311,7 +8393,7 @@
           <a:p>
             <a:r>
               <a:rPr lang="en-US" dirty="0" smtClean="0"/>
-              <a:t>………5</a:t>
+              <a:t>………8</a:t>
             </a:r>
             <a:endParaRPr lang="en-SG" dirty="0"/>
           </a:p>
@@ -8357,7 +8439,7 @@
           <a:p>
             <a:r>
               <a:rPr lang="en-US" dirty="0"/>
-              <a:t>5</a:t>
+              <a:t>8</a:t>
             </a:r>
             <a:endParaRPr lang="en-SG" dirty="0"/>
           </a:p>

--- a/Jellyfish.pptx
+++ b/Jellyfish.pptx
@@ -6766,7 +6766,7 @@
         <p:spPr>
           <a:xfrm>
             <a:off x="604911" y="422030"/>
-            <a:ext cx="9734843" cy="1446550"/>
+            <a:ext cx="9734843" cy="769441"/>
           </a:xfrm>
           <a:prstGeom prst="rect">
             <a:avLst/>
@@ -6787,9 +6787,7 @@
               <a:rPr lang="en-SG" sz="4400" dirty="0" smtClean="0"/>
               <a:t>optimizer</a:t>
             </a:r>
-          </a:p>
-          <a:p>
-            <a:endParaRPr lang="en-SG" sz="4400" dirty="0"/>
+            <a:endParaRPr lang="en-SG" sz="4400" dirty="0" smtClean="0"/>
           </a:p>
         </p:txBody>
       </p:sp>
